--- a/实验五要求.pptx
+++ b/实验五要求.pptx
@@ -5,17 +5,21 @@
     <p:sldMasterId id="2147483648" r:id="rId1"/>
   </p:sldMasterIdLst>
   <p:notesMasterIdLst>
-    <p:notesMasterId r:id="rId5"/>
+    <p:notesMasterId r:id="rId14"/>
   </p:notesMasterIdLst>
   <p:sldIdLst>
-    <p:sldId id="256" r:id="rId3"/>
-    <p:sldId id="257" r:id="rId4"/>
-    <p:sldId id="265" r:id="rId6"/>
-    <p:sldId id="266" r:id="rId7"/>
-    <p:sldId id="261" r:id="rId8"/>
-    <p:sldId id="267" r:id="rId9"/>
-    <p:sldId id="258" r:id="rId10"/>
-    <p:sldId id="259" r:id="rId11"/>
+    <p:sldId id="256" r:id="rId2"/>
+    <p:sldId id="257" r:id="rId3"/>
+    <p:sldId id="265" r:id="rId4"/>
+    <p:sldId id="266" r:id="rId5"/>
+    <p:sldId id="261" r:id="rId6"/>
+    <p:sldId id="267" r:id="rId7"/>
+    <p:sldId id="258" r:id="rId8"/>
+    <p:sldId id="259" r:id="rId9"/>
+    <p:sldId id="268" r:id="rId10"/>
+    <p:sldId id="269" r:id="rId11"/>
+    <p:sldId id="270" r:id="rId12"/>
+    <p:sldId id="271" r:id="rId13"/>
   </p:sldIdLst>
   <p:sldSz cx="9144000" cy="6858000" type="screen4x3"/>
   <p:notesSz cx="6858000" cy="9144000"/>
@@ -114,6 +118,11 @@
       </a:defRPr>
     </a:lvl9pPr>
   </p:defaultTextStyle>
+  <p:extLst>
+    <p:ext uri="{EFAFB233-063F-42B5-8137-9DF3F51BA10A}">
+      <p15:sldGuideLst xmlns:p15="http://schemas.microsoft.com/office/powerpoint/2012/main"/>
+    </p:ext>
+  </p:extLst>
 </p:presentation>
 </file>
 
@@ -199,6 +208,7 @@
           <a:p>
             <a:fld id="{EBB48DC1-EF8E-5548-8728-E5BB5F3B1D65}" type="datetimeFigureOut">
               <a:rPr kumimoji="1" lang="zh-CN" altLang="en-US" smtClean="0"/>
+              <a:t>2023/7/11</a:t>
             </a:fld>
             <a:endParaRPr kumimoji="1" lang="zh-CN" altLang="en-US"/>
           </a:p>
@@ -265,7 +275,6 @@
               <a:rPr kumimoji="1" lang="zh-CN" altLang="en-US"/>
               <a:t>单击此处编辑母版文本样式</a:t>
             </a:r>
-            <a:endParaRPr kumimoji="1" lang="zh-CN" altLang="en-US"/>
           </a:p>
           <a:p>
             <a:pPr lvl="1"/>
@@ -273,7 +282,6 @@
               <a:rPr kumimoji="1" lang="zh-CN" altLang="en-US"/>
               <a:t>二级</a:t>
             </a:r>
-            <a:endParaRPr kumimoji="1" lang="zh-CN" altLang="en-US"/>
           </a:p>
           <a:p>
             <a:pPr lvl="2"/>
@@ -281,7 +289,6 @@
               <a:rPr kumimoji="1" lang="zh-CN" altLang="en-US"/>
               <a:t>三级</a:t>
             </a:r>
-            <a:endParaRPr kumimoji="1" lang="zh-CN" altLang="en-US"/>
           </a:p>
           <a:p>
             <a:pPr lvl="3"/>
@@ -289,7 +296,6 @@
               <a:rPr kumimoji="1" lang="zh-CN" altLang="en-US"/>
               <a:t>四级</a:t>
             </a:r>
-            <a:endParaRPr kumimoji="1" lang="zh-CN" altLang="en-US"/>
           </a:p>
           <a:p>
             <a:pPr lvl="4"/>
@@ -297,7 +303,6 @@
               <a:rPr kumimoji="1" lang="zh-CN" altLang="en-US"/>
               <a:t>五级</a:t>
             </a:r>
-            <a:endParaRPr kumimoji="1" lang="zh-CN" altLang="en-US"/>
           </a:p>
         </p:txBody>
       </p:sp>
@@ -361,6 +366,7 @@
           <a:p>
             <a:fld id="{793CF6FC-5F0B-D04E-A382-9CBA352C0D00}" type="slidenum">
               <a:rPr kumimoji="1" lang="zh-CN" altLang="en-US" smtClean="0"/>
+              <a:t>‹#›</a:t>
             </a:fld>
             <a:endParaRPr kumimoji="1" lang="zh-CN" altLang="en-US"/>
           </a:p>
@@ -529,6 +535,7 @@
           <a:p>
             <a:fld id="{793CF6FC-5F0B-D04E-A382-9CBA352C0D00}" type="slidenum">
               <a:rPr kumimoji="1" lang="zh-CN" altLang="en-US" smtClean="0"/>
+              <a:t>2</a:t>
             </a:fld>
             <a:endParaRPr kumimoji="1" lang="zh-CN" altLang="en-US"/>
           </a:p>
@@ -551,11 +558,20 @@
         <p:cNvGrpSpPr/>
         <p:nvPr/>
       </p:nvGrpSpPr>
-      <p:grpSpPr/>
+      <p:grpSpPr>
+        <a:xfrm>
+          <a:off x="0" y="0"/>
+          <a:ext cx="0" cy="0"/>
+          <a:chOff x="0" y="0"/>
+          <a:chExt cx="0" cy="0"/>
+        </a:xfrm>
+      </p:grpSpPr>
       <p:sp>
         <p:nvSpPr>
           <p:cNvPr id="2" name="幻灯片图像占位符 1"/>
-          <p:cNvSpPr/>
+          <p:cNvSpPr>
+            <a:spLocks noGrp="1" noRot="1" noChangeAspect="1"/>
+          </p:cNvSpPr>
           <p:nvPr>
             <p:ph type="sldImg" idx="2"/>
           </p:nvPr>
@@ -565,7 +581,9 @@
       <p:sp>
         <p:nvSpPr>
           <p:cNvPr id="3" name="文本占位符 2"/>
-          <p:cNvSpPr/>
+          <p:cNvSpPr>
+            <a:spLocks noGrp="1"/>
+          </p:cNvSpPr>
           <p:nvPr>
             <p:ph type="body" idx="3"/>
           </p:nvPr>
@@ -573,6 +591,7 @@
         <p:spPr/>
         <p:txBody>
           <a:bodyPr/>
+          <a:lstStyle/>
           <a:p>
             <a:endParaRPr lang="zh-CN" altLang="en-US"/>
           </a:p>
@@ -651,6 +670,7 @@
           <a:p>
             <a:fld id="{793CF6FC-5F0B-D04E-A382-9CBA352C0D00}" type="slidenum">
               <a:rPr kumimoji="1" lang="zh-CN" altLang="en-US" smtClean="0"/>
+              <a:t>5</a:t>
             </a:fld>
             <a:endParaRPr kumimoji="1" lang="zh-CN" altLang="en-US"/>
           </a:p>
@@ -795,6 +815,7 @@
           <a:p>
             <a:fld id="{16519F75-1359-3649-AF4C-DE91DCDCC81E}" type="datetimeFigureOut">
               <a:rPr kumimoji="1" lang="zh-CN" altLang="en-US" smtClean="0"/>
+              <a:t>2023/7/11</a:t>
             </a:fld>
             <a:endParaRPr kumimoji="1" lang="zh-CN" altLang="en-US"/>
           </a:p>
@@ -836,6 +857,7 @@
           <a:p>
             <a:fld id="{F987496F-8A2D-0741-BA92-08917D77AA97}" type="slidenum">
               <a:rPr kumimoji="1" lang="zh-CN" altLang="en-US" smtClean="0"/>
+              <a:t>‹#›</a:t>
             </a:fld>
             <a:endParaRPr kumimoji="1" lang="zh-CN" altLang="en-US"/>
           </a:p>
@@ -909,7 +931,6 @@
               <a:rPr lang="zh-CN" altLang="en-US"/>
               <a:t>单击此处编辑母版文本样式</a:t>
             </a:r>
-            <a:endParaRPr lang="zh-CN" altLang="en-US"/>
           </a:p>
           <a:p>
             <a:pPr lvl="1"/>
@@ -917,7 +938,6 @@
               <a:rPr lang="zh-CN" altLang="en-US"/>
               <a:t>二级</a:t>
             </a:r>
-            <a:endParaRPr lang="zh-CN" altLang="en-US"/>
           </a:p>
           <a:p>
             <a:pPr lvl="2"/>
@@ -925,7 +945,6 @@
               <a:rPr lang="zh-CN" altLang="en-US"/>
               <a:t>三级</a:t>
             </a:r>
-            <a:endParaRPr lang="zh-CN" altLang="en-US"/>
           </a:p>
           <a:p>
             <a:pPr lvl="3"/>
@@ -933,7 +952,6 @@
               <a:rPr lang="zh-CN" altLang="en-US"/>
               <a:t>四级</a:t>
             </a:r>
-            <a:endParaRPr lang="zh-CN" altLang="en-US"/>
           </a:p>
           <a:p>
             <a:pPr lvl="4"/>
@@ -962,6 +980,7 @@
           <a:p>
             <a:fld id="{16519F75-1359-3649-AF4C-DE91DCDCC81E}" type="datetimeFigureOut">
               <a:rPr kumimoji="1" lang="zh-CN" altLang="en-US" smtClean="0"/>
+              <a:t>2023/7/11</a:t>
             </a:fld>
             <a:endParaRPr kumimoji="1" lang="zh-CN" altLang="en-US"/>
           </a:p>
@@ -1003,6 +1022,7 @@
           <a:p>
             <a:fld id="{F987496F-8A2D-0741-BA92-08917D77AA97}" type="slidenum">
               <a:rPr kumimoji="1" lang="zh-CN" altLang="en-US" smtClean="0"/>
+              <a:t>‹#›</a:t>
             </a:fld>
             <a:endParaRPr kumimoji="1" lang="zh-CN" altLang="en-US"/>
           </a:p>
@@ -1086,7 +1106,6 @@
               <a:rPr lang="zh-CN" altLang="en-US"/>
               <a:t>单击此处编辑母版文本样式</a:t>
             </a:r>
-            <a:endParaRPr lang="zh-CN" altLang="en-US"/>
           </a:p>
           <a:p>
             <a:pPr lvl="1"/>
@@ -1094,7 +1113,6 @@
               <a:rPr lang="zh-CN" altLang="en-US"/>
               <a:t>二级</a:t>
             </a:r>
-            <a:endParaRPr lang="zh-CN" altLang="en-US"/>
           </a:p>
           <a:p>
             <a:pPr lvl="2"/>
@@ -1102,7 +1120,6 @@
               <a:rPr lang="zh-CN" altLang="en-US"/>
               <a:t>三级</a:t>
             </a:r>
-            <a:endParaRPr lang="zh-CN" altLang="en-US"/>
           </a:p>
           <a:p>
             <a:pPr lvl="3"/>
@@ -1110,7 +1127,6 @@
               <a:rPr lang="zh-CN" altLang="en-US"/>
               <a:t>四级</a:t>
             </a:r>
-            <a:endParaRPr lang="zh-CN" altLang="en-US"/>
           </a:p>
           <a:p>
             <a:pPr lvl="4"/>
@@ -1139,6 +1155,7 @@
           <a:p>
             <a:fld id="{16519F75-1359-3649-AF4C-DE91DCDCC81E}" type="datetimeFigureOut">
               <a:rPr kumimoji="1" lang="zh-CN" altLang="en-US" smtClean="0"/>
+              <a:t>2023/7/11</a:t>
             </a:fld>
             <a:endParaRPr kumimoji="1" lang="zh-CN" altLang="en-US"/>
           </a:p>
@@ -1180,6 +1197,7 @@
           <a:p>
             <a:fld id="{F987496F-8A2D-0741-BA92-08917D77AA97}" type="slidenum">
               <a:rPr kumimoji="1" lang="zh-CN" altLang="en-US" smtClean="0"/>
+              <a:t>‹#›</a:t>
             </a:fld>
             <a:endParaRPr kumimoji="1" lang="zh-CN" altLang="en-US"/>
           </a:p>
@@ -1253,7 +1271,6 @@
               <a:rPr lang="zh-CN" altLang="en-US"/>
               <a:t>单击此处编辑母版文本样式</a:t>
             </a:r>
-            <a:endParaRPr lang="zh-CN" altLang="en-US"/>
           </a:p>
           <a:p>
             <a:pPr lvl="1"/>
@@ -1261,7 +1278,6 @@
               <a:rPr lang="zh-CN" altLang="en-US"/>
               <a:t>二级</a:t>
             </a:r>
-            <a:endParaRPr lang="zh-CN" altLang="en-US"/>
           </a:p>
           <a:p>
             <a:pPr lvl="2"/>
@@ -1269,7 +1285,6 @@
               <a:rPr lang="zh-CN" altLang="en-US"/>
               <a:t>三级</a:t>
             </a:r>
-            <a:endParaRPr lang="zh-CN" altLang="en-US"/>
           </a:p>
           <a:p>
             <a:pPr lvl="3"/>
@@ -1277,7 +1292,6 @@
               <a:rPr lang="zh-CN" altLang="en-US"/>
               <a:t>四级</a:t>
             </a:r>
-            <a:endParaRPr lang="zh-CN" altLang="en-US"/>
           </a:p>
           <a:p>
             <a:pPr lvl="4"/>
@@ -1306,6 +1320,7 @@
           <a:p>
             <a:fld id="{16519F75-1359-3649-AF4C-DE91DCDCC81E}" type="datetimeFigureOut">
               <a:rPr kumimoji="1" lang="zh-CN" altLang="en-US" smtClean="0"/>
+              <a:t>2023/7/11</a:t>
             </a:fld>
             <a:endParaRPr kumimoji="1" lang="zh-CN" altLang="en-US"/>
           </a:p>
@@ -1347,6 +1362,7 @@
           <a:p>
             <a:fld id="{F987496F-8A2D-0741-BA92-08917D77AA97}" type="slidenum">
               <a:rPr kumimoji="1" lang="zh-CN" altLang="en-US" smtClean="0"/>
+              <a:t>‹#›</a:t>
             </a:fld>
             <a:endParaRPr kumimoji="1" lang="zh-CN" altLang="en-US"/>
           </a:p>
@@ -1523,7 +1539,6 @@
               <a:rPr lang="zh-CN" altLang="en-US"/>
               <a:t>单击此处编辑母版文本样式</a:t>
             </a:r>
-            <a:endParaRPr lang="zh-CN" altLang="en-US"/>
           </a:p>
         </p:txBody>
       </p:sp>
@@ -1544,6 +1559,7 @@
           <a:p>
             <a:fld id="{16519F75-1359-3649-AF4C-DE91DCDCC81E}" type="datetimeFigureOut">
               <a:rPr kumimoji="1" lang="zh-CN" altLang="en-US" smtClean="0"/>
+              <a:t>2023/7/11</a:t>
             </a:fld>
             <a:endParaRPr kumimoji="1" lang="zh-CN" altLang="en-US"/>
           </a:p>
@@ -1585,6 +1601,7 @@
           <a:p>
             <a:fld id="{F987496F-8A2D-0741-BA92-08917D77AA97}" type="slidenum">
               <a:rPr kumimoji="1" lang="zh-CN" altLang="en-US" smtClean="0"/>
+              <a:t>‹#›</a:t>
             </a:fld>
             <a:endParaRPr kumimoji="1" lang="zh-CN" altLang="en-US"/>
           </a:p>
@@ -1663,7 +1680,6 @@
               <a:rPr lang="zh-CN" altLang="en-US"/>
               <a:t>单击此处编辑母版文本样式</a:t>
             </a:r>
-            <a:endParaRPr lang="zh-CN" altLang="en-US"/>
           </a:p>
           <a:p>
             <a:pPr lvl="1"/>
@@ -1671,7 +1687,6 @@
               <a:rPr lang="zh-CN" altLang="en-US"/>
               <a:t>二级</a:t>
             </a:r>
-            <a:endParaRPr lang="zh-CN" altLang="en-US"/>
           </a:p>
           <a:p>
             <a:pPr lvl="2"/>
@@ -1679,7 +1694,6 @@
               <a:rPr lang="zh-CN" altLang="en-US"/>
               <a:t>三级</a:t>
             </a:r>
-            <a:endParaRPr lang="zh-CN" altLang="en-US"/>
           </a:p>
           <a:p>
             <a:pPr lvl="3"/>
@@ -1687,7 +1701,6 @@
               <a:rPr lang="zh-CN" altLang="en-US"/>
               <a:t>四级</a:t>
             </a:r>
-            <a:endParaRPr lang="zh-CN" altLang="en-US"/>
           </a:p>
           <a:p>
             <a:pPr lvl="4"/>
@@ -1724,7 +1737,6 @@
               <a:rPr lang="zh-CN" altLang="en-US"/>
               <a:t>单击此处编辑母版文本样式</a:t>
             </a:r>
-            <a:endParaRPr lang="zh-CN" altLang="en-US"/>
           </a:p>
           <a:p>
             <a:pPr lvl="1"/>
@@ -1732,7 +1744,6 @@
               <a:rPr lang="zh-CN" altLang="en-US"/>
               <a:t>二级</a:t>
             </a:r>
-            <a:endParaRPr lang="zh-CN" altLang="en-US"/>
           </a:p>
           <a:p>
             <a:pPr lvl="2"/>
@@ -1740,7 +1751,6 @@
               <a:rPr lang="zh-CN" altLang="en-US"/>
               <a:t>三级</a:t>
             </a:r>
-            <a:endParaRPr lang="zh-CN" altLang="en-US"/>
           </a:p>
           <a:p>
             <a:pPr lvl="3"/>
@@ -1748,7 +1758,6 @@
               <a:rPr lang="zh-CN" altLang="en-US"/>
               <a:t>四级</a:t>
             </a:r>
-            <a:endParaRPr lang="zh-CN" altLang="en-US"/>
           </a:p>
           <a:p>
             <a:pPr lvl="4"/>
@@ -1777,6 +1786,7 @@
           <a:p>
             <a:fld id="{16519F75-1359-3649-AF4C-DE91DCDCC81E}" type="datetimeFigureOut">
               <a:rPr kumimoji="1" lang="zh-CN" altLang="en-US" smtClean="0"/>
+              <a:t>2023/7/11</a:t>
             </a:fld>
             <a:endParaRPr kumimoji="1" lang="zh-CN" altLang="en-US"/>
           </a:p>
@@ -1818,6 +1828,7 @@
           <a:p>
             <a:fld id="{F987496F-8A2D-0741-BA92-08917D77AA97}" type="slidenum">
               <a:rPr kumimoji="1" lang="zh-CN" altLang="en-US" smtClean="0"/>
+              <a:t>‹#›</a:t>
             </a:fld>
             <a:endParaRPr kumimoji="1" lang="zh-CN" altLang="en-US"/>
           </a:p>
@@ -1938,7 +1949,6 @@
               <a:rPr lang="zh-CN" altLang="en-US"/>
               <a:t>单击此处编辑母版文本样式</a:t>
             </a:r>
-            <a:endParaRPr lang="zh-CN" altLang="en-US"/>
           </a:p>
         </p:txBody>
       </p:sp>
@@ -1967,7 +1977,6 @@
               <a:rPr lang="zh-CN" altLang="en-US"/>
               <a:t>单击此处编辑母版文本样式</a:t>
             </a:r>
-            <a:endParaRPr lang="zh-CN" altLang="en-US"/>
           </a:p>
           <a:p>
             <a:pPr lvl="1"/>
@@ -1975,7 +1984,6 @@
               <a:rPr lang="zh-CN" altLang="en-US"/>
               <a:t>二级</a:t>
             </a:r>
-            <a:endParaRPr lang="zh-CN" altLang="en-US"/>
           </a:p>
           <a:p>
             <a:pPr lvl="2"/>
@@ -1983,7 +1991,6 @@
               <a:rPr lang="zh-CN" altLang="en-US"/>
               <a:t>三级</a:t>
             </a:r>
-            <a:endParaRPr lang="zh-CN" altLang="en-US"/>
           </a:p>
           <a:p>
             <a:pPr lvl="3"/>
@@ -1991,7 +1998,6 @@
               <a:rPr lang="zh-CN" altLang="en-US"/>
               <a:t>四级</a:t>
             </a:r>
-            <a:endParaRPr lang="zh-CN" altLang="en-US"/>
           </a:p>
           <a:p>
             <a:pPr lvl="4"/>
@@ -2065,7 +2071,6 @@
               <a:rPr lang="zh-CN" altLang="en-US"/>
               <a:t>单击此处编辑母版文本样式</a:t>
             </a:r>
-            <a:endParaRPr lang="zh-CN" altLang="en-US"/>
           </a:p>
         </p:txBody>
       </p:sp>
@@ -2094,7 +2099,6 @@
               <a:rPr lang="zh-CN" altLang="en-US"/>
               <a:t>单击此处编辑母版文本样式</a:t>
             </a:r>
-            <a:endParaRPr lang="zh-CN" altLang="en-US"/>
           </a:p>
           <a:p>
             <a:pPr lvl="1"/>
@@ -2102,7 +2106,6 @@
               <a:rPr lang="zh-CN" altLang="en-US"/>
               <a:t>二级</a:t>
             </a:r>
-            <a:endParaRPr lang="zh-CN" altLang="en-US"/>
           </a:p>
           <a:p>
             <a:pPr lvl="2"/>
@@ -2110,7 +2113,6 @@
               <a:rPr lang="zh-CN" altLang="en-US"/>
               <a:t>三级</a:t>
             </a:r>
-            <a:endParaRPr lang="zh-CN" altLang="en-US"/>
           </a:p>
           <a:p>
             <a:pPr lvl="3"/>
@@ -2118,7 +2120,6 @@
               <a:rPr lang="zh-CN" altLang="en-US"/>
               <a:t>四级</a:t>
             </a:r>
-            <a:endParaRPr lang="zh-CN" altLang="en-US"/>
           </a:p>
           <a:p>
             <a:pPr lvl="4"/>
@@ -2147,6 +2148,7 @@
           <a:p>
             <a:fld id="{16519F75-1359-3649-AF4C-DE91DCDCC81E}" type="datetimeFigureOut">
               <a:rPr kumimoji="1" lang="zh-CN" altLang="en-US" smtClean="0"/>
+              <a:t>2023/7/11</a:t>
             </a:fld>
             <a:endParaRPr kumimoji="1" lang="zh-CN" altLang="en-US"/>
           </a:p>
@@ -2188,6 +2190,7 @@
           <a:p>
             <a:fld id="{F987496F-8A2D-0741-BA92-08917D77AA97}" type="slidenum">
               <a:rPr kumimoji="1" lang="zh-CN" altLang="en-US" smtClean="0"/>
+              <a:t>‹#›</a:t>
             </a:fld>
             <a:endParaRPr kumimoji="1" lang="zh-CN" altLang="en-US"/>
           </a:p>
@@ -2258,6 +2261,7 @@
           <a:p>
             <a:fld id="{16519F75-1359-3649-AF4C-DE91DCDCC81E}" type="datetimeFigureOut">
               <a:rPr kumimoji="1" lang="zh-CN" altLang="en-US" smtClean="0"/>
+              <a:t>2023/7/11</a:t>
             </a:fld>
             <a:endParaRPr kumimoji="1" lang="zh-CN" altLang="en-US"/>
           </a:p>
@@ -2299,6 +2303,7 @@
           <a:p>
             <a:fld id="{F987496F-8A2D-0741-BA92-08917D77AA97}" type="slidenum">
               <a:rPr kumimoji="1" lang="zh-CN" altLang="en-US" smtClean="0"/>
+              <a:t>‹#›</a:t>
             </a:fld>
             <a:endParaRPr kumimoji="1" lang="zh-CN" altLang="en-US"/>
           </a:p>
@@ -2346,6 +2351,7 @@
           <a:p>
             <a:fld id="{16519F75-1359-3649-AF4C-DE91DCDCC81E}" type="datetimeFigureOut">
               <a:rPr kumimoji="1" lang="zh-CN" altLang="en-US" smtClean="0"/>
+              <a:t>2023/7/11</a:t>
             </a:fld>
             <a:endParaRPr kumimoji="1" lang="zh-CN" altLang="en-US"/>
           </a:p>
@@ -2387,6 +2393,7 @@
           <a:p>
             <a:fld id="{F987496F-8A2D-0741-BA92-08917D77AA97}" type="slidenum">
               <a:rPr kumimoji="1" lang="zh-CN" altLang="en-US" smtClean="0"/>
+              <a:t>‹#›</a:t>
             </a:fld>
             <a:endParaRPr kumimoji="1" lang="zh-CN" altLang="en-US"/>
           </a:p>
@@ -2502,7 +2509,6 @@
               <a:rPr lang="zh-CN" altLang="en-US"/>
               <a:t>单击此处编辑母版文本样式</a:t>
             </a:r>
-            <a:endParaRPr lang="zh-CN" altLang="en-US"/>
           </a:p>
           <a:p>
             <a:pPr lvl="1"/>
@@ -2510,7 +2516,6 @@
               <a:rPr lang="zh-CN" altLang="en-US"/>
               <a:t>二级</a:t>
             </a:r>
-            <a:endParaRPr lang="zh-CN" altLang="en-US"/>
           </a:p>
           <a:p>
             <a:pPr lvl="2"/>
@@ -2518,7 +2523,6 @@
               <a:rPr lang="zh-CN" altLang="en-US"/>
               <a:t>三级</a:t>
             </a:r>
-            <a:endParaRPr lang="zh-CN" altLang="en-US"/>
           </a:p>
           <a:p>
             <a:pPr lvl="3"/>
@@ -2526,7 +2530,6 @@
               <a:rPr lang="zh-CN" altLang="en-US"/>
               <a:t>四级</a:t>
             </a:r>
-            <a:endParaRPr lang="zh-CN" altLang="en-US"/>
           </a:p>
           <a:p>
             <a:pPr lvl="4"/>
@@ -2600,7 +2603,6 @@
               <a:rPr lang="zh-CN" altLang="en-US"/>
               <a:t>单击此处编辑母版文本样式</a:t>
             </a:r>
-            <a:endParaRPr lang="zh-CN" altLang="en-US"/>
           </a:p>
         </p:txBody>
       </p:sp>
@@ -2621,6 +2623,7 @@
           <a:p>
             <a:fld id="{16519F75-1359-3649-AF4C-DE91DCDCC81E}" type="datetimeFigureOut">
               <a:rPr kumimoji="1" lang="zh-CN" altLang="en-US" smtClean="0"/>
+              <a:t>2023/7/11</a:t>
             </a:fld>
             <a:endParaRPr kumimoji="1" lang="zh-CN" altLang="en-US"/>
           </a:p>
@@ -2662,6 +2665,7 @@
           <a:p>
             <a:fld id="{F987496F-8A2D-0741-BA92-08917D77AA97}" type="slidenum">
               <a:rPr kumimoji="1" lang="zh-CN" altLang="en-US" smtClean="0"/>
+              <a:t>‹#›</a:t>
             </a:fld>
             <a:endParaRPr kumimoji="1" lang="zh-CN" altLang="en-US"/>
           </a:p>
@@ -2851,7 +2855,6 @@
               <a:rPr lang="zh-CN" altLang="en-US"/>
               <a:t>单击此处编辑母版文本样式</a:t>
             </a:r>
-            <a:endParaRPr lang="zh-CN" altLang="en-US"/>
           </a:p>
         </p:txBody>
       </p:sp>
@@ -2872,6 +2875,7 @@
           <a:p>
             <a:fld id="{16519F75-1359-3649-AF4C-DE91DCDCC81E}" type="datetimeFigureOut">
               <a:rPr kumimoji="1" lang="zh-CN" altLang="en-US" smtClean="0"/>
+              <a:t>2023/7/11</a:t>
             </a:fld>
             <a:endParaRPr kumimoji="1" lang="zh-CN" altLang="en-US"/>
           </a:p>
@@ -2913,6 +2917,7 @@
           <a:p>
             <a:fld id="{F987496F-8A2D-0741-BA92-08917D77AA97}" type="slidenum">
               <a:rPr kumimoji="1" lang="zh-CN" altLang="en-US" smtClean="0"/>
+              <a:t>‹#›</a:t>
             </a:fld>
             <a:endParaRPr kumimoji="1" lang="zh-CN" altLang="en-US"/>
           </a:p>
@@ -3011,7 +3016,6 @@
               <a:rPr lang="zh-CN" altLang="en-US"/>
               <a:t>单击此处编辑母版文本样式</a:t>
             </a:r>
-            <a:endParaRPr lang="zh-CN" altLang="en-US"/>
           </a:p>
           <a:p>
             <a:pPr lvl="1"/>
@@ -3019,7 +3023,6 @@
               <a:rPr lang="zh-CN" altLang="en-US"/>
               <a:t>二级</a:t>
             </a:r>
-            <a:endParaRPr lang="zh-CN" altLang="en-US"/>
           </a:p>
           <a:p>
             <a:pPr lvl="2"/>
@@ -3027,7 +3030,6 @@
               <a:rPr lang="zh-CN" altLang="en-US"/>
               <a:t>三级</a:t>
             </a:r>
-            <a:endParaRPr lang="zh-CN" altLang="en-US"/>
           </a:p>
           <a:p>
             <a:pPr lvl="3"/>
@@ -3035,7 +3037,6 @@
               <a:rPr lang="zh-CN" altLang="en-US"/>
               <a:t>四级</a:t>
             </a:r>
-            <a:endParaRPr lang="zh-CN" altLang="en-US"/>
           </a:p>
           <a:p>
             <a:pPr lvl="4"/>
@@ -3088,6 +3089,7 @@
           <a:p>
             <a:fld id="{16519F75-1359-3649-AF4C-DE91DCDCC81E}" type="datetimeFigureOut">
               <a:rPr kumimoji="1" lang="zh-CN" altLang="en-US" smtClean="0"/>
+              <a:t>2023/7/11</a:t>
             </a:fld>
             <a:endParaRPr kumimoji="1" lang="zh-CN" altLang="en-US"/>
           </a:p>
@@ -3177,6 +3179,7 @@
           <a:p>
             <a:fld id="{F987496F-8A2D-0741-BA92-08917D77AA97}" type="slidenum">
               <a:rPr kumimoji="1" lang="zh-CN" altLang="en-US" smtClean="0"/>
+              <a:t>‹#›</a:t>
             </a:fld>
             <a:endParaRPr kumimoji="1" lang="zh-CN" altLang="en-US"/>
           </a:p>
@@ -3531,11 +3534,3029 @@
               <a:rPr kumimoji="1" lang="zh-CN" altLang="en-US" dirty="0"/>
               <a:t>多模态情感分析</a:t>
             </a:r>
-            <a:endParaRPr kumimoji="1" lang="zh-CN" altLang="en-US" dirty="0"/>
           </a:p>
         </p:txBody>
       </p:sp>
     </p:spTree>
+  </p:cSld>
+  <p:clrMapOvr>
+    <a:masterClrMapping/>
+  </p:clrMapOvr>
+</p:sld>
+</file>
+
+<file path=ppt/slides/slide10.xml><?xml version="1.0" encoding="utf-8"?>
+<p:sld xmlns:a="http://schemas.openxmlformats.org/drawingml/2006/main" xmlns:r="http://schemas.openxmlformats.org/officeDocument/2006/relationships" xmlns:p="http://schemas.openxmlformats.org/presentationml/2006/main">
+  <p:cSld>
+    <p:spTree>
+      <p:nvGrpSpPr>
+        <p:cNvPr id="1" name=""/>
+        <p:cNvGrpSpPr/>
+        <p:nvPr/>
+      </p:nvGrpSpPr>
+      <p:grpSpPr>
+        <a:xfrm>
+          <a:off x="0" y="0"/>
+          <a:ext cx="0" cy="0"/>
+          <a:chOff x="0" y="0"/>
+          <a:chExt cx="0" cy="0"/>
+        </a:xfrm>
+      </p:grpSpPr>
+      <p:sp>
+        <p:nvSpPr>
+          <p:cNvPr id="5" name="Rounded Rectangle 4">
+            <a:extLst>
+              <a:ext uri="{FF2B5EF4-FFF2-40B4-BE49-F238E27FC236}">
+                <a16:creationId xmlns:a16="http://schemas.microsoft.com/office/drawing/2014/main" id="{308D25E3-6874-56F9-9CD6-7BE9063AE831}"/>
+              </a:ext>
+            </a:extLst>
+          </p:cNvPr>
+          <p:cNvSpPr/>
+          <p:nvPr/>
+        </p:nvSpPr>
+        <p:spPr>
+          <a:xfrm>
+            <a:off x="1203158" y="4848726"/>
+            <a:ext cx="2081463" cy="782053"/>
+          </a:xfrm>
+          <a:prstGeom prst="roundRect">
+            <a:avLst/>
+          </a:prstGeom>
+        </p:spPr>
+        <p:style>
+          <a:lnRef idx="2">
+            <a:schemeClr val="accent1">
+              <a:shade val="15000"/>
+            </a:schemeClr>
+          </a:lnRef>
+          <a:fillRef idx="1">
+            <a:schemeClr val="accent1"/>
+          </a:fillRef>
+          <a:effectRef idx="0">
+            <a:schemeClr val="accent1"/>
+          </a:effectRef>
+          <a:fontRef idx="minor">
+            <a:schemeClr val="lt1"/>
+          </a:fontRef>
+        </p:style>
+        <p:txBody>
+          <a:bodyPr rtlCol="0" anchor="ctr"/>
+          <a:lstStyle/>
+          <a:p>
+            <a:pPr algn="ctr"/>
+            <a:r>
+              <a:rPr lang="en-US" dirty="0"/>
+              <a:t>输出文本特征</a:t>
+            </a:r>
+          </a:p>
+        </p:txBody>
+      </p:sp>
+      <p:cxnSp>
+        <p:nvCxnSpPr>
+          <p:cNvPr id="7" name="Straight Arrow Connector 6">
+            <a:extLst>
+              <a:ext uri="{FF2B5EF4-FFF2-40B4-BE49-F238E27FC236}">
+                <a16:creationId xmlns:a16="http://schemas.microsoft.com/office/drawing/2014/main" id="{C99180F1-6BE6-9564-3F90-B743396BD644}"/>
+              </a:ext>
+            </a:extLst>
+          </p:cNvPr>
+          <p:cNvCxnSpPr/>
+          <p:nvPr/>
+        </p:nvCxnSpPr>
+        <p:spPr>
+          <a:xfrm flipV="1">
+            <a:off x="1479885" y="4570294"/>
+            <a:ext cx="0" cy="266400"/>
+          </a:xfrm>
+          <a:prstGeom prst="straightConnector1">
+            <a:avLst/>
+          </a:prstGeom>
+          <a:ln>
+            <a:tailEnd type="triangle"/>
+          </a:ln>
+        </p:spPr>
+        <p:style>
+          <a:lnRef idx="1">
+            <a:schemeClr val="accent1"/>
+          </a:lnRef>
+          <a:fillRef idx="0">
+            <a:schemeClr val="accent1"/>
+          </a:fillRef>
+          <a:effectRef idx="0">
+            <a:schemeClr val="accent1"/>
+          </a:effectRef>
+          <a:fontRef idx="minor">
+            <a:schemeClr val="tx1"/>
+          </a:fontRef>
+        </p:style>
+      </p:cxnSp>
+      <p:cxnSp>
+        <p:nvCxnSpPr>
+          <p:cNvPr id="8" name="Straight Arrow Connector 7">
+            <a:extLst>
+              <a:ext uri="{FF2B5EF4-FFF2-40B4-BE49-F238E27FC236}">
+                <a16:creationId xmlns:a16="http://schemas.microsoft.com/office/drawing/2014/main" id="{624794CD-9A3F-932A-8580-9875DAE45476}"/>
+              </a:ext>
+            </a:extLst>
+          </p:cNvPr>
+          <p:cNvCxnSpPr/>
+          <p:nvPr/>
+        </p:nvCxnSpPr>
+        <p:spPr>
+          <a:xfrm flipV="1">
+            <a:off x="1792706" y="4570294"/>
+            <a:ext cx="0" cy="266400"/>
+          </a:xfrm>
+          <a:prstGeom prst="straightConnector1">
+            <a:avLst/>
+          </a:prstGeom>
+          <a:ln>
+            <a:tailEnd type="triangle"/>
+          </a:ln>
+        </p:spPr>
+        <p:style>
+          <a:lnRef idx="1">
+            <a:schemeClr val="accent1"/>
+          </a:lnRef>
+          <a:fillRef idx="0">
+            <a:schemeClr val="accent1"/>
+          </a:fillRef>
+          <a:effectRef idx="0">
+            <a:schemeClr val="accent1"/>
+          </a:effectRef>
+          <a:fontRef idx="minor">
+            <a:schemeClr val="tx1"/>
+          </a:fontRef>
+        </p:style>
+      </p:cxnSp>
+      <p:cxnSp>
+        <p:nvCxnSpPr>
+          <p:cNvPr id="9" name="Straight Arrow Connector 8">
+            <a:extLst>
+              <a:ext uri="{FF2B5EF4-FFF2-40B4-BE49-F238E27FC236}">
+                <a16:creationId xmlns:a16="http://schemas.microsoft.com/office/drawing/2014/main" id="{9D72544A-3309-8FBA-384C-65AEC1337E78}"/>
+              </a:ext>
+            </a:extLst>
+          </p:cNvPr>
+          <p:cNvCxnSpPr/>
+          <p:nvPr/>
+        </p:nvCxnSpPr>
+        <p:spPr>
+          <a:xfrm flipV="1">
+            <a:off x="2683042" y="4582326"/>
+            <a:ext cx="0" cy="266400"/>
+          </a:xfrm>
+          <a:prstGeom prst="straightConnector1">
+            <a:avLst/>
+          </a:prstGeom>
+          <a:ln>
+            <a:tailEnd type="triangle"/>
+          </a:ln>
+        </p:spPr>
+        <p:style>
+          <a:lnRef idx="1">
+            <a:schemeClr val="accent1"/>
+          </a:lnRef>
+          <a:fillRef idx="0">
+            <a:schemeClr val="accent1"/>
+          </a:fillRef>
+          <a:effectRef idx="0">
+            <a:schemeClr val="accent1"/>
+          </a:effectRef>
+          <a:fontRef idx="minor">
+            <a:schemeClr val="tx1"/>
+          </a:fontRef>
+        </p:style>
+      </p:cxnSp>
+      <p:cxnSp>
+        <p:nvCxnSpPr>
+          <p:cNvPr id="10" name="Straight Arrow Connector 9">
+            <a:extLst>
+              <a:ext uri="{FF2B5EF4-FFF2-40B4-BE49-F238E27FC236}">
+                <a16:creationId xmlns:a16="http://schemas.microsoft.com/office/drawing/2014/main" id="{99B8549B-5FFC-5860-55C8-17FDEE05A7C2}"/>
+              </a:ext>
+            </a:extLst>
+          </p:cNvPr>
+          <p:cNvCxnSpPr/>
+          <p:nvPr/>
+        </p:nvCxnSpPr>
+        <p:spPr>
+          <a:xfrm flipV="1">
+            <a:off x="2983831" y="4594358"/>
+            <a:ext cx="0" cy="266400"/>
+          </a:xfrm>
+          <a:prstGeom prst="straightConnector1">
+            <a:avLst/>
+          </a:prstGeom>
+          <a:ln>
+            <a:tailEnd type="triangle"/>
+          </a:ln>
+        </p:spPr>
+        <p:style>
+          <a:lnRef idx="1">
+            <a:schemeClr val="accent1"/>
+          </a:lnRef>
+          <a:fillRef idx="0">
+            <a:schemeClr val="accent1"/>
+          </a:fillRef>
+          <a:effectRef idx="0">
+            <a:schemeClr val="accent1"/>
+          </a:effectRef>
+          <a:fontRef idx="minor">
+            <a:schemeClr val="tx1"/>
+          </a:fontRef>
+        </p:style>
+      </p:cxnSp>
+      <p:sp>
+        <p:nvSpPr>
+          <p:cNvPr id="11" name="Rectangle 10">
+            <a:extLst>
+              <a:ext uri="{FF2B5EF4-FFF2-40B4-BE49-F238E27FC236}">
+                <a16:creationId xmlns:a16="http://schemas.microsoft.com/office/drawing/2014/main" id="{0A015E4C-BD30-4A59-812E-2EECE3FB6FBF}"/>
+              </a:ext>
+            </a:extLst>
+          </p:cNvPr>
+          <p:cNvSpPr/>
+          <p:nvPr/>
+        </p:nvSpPr>
+        <p:spPr>
+          <a:xfrm>
+            <a:off x="1347537" y="4319337"/>
+            <a:ext cx="240631" cy="250957"/>
+          </a:xfrm>
+          <a:prstGeom prst="rect">
+            <a:avLst/>
+          </a:prstGeom>
+        </p:spPr>
+        <p:style>
+          <a:lnRef idx="2">
+            <a:schemeClr val="accent1">
+              <a:shade val="15000"/>
+            </a:schemeClr>
+          </a:lnRef>
+          <a:fillRef idx="1">
+            <a:schemeClr val="accent1"/>
+          </a:fillRef>
+          <a:effectRef idx="0">
+            <a:schemeClr val="accent1"/>
+          </a:effectRef>
+          <a:fontRef idx="minor">
+            <a:schemeClr val="lt1"/>
+          </a:fontRef>
+        </p:style>
+        <p:txBody>
+          <a:bodyPr rtlCol="0" anchor="ctr"/>
+          <a:lstStyle/>
+          <a:p>
+            <a:pPr algn="ctr"/>
+            <a:r>
+              <a:rPr lang="en-US" altLang="zh-CN" sz="1600" dirty="0"/>
+              <a:t>t</a:t>
+            </a:r>
+            <a:endParaRPr lang="en-US" sz="1600" dirty="0"/>
+          </a:p>
+        </p:txBody>
+      </p:sp>
+      <p:sp>
+        <p:nvSpPr>
+          <p:cNvPr id="12" name="Rectangle 11">
+            <a:extLst>
+              <a:ext uri="{FF2B5EF4-FFF2-40B4-BE49-F238E27FC236}">
+                <a16:creationId xmlns:a16="http://schemas.microsoft.com/office/drawing/2014/main" id="{1D36D425-1CC2-D3B0-1579-22207024029E}"/>
+              </a:ext>
+            </a:extLst>
+          </p:cNvPr>
+          <p:cNvSpPr/>
+          <p:nvPr/>
+        </p:nvSpPr>
+        <p:spPr>
+          <a:xfrm>
+            <a:off x="1660358" y="4319337"/>
+            <a:ext cx="240631" cy="250957"/>
+          </a:xfrm>
+          <a:prstGeom prst="rect">
+            <a:avLst/>
+          </a:prstGeom>
+        </p:spPr>
+        <p:style>
+          <a:lnRef idx="2">
+            <a:schemeClr val="accent1">
+              <a:shade val="15000"/>
+            </a:schemeClr>
+          </a:lnRef>
+          <a:fillRef idx="1">
+            <a:schemeClr val="accent1"/>
+          </a:fillRef>
+          <a:effectRef idx="0">
+            <a:schemeClr val="accent1"/>
+          </a:effectRef>
+          <a:fontRef idx="minor">
+            <a:schemeClr val="lt1"/>
+          </a:fontRef>
+        </p:style>
+        <p:txBody>
+          <a:bodyPr rtlCol="0" anchor="ctr"/>
+          <a:lstStyle/>
+          <a:p>
+            <a:pPr algn="ctr"/>
+            <a:r>
+              <a:rPr lang="en-US" altLang="zh-CN" dirty="0"/>
+              <a:t>t</a:t>
+            </a:r>
+            <a:endParaRPr lang="en-US" dirty="0"/>
+          </a:p>
+        </p:txBody>
+      </p:sp>
+      <p:sp>
+        <p:nvSpPr>
+          <p:cNvPr id="13" name="Rectangle 12">
+            <a:extLst>
+              <a:ext uri="{FF2B5EF4-FFF2-40B4-BE49-F238E27FC236}">
+                <a16:creationId xmlns:a16="http://schemas.microsoft.com/office/drawing/2014/main" id="{813ABD5A-1B0B-5BF3-1859-0AA8AFCD4F25}"/>
+              </a:ext>
+            </a:extLst>
+          </p:cNvPr>
+          <p:cNvSpPr/>
+          <p:nvPr/>
+        </p:nvSpPr>
+        <p:spPr>
+          <a:xfrm>
+            <a:off x="2550695" y="4319337"/>
+            <a:ext cx="240631" cy="250957"/>
+          </a:xfrm>
+          <a:prstGeom prst="rect">
+            <a:avLst/>
+          </a:prstGeom>
+        </p:spPr>
+        <p:style>
+          <a:lnRef idx="2">
+            <a:schemeClr val="accent1">
+              <a:shade val="15000"/>
+            </a:schemeClr>
+          </a:lnRef>
+          <a:fillRef idx="1">
+            <a:schemeClr val="accent1"/>
+          </a:fillRef>
+          <a:effectRef idx="0">
+            <a:schemeClr val="accent1"/>
+          </a:effectRef>
+          <a:fontRef idx="minor">
+            <a:schemeClr val="lt1"/>
+          </a:fontRef>
+        </p:style>
+        <p:txBody>
+          <a:bodyPr rtlCol="0" anchor="ctr"/>
+          <a:lstStyle/>
+          <a:p>
+            <a:pPr algn="ctr"/>
+            <a:r>
+              <a:rPr lang="en-US" altLang="zh-CN" sz="1600" dirty="0"/>
+              <a:t>t</a:t>
+            </a:r>
+            <a:endParaRPr lang="en-US" sz="1600" dirty="0"/>
+          </a:p>
+        </p:txBody>
+      </p:sp>
+      <p:sp>
+        <p:nvSpPr>
+          <p:cNvPr id="14" name="Rectangle 13">
+            <a:extLst>
+              <a:ext uri="{FF2B5EF4-FFF2-40B4-BE49-F238E27FC236}">
+                <a16:creationId xmlns:a16="http://schemas.microsoft.com/office/drawing/2014/main" id="{F38B992B-25E0-E99E-A771-8A2B579E6378}"/>
+              </a:ext>
+            </a:extLst>
+          </p:cNvPr>
+          <p:cNvSpPr/>
+          <p:nvPr/>
+        </p:nvSpPr>
+        <p:spPr>
+          <a:xfrm>
+            <a:off x="2875547" y="4331369"/>
+            <a:ext cx="240631" cy="250957"/>
+          </a:xfrm>
+          <a:prstGeom prst="rect">
+            <a:avLst/>
+          </a:prstGeom>
+        </p:spPr>
+        <p:style>
+          <a:lnRef idx="2">
+            <a:schemeClr val="accent1">
+              <a:shade val="15000"/>
+            </a:schemeClr>
+          </a:lnRef>
+          <a:fillRef idx="1">
+            <a:schemeClr val="accent1"/>
+          </a:fillRef>
+          <a:effectRef idx="0">
+            <a:schemeClr val="accent1"/>
+          </a:effectRef>
+          <a:fontRef idx="minor">
+            <a:schemeClr val="lt1"/>
+          </a:fontRef>
+        </p:style>
+        <p:txBody>
+          <a:bodyPr rtlCol="0" anchor="ctr"/>
+          <a:lstStyle/>
+          <a:p>
+            <a:pPr algn="ctr"/>
+            <a:r>
+              <a:rPr lang="en-US" altLang="zh-CN" sz="1600" dirty="0"/>
+              <a:t>t</a:t>
+            </a:r>
+            <a:endParaRPr lang="en-US" sz="1600" dirty="0"/>
+          </a:p>
+        </p:txBody>
+      </p:sp>
+      <p:sp>
+        <p:nvSpPr>
+          <p:cNvPr id="15" name="Rounded Rectangle 14">
+            <a:extLst>
+              <a:ext uri="{FF2B5EF4-FFF2-40B4-BE49-F238E27FC236}">
+                <a16:creationId xmlns:a16="http://schemas.microsoft.com/office/drawing/2014/main" id="{AB6C98E2-1CF9-E1AA-8188-B55B5B925B85}"/>
+              </a:ext>
+            </a:extLst>
+          </p:cNvPr>
+          <p:cNvSpPr/>
+          <p:nvPr/>
+        </p:nvSpPr>
+        <p:spPr>
+          <a:xfrm>
+            <a:off x="1203158" y="3246820"/>
+            <a:ext cx="2081463" cy="782053"/>
+          </a:xfrm>
+          <a:prstGeom prst="roundRect">
+            <a:avLst/>
+          </a:prstGeom>
+        </p:spPr>
+        <p:style>
+          <a:lnRef idx="2">
+            <a:schemeClr val="accent1">
+              <a:shade val="15000"/>
+            </a:schemeClr>
+          </a:lnRef>
+          <a:fillRef idx="1">
+            <a:schemeClr val="accent1"/>
+          </a:fillRef>
+          <a:effectRef idx="0">
+            <a:schemeClr val="accent1"/>
+          </a:effectRef>
+          <a:fontRef idx="minor">
+            <a:schemeClr val="lt1"/>
+          </a:fontRef>
+        </p:style>
+        <p:txBody>
+          <a:bodyPr rtlCol="0" anchor="ctr"/>
+          <a:lstStyle/>
+          <a:p>
+            <a:pPr algn="ctr"/>
+            <a:r>
+              <a:rPr lang="en-US" dirty="0"/>
+              <a:t>线性层</a:t>
+            </a:r>
+          </a:p>
+        </p:txBody>
+      </p:sp>
+      <p:cxnSp>
+        <p:nvCxnSpPr>
+          <p:cNvPr id="16" name="Straight Arrow Connector 15">
+            <a:extLst>
+              <a:ext uri="{FF2B5EF4-FFF2-40B4-BE49-F238E27FC236}">
+                <a16:creationId xmlns:a16="http://schemas.microsoft.com/office/drawing/2014/main" id="{7844971B-8FCD-4183-C953-1FF6C4A42101}"/>
+              </a:ext>
+            </a:extLst>
+          </p:cNvPr>
+          <p:cNvCxnSpPr/>
+          <p:nvPr/>
+        </p:nvCxnSpPr>
+        <p:spPr>
+          <a:xfrm flipV="1">
+            <a:off x="1438724" y="2992452"/>
+            <a:ext cx="0" cy="266400"/>
+          </a:xfrm>
+          <a:prstGeom prst="straightConnector1">
+            <a:avLst/>
+          </a:prstGeom>
+          <a:ln>
+            <a:tailEnd type="triangle"/>
+          </a:ln>
+        </p:spPr>
+        <p:style>
+          <a:lnRef idx="1">
+            <a:schemeClr val="accent1"/>
+          </a:lnRef>
+          <a:fillRef idx="0">
+            <a:schemeClr val="accent1"/>
+          </a:fillRef>
+          <a:effectRef idx="0">
+            <a:schemeClr val="accent1"/>
+          </a:effectRef>
+          <a:fontRef idx="minor">
+            <a:schemeClr val="tx1"/>
+          </a:fontRef>
+        </p:style>
+      </p:cxnSp>
+      <p:cxnSp>
+        <p:nvCxnSpPr>
+          <p:cNvPr id="17" name="Straight Arrow Connector 16">
+            <a:extLst>
+              <a:ext uri="{FF2B5EF4-FFF2-40B4-BE49-F238E27FC236}">
+                <a16:creationId xmlns:a16="http://schemas.microsoft.com/office/drawing/2014/main" id="{91CCB44E-8C1A-BA85-2F8E-134601064C7D}"/>
+              </a:ext>
+            </a:extLst>
+          </p:cNvPr>
+          <p:cNvCxnSpPr/>
+          <p:nvPr/>
+        </p:nvCxnSpPr>
+        <p:spPr>
+          <a:xfrm flipV="1">
+            <a:off x="1900989" y="3013955"/>
+            <a:ext cx="0" cy="266400"/>
+          </a:xfrm>
+          <a:prstGeom prst="straightConnector1">
+            <a:avLst/>
+          </a:prstGeom>
+          <a:ln>
+            <a:tailEnd type="triangle"/>
+          </a:ln>
+        </p:spPr>
+        <p:style>
+          <a:lnRef idx="1">
+            <a:schemeClr val="accent1"/>
+          </a:lnRef>
+          <a:fillRef idx="0">
+            <a:schemeClr val="accent1"/>
+          </a:fillRef>
+          <a:effectRef idx="0">
+            <a:schemeClr val="accent1"/>
+          </a:effectRef>
+          <a:fontRef idx="minor">
+            <a:schemeClr val="tx1"/>
+          </a:fontRef>
+        </p:style>
+      </p:cxnSp>
+      <p:sp>
+        <p:nvSpPr>
+          <p:cNvPr id="20" name="Rectangle 19">
+            <a:extLst>
+              <a:ext uri="{FF2B5EF4-FFF2-40B4-BE49-F238E27FC236}">
+                <a16:creationId xmlns:a16="http://schemas.microsoft.com/office/drawing/2014/main" id="{4E14E978-AF07-F8A1-41BA-9BAD004B6288}"/>
+              </a:ext>
+            </a:extLst>
+          </p:cNvPr>
+          <p:cNvSpPr/>
+          <p:nvPr/>
+        </p:nvSpPr>
+        <p:spPr>
+          <a:xfrm>
+            <a:off x="1278968" y="2762998"/>
+            <a:ext cx="360000" cy="250957"/>
+          </a:xfrm>
+          <a:prstGeom prst="rect">
+            <a:avLst/>
+          </a:prstGeom>
+        </p:spPr>
+        <p:style>
+          <a:lnRef idx="2">
+            <a:schemeClr val="accent1">
+              <a:shade val="15000"/>
+            </a:schemeClr>
+          </a:lnRef>
+          <a:fillRef idx="1">
+            <a:schemeClr val="accent1"/>
+          </a:fillRef>
+          <a:effectRef idx="0">
+            <a:schemeClr val="accent1"/>
+          </a:effectRef>
+          <a:fontRef idx="minor">
+            <a:schemeClr val="lt1"/>
+          </a:fontRef>
+        </p:style>
+        <p:txBody>
+          <a:bodyPr rtlCol="0" anchor="ctr"/>
+          <a:lstStyle/>
+          <a:p>
+            <a:pPr algn="ctr"/>
+            <a:r>
+              <a:rPr lang="en-US" altLang="zh-CN" sz="1000" dirty="0"/>
+              <a:t>t’</a:t>
+            </a:r>
+            <a:endParaRPr lang="en-US" sz="1000" dirty="0"/>
+          </a:p>
+        </p:txBody>
+      </p:sp>
+      <p:cxnSp>
+        <p:nvCxnSpPr>
+          <p:cNvPr id="24" name="Straight Arrow Connector 23">
+            <a:extLst>
+              <a:ext uri="{FF2B5EF4-FFF2-40B4-BE49-F238E27FC236}">
+                <a16:creationId xmlns:a16="http://schemas.microsoft.com/office/drawing/2014/main" id="{0F9035DF-3996-99A5-ACC0-C25B8F603E5B}"/>
+              </a:ext>
+            </a:extLst>
+          </p:cNvPr>
+          <p:cNvCxnSpPr/>
+          <p:nvPr/>
+        </p:nvCxnSpPr>
+        <p:spPr>
+          <a:xfrm flipV="1">
+            <a:off x="1479885" y="4052937"/>
+            <a:ext cx="0" cy="266400"/>
+          </a:xfrm>
+          <a:prstGeom prst="straightConnector1">
+            <a:avLst/>
+          </a:prstGeom>
+          <a:ln>
+            <a:tailEnd type="triangle"/>
+          </a:ln>
+        </p:spPr>
+        <p:style>
+          <a:lnRef idx="1">
+            <a:schemeClr val="accent1"/>
+          </a:lnRef>
+          <a:fillRef idx="0">
+            <a:schemeClr val="accent1"/>
+          </a:fillRef>
+          <a:effectRef idx="0">
+            <a:schemeClr val="accent1"/>
+          </a:effectRef>
+          <a:fontRef idx="minor">
+            <a:schemeClr val="tx1"/>
+          </a:fontRef>
+        </p:style>
+      </p:cxnSp>
+      <p:cxnSp>
+        <p:nvCxnSpPr>
+          <p:cNvPr id="25" name="Straight Arrow Connector 24">
+            <a:extLst>
+              <a:ext uri="{FF2B5EF4-FFF2-40B4-BE49-F238E27FC236}">
+                <a16:creationId xmlns:a16="http://schemas.microsoft.com/office/drawing/2014/main" id="{5E61D4E3-F430-2643-A5E1-DE940587AB82}"/>
+              </a:ext>
+            </a:extLst>
+          </p:cNvPr>
+          <p:cNvCxnSpPr/>
+          <p:nvPr/>
+        </p:nvCxnSpPr>
+        <p:spPr>
+          <a:xfrm flipV="1">
+            <a:off x="1792706" y="4052937"/>
+            <a:ext cx="0" cy="266400"/>
+          </a:xfrm>
+          <a:prstGeom prst="straightConnector1">
+            <a:avLst/>
+          </a:prstGeom>
+          <a:ln>
+            <a:tailEnd type="triangle"/>
+          </a:ln>
+        </p:spPr>
+        <p:style>
+          <a:lnRef idx="1">
+            <a:schemeClr val="accent1"/>
+          </a:lnRef>
+          <a:fillRef idx="0">
+            <a:schemeClr val="accent1"/>
+          </a:fillRef>
+          <a:effectRef idx="0">
+            <a:schemeClr val="accent1"/>
+          </a:effectRef>
+          <a:fontRef idx="minor">
+            <a:schemeClr val="tx1"/>
+          </a:fontRef>
+        </p:style>
+      </p:cxnSp>
+      <p:cxnSp>
+        <p:nvCxnSpPr>
+          <p:cNvPr id="26" name="Straight Arrow Connector 25">
+            <a:extLst>
+              <a:ext uri="{FF2B5EF4-FFF2-40B4-BE49-F238E27FC236}">
+                <a16:creationId xmlns:a16="http://schemas.microsoft.com/office/drawing/2014/main" id="{5BDC7B1B-6367-C64D-C9EA-9BF108B8F2A0}"/>
+              </a:ext>
+            </a:extLst>
+          </p:cNvPr>
+          <p:cNvCxnSpPr/>
+          <p:nvPr/>
+        </p:nvCxnSpPr>
+        <p:spPr>
+          <a:xfrm flipV="1">
+            <a:off x="2683042" y="4064969"/>
+            <a:ext cx="0" cy="266400"/>
+          </a:xfrm>
+          <a:prstGeom prst="straightConnector1">
+            <a:avLst/>
+          </a:prstGeom>
+          <a:ln>
+            <a:tailEnd type="triangle"/>
+          </a:ln>
+        </p:spPr>
+        <p:style>
+          <a:lnRef idx="1">
+            <a:schemeClr val="accent1"/>
+          </a:lnRef>
+          <a:fillRef idx="0">
+            <a:schemeClr val="accent1"/>
+          </a:fillRef>
+          <a:effectRef idx="0">
+            <a:schemeClr val="accent1"/>
+          </a:effectRef>
+          <a:fontRef idx="minor">
+            <a:schemeClr val="tx1"/>
+          </a:fontRef>
+        </p:style>
+      </p:cxnSp>
+      <p:cxnSp>
+        <p:nvCxnSpPr>
+          <p:cNvPr id="27" name="Straight Arrow Connector 26">
+            <a:extLst>
+              <a:ext uri="{FF2B5EF4-FFF2-40B4-BE49-F238E27FC236}">
+                <a16:creationId xmlns:a16="http://schemas.microsoft.com/office/drawing/2014/main" id="{0933BFBD-EF55-0227-2A15-52797B7CFB32}"/>
+              </a:ext>
+            </a:extLst>
+          </p:cNvPr>
+          <p:cNvCxnSpPr/>
+          <p:nvPr/>
+        </p:nvCxnSpPr>
+        <p:spPr>
+          <a:xfrm flipV="1">
+            <a:off x="2983831" y="4077001"/>
+            <a:ext cx="0" cy="266400"/>
+          </a:xfrm>
+          <a:prstGeom prst="straightConnector1">
+            <a:avLst/>
+          </a:prstGeom>
+          <a:ln>
+            <a:tailEnd type="triangle"/>
+          </a:ln>
+        </p:spPr>
+        <p:style>
+          <a:lnRef idx="1">
+            <a:schemeClr val="accent1"/>
+          </a:lnRef>
+          <a:fillRef idx="0">
+            <a:schemeClr val="accent1"/>
+          </a:fillRef>
+          <a:effectRef idx="0">
+            <a:schemeClr val="accent1"/>
+          </a:effectRef>
+          <a:fontRef idx="minor">
+            <a:schemeClr val="tx1"/>
+          </a:fontRef>
+        </p:style>
+      </p:cxnSp>
+      <p:sp>
+        <p:nvSpPr>
+          <p:cNvPr id="28" name="Rounded Rectangle 27">
+            <a:extLst>
+              <a:ext uri="{FF2B5EF4-FFF2-40B4-BE49-F238E27FC236}">
+                <a16:creationId xmlns:a16="http://schemas.microsoft.com/office/drawing/2014/main" id="{75D060E0-2AA8-331E-A817-8103391E9223}"/>
+              </a:ext>
+            </a:extLst>
+          </p:cNvPr>
+          <p:cNvSpPr/>
+          <p:nvPr/>
+        </p:nvSpPr>
+        <p:spPr>
+          <a:xfrm>
+            <a:off x="5209674" y="4836695"/>
+            <a:ext cx="2081463" cy="782053"/>
+          </a:xfrm>
+          <a:prstGeom prst="roundRect">
+            <a:avLst/>
+          </a:prstGeom>
+        </p:spPr>
+        <p:style>
+          <a:lnRef idx="2">
+            <a:schemeClr val="accent1">
+              <a:shade val="15000"/>
+            </a:schemeClr>
+          </a:lnRef>
+          <a:fillRef idx="1">
+            <a:schemeClr val="accent1"/>
+          </a:fillRef>
+          <a:effectRef idx="0">
+            <a:schemeClr val="accent1"/>
+          </a:effectRef>
+          <a:fontRef idx="minor">
+            <a:schemeClr val="lt1"/>
+          </a:fontRef>
+        </p:style>
+        <p:txBody>
+          <a:bodyPr rtlCol="0" anchor="ctr"/>
+          <a:lstStyle/>
+          <a:p>
+            <a:pPr algn="ctr"/>
+            <a:r>
+              <a:rPr lang="en-US" dirty="0"/>
+              <a:t>输出图像特征</a:t>
+            </a:r>
+          </a:p>
+        </p:txBody>
+      </p:sp>
+      <p:cxnSp>
+        <p:nvCxnSpPr>
+          <p:cNvPr id="29" name="Straight Arrow Connector 28">
+            <a:extLst>
+              <a:ext uri="{FF2B5EF4-FFF2-40B4-BE49-F238E27FC236}">
+                <a16:creationId xmlns:a16="http://schemas.microsoft.com/office/drawing/2014/main" id="{A2E7006F-C7AD-3FAE-CB20-5EE36960A684}"/>
+              </a:ext>
+            </a:extLst>
+          </p:cNvPr>
+          <p:cNvCxnSpPr/>
+          <p:nvPr/>
+        </p:nvCxnSpPr>
+        <p:spPr>
+          <a:xfrm flipV="1">
+            <a:off x="5486401" y="4558263"/>
+            <a:ext cx="0" cy="266400"/>
+          </a:xfrm>
+          <a:prstGeom prst="straightConnector1">
+            <a:avLst/>
+          </a:prstGeom>
+          <a:ln>
+            <a:tailEnd type="triangle"/>
+          </a:ln>
+        </p:spPr>
+        <p:style>
+          <a:lnRef idx="1">
+            <a:schemeClr val="accent1"/>
+          </a:lnRef>
+          <a:fillRef idx="0">
+            <a:schemeClr val="accent1"/>
+          </a:fillRef>
+          <a:effectRef idx="0">
+            <a:schemeClr val="accent1"/>
+          </a:effectRef>
+          <a:fontRef idx="minor">
+            <a:schemeClr val="tx1"/>
+          </a:fontRef>
+        </p:style>
+      </p:cxnSp>
+      <p:cxnSp>
+        <p:nvCxnSpPr>
+          <p:cNvPr id="30" name="Straight Arrow Connector 29">
+            <a:extLst>
+              <a:ext uri="{FF2B5EF4-FFF2-40B4-BE49-F238E27FC236}">
+                <a16:creationId xmlns:a16="http://schemas.microsoft.com/office/drawing/2014/main" id="{A3B5B72F-EC4C-0016-AD5F-7149E888B5C8}"/>
+              </a:ext>
+            </a:extLst>
+          </p:cNvPr>
+          <p:cNvCxnSpPr/>
+          <p:nvPr/>
+        </p:nvCxnSpPr>
+        <p:spPr>
+          <a:xfrm flipV="1">
+            <a:off x="5799222" y="4558263"/>
+            <a:ext cx="0" cy="266400"/>
+          </a:xfrm>
+          <a:prstGeom prst="straightConnector1">
+            <a:avLst/>
+          </a:prstGeom>
+          <a:ln>
+            <a:tailEnd type="triangle"/>
+          </a:ln>
+        </p:spPr>
+        <p:style>
+          <a:lnRef idx="1">
+            <a:schemeClr val="accent1"/>
+          </a:lnRef>
+          <a:fillRef idx="0">
+            <a:schemeClr val="accent1"/>
+          </a:fillRef>
+          <a:effectRef idx="0">
+            <a:schemeClr val="accent1"/>
+          </a:effectRef>
+          <a:fontRef idx="minor">
+            <a:schemeClr val="tx1"/>
+          </a:fontRef>
+        </p:style>
+      </p:cxnSp>
+      <p:cxnSp>
+        <p:nvCxnSpPr>
+          <p:cNvPr id="31" name="Straight Arrow Connector 30">
+            <a:extLst>
+              <a:ext uri="{FF2B5EF4-FFF2-40B4-BE49-F238E27FC236}">
+                <a16:creationId xmlns:a16="http://schemas.microsoft.com/office/drawing/2014/main" id="{4246925B-1EBC-F4D2-AA8A-30E5B99FBEDE}"/>
+              </a:ext>
+            </a:extLst>
+          </p:cNvPr>
+          <p:cNvCxnSpPr/>
+          <p:nvPr/>
+        </p:nvCxnSpPr>
+        <p:spPr>
+          <a:xfrm flipV="1">
+            <a:off x="6689558" y="4570295"/>
+            <a:ext cx="0" cy="266400"/>
+          </a:xfrm>
+          <a:prstGeom prst="straightConnector1">
+            <a:avLst/>
+          </a:prstGeom>
+          <a:ln>
+            <a:tailEnd type="triangle"/>
+          </a:ln>
+        </p:spPr>
+        <p:style>
+          <a:lnRef idx="1">
+            <a:schemeClr val="accent1"/>
+          </a:lnRef>
+          <a:fillRef idx="0">
+            <a:schemeClr val="accent1"/>
+          </a:fillRef>
+          <a:effectRef idx="0">
+            <a:schemeClr val="accent1"/>
+          </a:effectRef>
+          <a:fontRef idx="minor">
+            <a:schemeClr val="tx1"/>
+          </a:fontRef>
+        </p:style>
+      </p:cxnSp>
+      <p:cxnSp>
+        <p:nvCxnSpPr>
+          <p:cNvPr id="32" name="Straight Arrow Connector 31">
+            <a:extLst>
+              <a:ext uri="{FF2B5EF4-FFF2-40B4-BE49-F238E27FC236}">
+                <a16:creationId xmlns:a16="http://schemas.microsoft.com/office/drawing/2014/main" id="{C5F5EE7F-D778-F3D9-A6D8-15644184008D}"/>
+              </a:ext>
+            </a:extLst>
+          </p:cNvPr>
+          <p:cNvCxnSpPr/>
+          <p:nvPr/>
+        </p:nvCxnSpPr>
+        <p:spPr>
+          <a:xfrm flipV="1">
+            <a:off x="6990347" y="4582327"/>
+            <a:ext cx="0" cy="266400"/>
+          </a:xfrm>
+          <a:prstGeom prst="straightConnector1">
+            <a:avLst/>
+          </a:prstGeom>
+          <a:ln>
+            <a:tailEnd type="triangle"/>
+          </a:ln>
+        </p:spPr>
+        <p:style>
+          <a:lnRef idx="1">
+            <a:schemeClr val="accent1"/>
+          </a:lnRef>
+          <a:fillRef idx="0">
+            <a:schemeClr val="accent1"/>
+          </a:fillRef>
+          <a:effectRef idx="0">
+            <a:schemeClr val="accent1"/>
+          </a:effectRef>
+          <a:fontRef idx="minor">
+            <a:schemeClr val="tx1"/>
+          </a:fontRef>
+        </p:style>
+      </p:cxnSp>
+      <p:sp>
+        <p:nvSpPr>
+          <p:cNvPr id="33" name="Rectangle 32">
+            <a:extLst>
+              <a:ext uri="{FF2B5EF4-FFF2-40B4-BE49-F238E27FC236}">
+                <a16:creationId xmlns:a16="http://schemas.microsoft.com/office/drawing/2014/main" id="{49D62A83-FED8-9183-5C74-5698111EFE12}"/>
+              </a:ext>
+            </a:extLst>
+          </p:cNvPr>
+          <p:cNvSpPr/>
+          <p:nvPr/>
+        </p:nvSpPr>
+        <p:spPr>
+          <a:xfrm>
+            <a:off x="5354053" y="4307306"/>
+            <a:ext cx="240631" cy="250957"/>
+          </a:xfrm>
+          <a:prstGeom prst="rect">
+            <a:avLst/>
+          </a:prstGeom>
+        </p:spPr>
+        <p:style>
+          <a:lnRef idx="2">
+            <a:schemeClr val="accent1">
+              <a:shade val="15000"/>
+            </a:schemeClr>
+          </a:lnRef>
+          <a:fillRef idx="1">
+            <a:schemeClr val="accent1"/>
+          </a:fillRef>
+          <a:effectRef idx="0">
+            <a:schemeClr val="accent1"/>
+          </a:effectRef>
+          <a:fontRef idx="minor">
+            <a:schemeClr val="lt1"/>
+          </a:fontRef>
+        </p:style>
+        <p:txBody>
+          <a:bodyPr rtlCol="0" anchor="ctr"/>
+          <a:lstStyle/>
+          <a:p>
+            <a:pPr algn="ctr"/>
+            <a:r>
+              <a:rPr lang="en-US" dirty="0" err="1"/>
+              <a:t>i</a:t>
+            </a:r>
+            <a:endParaRPr lang="en-US" dirty="0"/>
+          </a:p>
+        </p:txBody>
+      </p:sp>
+      <p:sp>
+        <p:nvSpPr>
+          <p:cNvPr id="34" name="Rectangle 33">
+            <a:extLst>
+              <a:ext uri="{FF2B5EF4-FFF2-40B4-BE49-F238E27FC236}">
+                <a16:creationId xmlns:a16="http://schemas.microsoft.com/office/drawing/2014/main" id="{A2225FCF-A62F-8D83-7281-B3ADD8EDC818}"/>
+              </a:ext>
+            </a:extLst>
+          </p:cNvPr>
+          <p:cNvSpPr/>
+          <p:nvPr/>
+        </p:nvSpPr>
+        <p:spPr>
+          <a:xfrm>
+            <a:off x="5666874" y="4307306"/>
+            <a:ext cx="240631" cy="250957"/>
+          </a:xfrm>
+          <a:prstGeom prst="rect">
+            <a:avLst/>
+          </a:prstGeom>
+        </p:spPr>
+        <p:style>
+          <a:lnRef idx="2">
+            <a:schemeClr val="accent1">
+              <a:shade val="15000"/>
+            </a:schemeClr>
+          </a:lnRef>
+          <a:fillRef idx="1">
+            <a:schemeClr val="accent1"/>
+          </a:fillRef>
+          <a:effectRef idx="0">
+            <a:schemeClr val="accent1"/>
+          </a:effectRef>
+          <a:fontRef idx="minor">
+            <a:schemeClr val="lt1"/>
+          </a:fontRef>
+        </p:style>
+        <p:txBody>
+          <a:bodyPr rtlCol="0" anchor="ctr"/>
+          <a:lstStyle/>
+          <a:p>
+            <a:pPr algn="ctr"/>
+            <a:r>
+              <a:rPr lang="en-US" altLang="zh-CN" dirty="0" err="1"/>
+              <a:t>i</a:t>
+            </a:r>
+            <a:endParaRPr lang="en-US" dirty="0"/>
+          </a:p>
+        </p:txBody>
+      </p:sp>
+      <p:sp>
+        <p:nvSpPr>
+          <p:cNvPr id="35" name="Rectangle 34">
+            <a:extLst>
+              <a:ext uri="{FF2B5EF4-FFF2-40B4-BE49-F238E27FC236}">
+                <a16:creationId xmlns:a16="http://schemas.microsoft.com/office/drawing/2014/main" id="{879D077D-5D70-EB76-4250-AF2B98BA8417}"/>
+              </a:ext>
+            </a:extLst>
+          </p:cNvPr>
+          <p:cNvSpPr/>
+          <p:nvPr/>
+        </p:nvSpPr>
+        <p:spPr>
+          <a:xfrm>
+            <a:off x="6557211" y="4307306"/>
+            <a:ext cx="240631" cy="250957"/>
+          </a:xfrm>
+          <a:prstGeom prst="rect">
+            <a:avLst/>
+          </a:prstGeom>
+        </p:spPr>
+        <p:style>
+          <a:lnRef idx="2">
+            <a:schemeClr val="accent1">
+              <a:shade val="15000"/>
+            </a:schemeClr>
+          </a:lnRef>
+          <a:fillRef idx="1">
+            <a:schemeClr val="accent1"/>
+          </a:fillRef>
+          <a:effectRef idx="0">
+            <a:schemeClr val="accent1"/>
+          </a:effectRef>
+          <a:fontRef idx="minor">
+            <a:schemeClr val="lt1"/>
+          </a:fontRef>
+        </p:style>
+        <p:txBody>
+          <a:bodyPr rtlCol="0" anchor="ctr"/>
+          <a:lstStyle/>
+          <a:p>
+            <a:pPr algn="ctr"/>
+            <a:r>
+              <a:rPr lang="en-US" altLang="zh-CN" dirty="0" err="1"/>
+              <a:t>i</a:t>
+            </a:r>
+            <a:endParaRPr lang="en-US" dirty="0"/>
+          </a:p>
+        </p:txBody>
+      </p:sp>
+      <p:sp>
+        <p:nvSpPr>
+          <p:cNvPr id="36" name="Rectangle 35">
+            <a:extLst>
+              <a:ext uri="{FF2B5EF4-FFF2-40B4-BE49-F238E27FC236}">
+                <a16:creationId xmlns:a16="http://schemas.microsoft.com/office/drawing/2014/main" id="{9896DDBB-56BB-29D5-DB01-74D095013BC5}"/>
+              </a:ext>
+            </a:extLst>
+          </p:cNvPr>
+          <p:cNvSpPr/>
+          <p:nvPr/>
+        </p:nvSpPr>
+        <p:spPr>
+          <a:xfrm>
+            <a:off x="6882063" y="4319338"/>
+            <a:ext cx="240631" cy="250957"/>
+          </a:xfrm>
+          <a:prstGeom prst="rect">
+            <a:avLst/>
+          </a:prstGeom>
+        </p:spPr>
+        <p:style>
+          <a:lnRef idx="2">
+            <a:schemeClr val="accent1">
+              <a:shade val="15000"/>
+            </a:schemeClr>
+          </a:lnRef>
+          <a:fillRef idx="1">
+            <a:schemeClr val="accent1"/>
+          </a:fillRef>
+          <a:effectRef idx="0">
+            <a:schemeClr val="accent1"/>
+          </a:effectRef>
+          <a:fontRef idx="minor">
+            <a:schemeClr val="lt1"/>
+          </a:fontRef>
+        </p:style>
+        <p:txBody>
+          <a:bodyPr rtlCol="0" anchor="ctr"/>
+          <a:lstStyle/>
+          <a:p>
+            <a:pPr algn="ctr"/>
+            <a:r>
+              <a:rPr lang="en-US" altLang="zh-CN" dirty="0" err="1"/>
+              <a:t>i</a:t>
+            </a:r>
+            <a:endParaRPr lang="en-US" dirty="0"/>
+          </a:p>
+        </p:txBody>
+      </p:sp>
+      <p:sp>
+        <p:nvSpPr>
+          <p:cNvPr id="37" name="Rounded Rectangle 36">
+            <a:extLst>
+              <a:ext uri="{FF2B5EF4-FFF2-40B4-BE49-F238E27FC236}">
+                <a16:creationId xmlns:a16="http://schemas.microsoft.com/office/drawing/2014/main" id="{4F1ABAB0-633D-F8FE-89A7-8820AB8DCFF4}"/>
+              </a:ext>
+            </a:extLst>
+          </p:cNvPr>
+          <p:cNvSpPr/>
+          <p:nvPr/>
+        </p:nvSpPr>
+        <p:spPr>
+          <a:xfrm>
+            <a:off x="5209674" y="3234789"/>
+            <a:ext cx="2081463" cy="782053"/>
+          </a:xfrm>
+          <a:prstGeom prst="roundRect">
+            <a:avLst/>
+          </a:prstGeom>
+        </p:spPr>
+        <p:style>
+          <a:lnRef idx="2">
+            <a:schemeClr val="accent1">
+              <a:shade val="15000"/>
+            </a:schemeClr>
+          </a:lnRef>
+          <a:fillRef idx="1">
+            <a:schemeClr val="accent1"/>
+          </a:fillRef>
+          <a:effectRef idx="0">
+            <a:schemeClr val="accent1"/>
+          </a:effectRef>
+          <a:fontRef idx="minor">
+            <a:schemeClr val="lt1"/>
+          </a:fontRef>
+        </p:style>
+        <p:txBody>
+          <a:bodyPr rtlCol="0" anchor="ctr"/>
+          <a:lstStyle/>
+          <a:p>
+            <a:pPr algn="ctr"/>
+            <a:r>
+              <a:rPr lang="en-US" dirty="0"/>
+              <a:t>线性层</a:t>
+            </a:r>
+          </a:p>
+        </p:txBody>
+      </p:sp>
+      <p:cxnSp>
+        <p:nvCxnSpPr>
+          <p:cNvPr id="46" name="Straight Arrow Connector 45">
+            <a:extLst>
+              <a:ext uri="{FF2B5EF4-FFF2-40B4-BE49-F238E27FC236}">
+                <a16:creationId xmlns:a16="http://schemas.microsoft.com/office/drawing/2014/main" id="{CEC368FC-302B-A172-C2A2-FC9A36C9A698}"/>
+              </a:ext>
+            </a:extLst>
+          </p:cNvPr>
+          <p:cNvCxnSpPr/>
+          <p:nvPr/>
+        </p:nvCxnSpPr>
+        <p:spPr>
+          <a:xfrm flipV="1">
+            <a:off x="5486401" y="4040906"/>
+            <a:ext cx="0" cy="266400"/>
+          </a:xfrm>
+          <a:prstGeom prst="straightConnector1">
+            <a:avLst/>
+          </a:prstGeom>
+          <a:ln>
+            <a:tailEnd type="triangle"/>
+          </a:ln>
+        </p:spPr>
+        <p:style>
+          <a:lnRef idx="1">
+            <a:schemeClr val="accent1"/>
+          </a:lnRef>
+          <a:fillRef idx="0">
+            <a:schemeClr val="accent1"/>
+          </a:fillRef>
+          <a:effectRef idx="0">
+            <a:schemeClr val="accent1"/>
+          </a:effectRef>
+          <a:fontRef idx="minor">
+            <a:schemeClr val="tx1"/>
+          </a:fontRef>
+        </p:style>
+      </p:cxnSp>
+      <p:cxnSp>
+        <p:nvCxnSpPr>
+          <p:cNvPr id="47" name="Straight Arrow Connector 46">
+            <a:extLst>
+              <a:ext uri="{FF2B5EF4-FFF2-40B4-BE49-F238E27FC236}">
+                <a16:creationId xmlns:a16="http://schemas.microsoft.com/office/drawing/2014/main" id="{4F0AA1DB-FE50-17FD-201B-0D936086E99A}"/>
+              </a:ext>
+            </a:extLst>
+          </p:cNvPr>
+          <p:cNvCxnSpPr/>
+          <p:nvPr/>
+        </p:nvCxnSpPr>
+        <p:spPr>
+          <a:xfrm flipV="1">
+            <a:off x="5799222" y="4040906"/>
+            <a:ext cx="0" cy="266400"/>
+          </a:xfrm>
+          <a:prstGeom prst="straightConnector1">
+            <a:avLst/>
+          </a:prstGeom>
+          <a:ln>
+            <a:tailEnd type="triangle"/>
+          </a:ln>
+        </p:spPr>
+        <p:style>
+          <a:lnRef idx="1">
+            <a:schemeClr val="accent1"/>
+          </a:lnRef>
+          <a:fillRef idx="0">
+            <a:schemeClr val="accent1"/>
+          </a:fillRef>
+          <a:effectRef idx="0">
+            <a:schemeClr val="accent1"/>
+          </a:effectRef>
+          <a:fontRef idx="minor">
+            <a:schemeClr val="tx1"/>
+          </a:fontRef>
+        </p:style>
+      </p:cxnSp>
+      <p:cxnSp>
+        <p:nvCxnSpPr>
+          <p:cNvPr id="48" name="Straight Arrow Connector 47">
+            <a:extLst>
+              <a:ext uri="{FF2B5EF4-FFF2-40B4-BE49-F238E27FC236}">
+                <a16:creationId xmlns:a16="http://schemas.microsoft.com/office/drawing/2014/main" id="{1D9F6048-29CF-8D77-D950-F6F4C966E41D}"/>
+              </a:ext>
+            </a:extLst>
+          </p:cNvPr>
+          <p:cNvCxnSpPr/>
+          <p:nvPr/>
+        </p:nvCxnSpPr>
+        <p:spPr>
+          <a:xfrm flipV="1">
+            <a:off x="6689558" y="4052938"/>
+            <a:ext cx="0" cy="266400"/>
+          </a:xfrm>
+          <a:prstGeom prst="straightConnector1">
+            <a:avLst/>
+          </a:prstGeom>
+          <a:ln>
+            <a:tailEnd type="triangle"/>
+          </a:ln>
+        </p:spPr>
+        <p:style>
+          <a:lnRef idx="1">
+            <a:schemeClr val="accent1"/>
+          </a:lnRef>
+          <a:fillRef idx="0">
+            <a:schemeClr val="accent1"/>
+          </a:fillRef>
+          <a:effectRef idx="0">
+            <a:schemeClr val="accent1"/>
+          </a:effectRef>
+          <a:fontRef idx="minor">
+            <a:schemeClr val="tx1"/>
+          </a:fontRef>
+        </p:style>
+      </p:cxnSp>
+      <p:cxnSp>
+        <p:nvCxnSpPr>
+          <p:cNvPr id="49" name="Straight Arrow Connector 48">
+            <a:extLst>
+              <a:ext uri="{FF2B5EF4-FFF2-40B4-BE49-F238E27FC236}">
+                <a16:creationId xmlns:a16="http://schemas.microsoft.com/office/drawing/2014/main" id="{7B029FCA-C9BE-A27C-D833-55C656599321}"/>
+              </a:ext>
+            </a:extLst>
+          </p:cNvPr>
+          <p:cNvCxnSpPr/>
+          <p:nvPr/>
+        </p:nvCxnSpPr>
+        <p:spPr>
+          <a:xfrm flipV="1">
+            <a:off x="6990347" y="4064970"/>
+            <a:ext cx="0" cy="266400"/>
+          </a:xfrm>
+          <a:prstGeom prst="straightConnector1">
+            <a:avLst/>
+          </a:prstGeom>
+          <a:ln>
+            <a:tailEnd type="triangle"/>
+          </a:ln>
+        </p:spPr>
+        <p:style>
+          <a:lnRef idx="1">
+            <a:schemeClr val="accent1"/>
+          </a:lnRef>
+          <a:fillRef idx="0">
+            <a:schemeClr val="accent1"/>
+          </a:fillRef>
+          <a:effectRef idx="0">
+            <a:schemeClr val="accent1"/>
+          </a:effectRef>
+          <a:fontRef idx="minor">
+            <a:schemeClr val="tx1"/>
+          </a:fontRef>
+        </p:style>
+      </p:cxnSp>
+      <p:sp>
+        <p:nvSpPr>
+          <p:cNvPr id="50" name="Rectangle 49">
+            <a:extLst>
+              <a:ext uri="{FF2B5EF4-FFF2-40B4-BE49-F238E27FC236}">
+                <a16:creationId xmlns:a16="http://schemas.microsoft.com/office/drawing/2014/main" id="{718B9EBB-EA17-3058-47BD-6E6B25CFAD85}"/>
+              </a:ext>
+            </a:extLst>
+          </p:cNvPr>
+          <p:cNvSpPr/>
+          <p:nvPr/>
+        </p:nvSpPr>
+        <p:spPr>
+          <a:xfrm>
+            <a:off x="1720989" y="2756384"/>
+            <a:ext cx="360000" cy="250957"/>
+          </a:xfrm>
+          <a:prstGeom prst="rect">
+            <a:avLst/>
+          </a:prstGeom>
+        </p:spPr>
+        <p:style>
+          <a:lnRef idx="2">
+            <a:schemeClr val="accent1">
+              <a:shade val="15000"/>
+            </a:schemeClr>
+          </a:lnRef>
+          <a:fillRef idx="1">
+            <a:schemeClr val="accent1"/>
+          </a:fillRef>
+          <a:effectRef idx="0">
+            <a:schemeClr val="accent1"/>
+          </a:effectRef>
+          <a:fontRef idx="minor">
+            <a:schemeClr val="lt1"/>
+          </a:fontRef>
+        </p:style>
+        <p:txBody>
+          <a:bodyPr rtlCol="0" anchor="ctr"/>
+          <a:lstStyle/>
+          <a:p>
+            <a:pPr algn="ctr"/>
+            <a:r>
+              <a:rPr lang="en-US" altLang="zh-CN" sz="1000" dirty="0"/>
+              <a:t>t’</a:t>
+            </a:r>
+            <a:endParaRPr lang="en-US" sz="1000" dirty="0"/>
+          </a:p>
+        </p:txBody>
+      </p:sp>
+      <p:cxnSp>
+        <p:nvCxnSpPr>
+          <p:cNvPr id="51" name="Straight Arrow Connector 50">
+            <a:extLst>
+              <a:ext uri="{FF2B5EF4-FFF2-40B4-BE49-F238E27FC236}">
+                <a16:creationId xmlns:a16="http://schemas.microsoft.com/office/drawing/2014/main" id="{592E6841-2A80-0190-A542-523B5751C731}"/>
+              </a:ext>
+            </a:extLst>
+          </p:cNvPr>
+          <p:cNvCxnSpPr/>
+          <p:nvPr/>
+        </p:nvCxnSpPr>
+        <p:spPr>
+          <a:xfrm flipV="1">
+            <a:off x="2593282" y="2975962"/>
+            <a:ext cx="0" cy="266400"/>
+          </a:xfrm>
+          <a:prstGeom prst="straightConnector1">
+            <a:avLst/>
+          </a:prstGeom>
+          <a:ln>
+            <a:tailEnd type="triangle"/>
+          </a:ln>
+        </p:spPr>
+        <p:style>
+          <a:lnRef idx="1">
+            <a:schemeClr val="accent1"/>
+          </a:lnRef>
+          <a:fillRef idx="0">
+            <a:schemeClr val="accent1"/>
+          </a:fillRef>
+          <a:effectRef idx="0">
+            <a:schemeClr val="accent1"/>
+          </a:effectRef>
+          <a:fontRef idx="minor">
+            <a:schemeClr val="tx1"/>
+          </a:fontRef>
+        </p:style>
+      </p:cxnSp>
+      <p:cxnSp>
+        <p:nvCxnSpPr>
+          <p:cNvPr id="52" name="Straight Arrow Connector 51">
+            <a:extLst>
+              <a:ext uri="{FF2B5EF4-FFF2-40B4-BE49-F238E27FC236}">
+                <a16:creationId xmlns:a16="http://schemas.microsoft.com/office/drawing/2014/main" id="{74CFDD7B-28E2-2FF4-85EC-745DD88B1826}"/>
+              </a:ext>
+            </a:extLst>
+          </p:cNvPr>
+          <p:cNvCxnSpPr/>
+          <p:nvPr/>
+        </p:nvCxnSpPr>
+        <p:spPr>
+          <a:xfrm flipV="1">
+            <a:off x="3055547" y="2997465"/>
+            <a:ext cx="0" cy="266400"/>
+          </a:xfrm>
+          <a:prstGeom prst="straightConnector1">
+            <a:avLst/>
+          </a:prstGeom>
+          <a:ln>
+            <a:tailEnd type="triangle"/>
+          </a:ln>
+        </p:spPr>
+        <p:style>
+          <a:lnRef idx="1">
+            <a:schemeClr val="accent1"/>
+          </a:lnRef>
+          <a:fillRef idx="0">
+            <a:schemeClr val="accent1"/>
+          </a:fillRef>
+          <a:effectRef idx="0">
+            <a:schemeClr val="accent1"/>
+          </a:effectRef>
+          <a:fontRef idx="minor">
+            <a:schemeClr val="tx1"/>
+          </a:fontRef>
+        </p:style>
+      </p:cxnSp>
+      <p:sp>
+        <p:nvSpPr>
+          <p:cNvPr id="53" name="Rectangle 52">
+            <a:extLst>
+              <a:ext uri="{FF2B5EF4-FFF2-40B4-BE49-F238E27FC236}">
+                <a16:creationId xmlns:a16="http://schemas.microsoft.com/office/drawing/2014/main" id="{4EE8E97F-373A-A9DF-41EF-4182E492A179}"/>
+              </a:ext>
+            </a:extLst>
+          </p:cNvPr>
+          <p:cNvSpPr/>
+          <p:nvPr/>
+        </p:nvSpPr>
+        <p:spPr>
+          <a:xfrm>
+            <a:off x="2433526" y="2746508"/>
+            <a:ext cx="360000" cy="250957"/>
+          </a:xfrm>
+          <a:prstGeom prst="rect">
+            <a:avLst/>
+          </a:prstGeom>
+        </p:spPr>
+        <p:style>
+          <a:lnRef idx="2">
+            <a:schemeClr val="accent1">
+              <a:shade val="15000"/>
+            </a:schemeClr>
+          </a:lnRef>
+          <a:fillRef idx="1">
+            <a:schemeClr val="accent1"/>
+          </a:fillRef>
+          <a:effectRef idx="0">
+            <a:schemeClr val="accent1"/>
+          </a:effectRef>
+          <a:fontRef idx="minor">
+            <a:schemeClr val="lt1"/>
+          </a:fontRef>
+        </p:style>
+        <p:txBody>
+          <a:bodyPr rtlCol="0" anchor="ctr"/>
+          <a:lstStyle/>
+          <a:p>
+            <a:pPr algn="ctr"/>
+            <a:r>
+              <a:rPr lang="en-US" altLang="zh-CN" sz="1000" dirty="0"/>
+              <a:t>t’</a:t>
+            </a:r>
+            <a:endParaRPr lang="en-US" sz="1000" dirty="0"/>
+          </a:p>
+        </p:txBody>
+      </p:sp>
+      <p:sp>
+        <p:nvSpPr>
+          <p:cNvPr id="54" name="Rectangle 53">
+            <a:extLst>
+              <a:ext uri="{FF2B5EF4-FFF2-40B4-BE49-F238E27FC236}">
+                <a16:creationId xmlns:a16="http://schemas.microsoft.com/office/drawing/2014/main" id="{8EE6901C-26B0-9D57-8613-B75AACB53968}"/>
+              </a:ext>
+            </a:extLst>
+          </p:cNvPr>
+          <p:cNvSpPr/>
+          <p:nvPr/>
+        </p:nvSpPr>
+        <p:spPr>
+          <a:xfrm>
+            <a:off x="2875547" y="2739894"/>
+            <a:ext cx="360000" cy="250957"/>
+          </a:xfrm>
+          <a:prstGeom prst="rect">
+            <a:avLst/>
+          </a:prstGeom>
+        </p:spPr>
+        <p:style>
+          <a:lnRef idx="2">
+            <a:schemeClr val="accent1">
+              <a:shade val="15000"/>
+            </a:schemeClr>
+          </a:lnRef>
+          <a:fillRef idx="1">
+            <a:schemeClr val="accent1"/>
+          </a:fillRef>
+          <a:effectRef idx="0">
+            <a:schemeClr val="accent1"/>
+          </a:effectRef>
+          <a:fontRef idx="minor">
+            <a:schemeClr val="lt1"/>
+          </a:fontRef>
+        </p:style>
+        <p:txBody>
+          <a:bodyPr rtlCol="0" anchor="ctr"/>
+          <a:lstStyle/>
+          <a:p>
+            <a:pPr algn="ctr"/>
+            <a:r>
+              <a:rPr lang="en-US" altLang="zh-CN" sz="1000" dirty="0"/>
+              <a:t>t’</a:t>
+            </a:r>
+            <a:endParaRPr lang="en-US" sz="1000" dirty="0"/>
+          </a:p>
+        </p:txBody>
+      </p:sp>
+      <p:cxnSp>
+        <p:nvCxnSpPr>
+          <p:cNvPr id="55" name="Straight Arrow Connector 54">
+            <a:extLst>
+              <a:ext uri="{FF2B5EF4-FFF2-40B4-BE49-F238E27FC236}">
+                <a16:creationId xmlns:a16="http://schemas.microsoft.com/office/drawing/2014/main" id="{79B8B7D1-592D-9881-0237-F54F60957D09}"/>
+              </a:ext>
+            </a:extLst>
+          </p:cNvPr>
+          <p:cNvCxnSpPr/>
+          <p:nvPr/>
+        </p:nvCxnSpPr>
+        <p:spPr>
+          <a:xfrm flipV="1">
+            <a:off x="5443040" y="2959546"/>
+            <a:ext cx="0" cy="266400"/>
+          </a:xfrm>
+          <a:prstGeom prst="straightConnector1">
+            <a:avLst/>
+          </a:prstGeom>
+          <a:ln>
+            <a:tailEnd type="triangle"/>
+          </a:ln>
+        </p:spPr>
+        <p:style>
+          <a:lnRef idx="1">
+            <a:schemeClr val="accent1"/>
+          </a:lnRef>
+          <a:fillRef idx="0">
+            <a:schemeClr val="accent1"/>
+          </a:fillRef>
+          <a:effectRef idx="0">
+            <a:schemeClr val="accent1"/>
+          </a:effectRef>
+          <a:fontRef idx="minor">
+            <a:schemeClr val="tx1"/>
+          </a:fontRef>
+        </p:style>
+      </p:cxnSp>
+      <p:cxnSp>
+        <p:nvCxnSpPr>
+          <p:cNvPr id="56" name="Straight Arrow Connector 55">
+            <a:extLst>
+              <a:ext uri="{FF2B5EF4-FFF2-40B4-BE49-F238E27FC236}">
+                <a16:creationId xmlns:a16="http://schemas.microsoft.com/office/drawing/2014/main" id="{0600CAA9-804F-02D2-436C-A05C1D397D23}"/>
+              </a:ext>
+            </a:extLst>
+          </p:cNvPr>
+          <p:cNvCxnSpPr/>
+          <p:nvPr/>
+        </p:nvCxnSpPr>
+        <p:spPr>
+          <a:xfrm flipV="1">
+            <a:off x="5905305" y="2981049"/>
+            <a:ext cx="0" cy="266400"/>
+          </a:xfrm>
+          <a:prstGeom prst="straightConnector1">
+            <a:avLst/>
+          </a:prstGeom>
+          <a:ln>
+            <a:tailEnd type="triangle"/>
+          </a:ln>
+        </p:spPr>
+        <p:style>
+          <a:lnRef idx="1">
+            <a:schemeClr val="accent1"/>
+          </a:lnRef>
+          <a:fillRef idx="0">
+            <a:schemeClr val="accent1"/>
+          </a:fillRef>
+          <a:effectRef idx="0">
+            <a:schemeClr val="accent1"/>
+          </a:effectRef>
+          <a:fontRef idx="minor">
+            <a:schemeClr val="tx1"/>
+          </a:fontRef>
+        </p:style>
+      </p:cxnSp>
+      <p:sp>
+        <p:nvSpPr>
+          <p:cNvPr id="57" name="Rectangle 56">
+            <a:extLst>
+              <a:ext uri="{FF2B5EF4-FFF2-40B4-BE49-F238E27FC236}">
+                <a16:creationId xmlns:a16="http://schemas.microsoft.com/office/drawing/2014/main" id="{BA1B94D3-D1DA-FAB3-FD23-625312C61373}"/>
+              </a:ext>
+            </a:extLst>
+          </p:cNvPr>
+          <p:cNvSpPr/>
+          <p:nvPr/>
+        </p:nvSpPr>
+        <p:spPr>
+          <a:xfrm>
+            <a:off x="5283284" y="2730092"/>
+            <a:ext cx="360000" cy="250957"/>
+          </a:xfrm>
+          <a:prstGeom prst="rect">
+            <a:avLst/>
+          </a:prstGeom>
+        </p:spPr>
+        <p:style>
+          <a:lnRef idx="2">
+            <a:schemeClr val="accent1">
+              <a:shade val="15000"/>
+            </a:schemeClr>
+          </a:lnRef>
+          <a:fillRef idx="1">
+            <a:schemeClr val="accent1"/>
+          </a:fillRef>
+          <a:effectRef idx="0">
+            <a:schemeClr val="accent1"/>
+          </a:effectRef>
+          <a:fontRef idx="minor">
+            <a:schemeClr val="lt1"/>
+          </a:fontRef>
+        </p:style>
+        <p:txBody>
+          <a:bodyPr rtlCol="0" anchor="ctr"/>
+          <a:lstStyle/>
+          <a:p>
+            <a:pPr algn="ctr"/>
+            <a:r>
+              <a:rPr lang="en-US" altLang="zh-CN" sz="1000" dirty="0" err="1"/>
+              <a:t>i</a:t>
+            </a:r>
+            <a:r>
+              <a:rPr lang="en-US" altLang="zh-CN" sz="1000" dirty="0"/>
+              <a:t>’</a:t>
+            </a:r>
+            <a:endParaRPr lang="en-US" sz="1000" dirty="0"/>
+          </a:p>
+        </p:txBody>
+      </p:sp>
+      <p:sp>
+        <p:nvSpPr>
+          <p:cNvPr id="58" name="Rectangle 57">
+            <a:extLst>
+              <a:ext uri="{FF2B5EF4-FFF2-40B4-BE49-F238E27FC236}">
+                <a16:creationId xmlns:a16="http://schemas.microsoft.com/office/drawing/2014/main" id="{5AFA8DD8-11DB-11FE-9CB0-814E673F0C0D}"/>
+              </a:ext>
+            </a:extLst>
+          </p:cNvPr>
+          <p:cNvSpPr/>
+          <p:nvPr/>
+        </p:nvSpPr>
+        <p:spPr>
+          <a:xfrm>
+            <a:off x="5725305" y="2723478"/>
+            <a:ext cx="360000" cy="250957"/>
+          </a:xfrm>
+          <a:prstGeom prst="rect">
+            <a:avLst/>
+          </a:prstGeom>
+        </p:spPr>
+        <p:style>
+          <a:lnRef idx="2">
+            <a:schemeClr val="accent1">
+              <a:shade val="15000"/>
+            </a:schemeClr>
+          </a:lnRef>
+          <a:fillRef idx="1">
+            <a:schemeClr val="accent1"/>
+          </a:fillRef>
+          <a:effectRef idx="0">
+            <a:schemeClr val="accent1"/>
+          </a:effectRef>
+          <a:fontRef idx="minor">
+            <a:schemeClr val="lt1"/>
+          </a:fontRef>
+        </p:style>
+        <p:txBody>
+          <a:bodyPr rtlCol="0" anchor="ctr"/>
+          <a:lstStyle/>
+          <a:p>
+            <a:pPr algn="ctr"/>
+            <a:r>
+              <a:rPr lang="en-US" altLang="zh-CN" sz="1000" dirty="0"/>
+              <a:t>i’</a:t>
+            </a:r>
+            <a:endParaRPr lang="en-US" sz="1000" dirty="0"/>
+          </a:p>
+        </p:txBody>
+      </p:sp>
+      <p:cxnSp>
+        <p:nvCxnSpPr>
+          <p:cNvPr id="59" name="Straight Arrow Connector 58">
+            <a:extLst>
+              <a:ext uri="{FF2B5EF4-FFF2-40B4-BE49-F238E27FC236}">
+                <a16:creationId xmlns:a16="http://schemas.microsoft.com/office/drawing/2014/main" id="{F7A275FE-79DF-9D0B-9487-0D363E561D2A}"/>
+              </a:ext>
+            </a:extLst>
+          </p:cNvPr>
+          <p:cNvCxnSpPr/>
+          <p:nvPr/>
+        </p:nvCxnSpPr>
+        <p:spPr>
+          <a:xfrm flipV="1">
+            <a:off x="6597598" y="2943056"/>
+            <a:ext cx="0" cy="266400"/>
+          </a:xfrm>
+          <a:prstGeom prst="straightConnector1">
+            <a:avLst/>
+          </a:prstGeom>
+          <a:ln>
+            <a:tailEnd type="triangle"/>
+          </a:ln>
+        </p:spPr>
+        <p:style>
+          <a:lnRef idx="1">
+            <a:schemeClr val="accent1"/>
+          </a:lnRef>
+          <a:fillRef idx="0">
+            <a:schemeClr val="accent1"/>
+          </a:fillRef>
+          <a:effectRef idx="0">
+            <a:schemeClr val="accent1"/>
+          </a:effectRef>
+          <a:fontRef idx="minor">
+            <a:schemeClr val="tx1"/>
+          </a:fontRef>
+        </p:style>
+      </p:cxnSp>
+      <p:cxnSp>
+        <p:nvCxnSpPr>
+          <p:cNvPr id="60" name="Straight Arrow Connector 59">
+            <a:extLst>
+              <a:ext uri="{FF2B5EF4-FFF2-40B4-BE49-F238E27FC236}">
+                <a16:creationId xmlns:a16="http://schemas.microsoft.com/office/drawing/2014/main" id="{6AA9CA54-734E-A4A7-AB32-B0DBF5C5E6B9}"/>
+              </a:ext>
+            </a:extLst>
+          </p:cNvPr>
+          <p:cNvCxnSpPr/>
+          <p:nvPr/>
+        </p:nvCxnSpPr>
+        <p:spPr>
+          <a:xfrm flipV="1">
+            <a:off x="7059863" y="2964559"/>
+            <a:ext cx="0" cy="266400"/>
+          </a:xfrm>
+          <a:prstGeom prst="straightConnector1">
+            <a:avLst/>
+          </a:prstGeom>
+          <a:ln>
+            <a:tailEnd type="triangle"/>
+          </a:ln>
+        </p:spPr>
+        <p:style>
+          <a:lnRef idx="1">
+            <a:schemeClr val="accent1"/>
+          </a:lnRef>
+          <a:fillRef idx="0">
+            <a:schemeClr val="accent1"/>
+          </a:fillRef>
+          <a:effectRef idx="0">
+            <a:schemeClr val="accent1"/>
+          </a:effectRef>
+          <a:fontRef idx="minor">
+            <a:schemeClr val="tx1"/>
+          </a:fontRef>
+        </p:style>
+      </p:cxnSp>
+      <p:sp>
+        <p:nvSpPr>
+          <p:cNvPr id="61" name="Rectangle 60">
+            <a:extLst>
+              <a:ext uri="{FF2B5EF4-FFF2-40B4-BE49-F238E27FC236}">
+                <a16:creationId xmlns:a16="http://schemas.microsoft.com/office/drawing/2014/main" id="{680690D5-098C-C0C6-9791-4C779CA61BED}"/>
+              </a:ext>
+            </a:extLst>
+          </p:cNvPr>
+          <p:cNvSpPr/>
+          <p:nvPr/>
+        </p:nvSpPr>
+        <p:spPr>
+          <a:xfrm>
+            <a:off x="6437842" y="2713602"/>
+            <a:ext cx="360000" cy="250957"/>
+          </a:xfrm>
+          <a:prstGeom prst="rect">
+            <a:avLst/>
+          </a:prstGeom>
+        </p:spPr>
+        <p:style>
+          <a:lnRef idx="2">
+            <a:schemeClr val="accent1">
+              <a:shade val="15000"/>
+            </a:schemeClr>
+          </a:lnRef>
+          <a:fillRef idx="1">
+            <a:schemeClr val="accent1"/>
+          </a:fillRef>
+          <a:effectRef idx="0">
+            <a:schemeClr val="accent1"/>
+          </a:effectRef>
+          <a:fontRef idx="minor">
+            <a:schemeClr val="lt1"/>
+          </a:fontRef>
+        </p:style>
+        <p:txBody>
+          <a:bodyPr rtlCol="0" anchor="ctr"/>
+          <a:lstStyle/>
+          <a:p>
+            <a:pPr algn="ctr"/>
+            <a:r>
+              <a:rPr lang="en-US" altLang="zh-CN" sz="1000" dirty="0"/>
+              <a:t>i’</a:t>
+            </a:r>
+            <a:endParaRPr lang="en-US" sz="1000" dirty="0"/>
+          </a:p>
+        </p:txBody>
+      </p:sp>
+      <p:sp>
+        <p:nvSpPr>
+          <p:cNvPr id="62" name="Rectangle 61">
+            <a:extLst>
+              <a:ext uri="{FF2B5EF4-FFF2-40B4-BE49-F238E27FC236}">
+                <a16:creationId xmlns:a16="http://schemas.microsoft.com/office/drawing/2014/main" id="{79163097-BFDC-B2AD-826F-E92938DD014F}"/>
+              </a:ext>
+            </a:extLst>
+          </p:cNvPr>
+          <p:cNvSpPr/>
+          <p:nvPr/>
+        </p:nvSpPr>
+        <p:spPr>
+          <a:xfrm>
+            <a:off x="6879863" y="2706988"/>
+            <a:ext cx="360000" cy="250957"/>
+          </a:xfrm>
+          <a:prstGeom prst="rect">
+            <a:avLst/>
+          </a:prstGeom>
+        </p:spPr>
+        <p:style>
+          <a:lnRef idx="2">
+            <a:schemeClr val="accent1">
+              <a:shade val="15000"/>
+            </a:schemeClr>
+          </a:lnRef>
+          <a:fillRef idx="1">
+            <a:schemeClr val="accent1"/>
+          </a:fillRef>
+          <a:effectRef idx="0">
+            <a:schemeClr val="accent1"/>
+          </a:effectRef>
+          <a:fontRef idx="minor">
+            <a:schemeClr val="lt1"/>
+          </a:fontRef>
+        </p:style>
+        <p:txBody>
+          <a:bodyPr rtlCol="0" anchor="ctr"/>
+          <a:lstStyle/>
+          <a:p>
+            <a:pPr algn="ctr"/>
+            <a:r>
+              <a:rPr lang="en-US" altLang="zh-CN" sz="1000" dirty="0"/>
+              <a:t>i’</a:t>
+            </a:r>
+            <a:endParaRPr lang="en-US" sz="1000" dirty="0"/>
+          </a:p>
+        </p:txBody>
+      </p:sp>
+      <p:sp>
+        <p:nvSpPr>
+          <p:cNvPr id="63" name="Oval 62">
+            <a:extLst>
+              <a:ext uri="{FF2B5EF4-FFF2-40B4-BE49-F238E27FC236}">
+                <a16:creationId xmlns:a16="http://schemas.microsoft.com/office/drawing/2014/main" id="{C4C9AF76-651E-FE22-5D2E-D7AF3FC8A245}"/>
+              </a:ext>
+            </a:extLst>
+          </p:cNvPr>
+          <p:cNvSpPr/>
+          <p:nvPr/>
+        </p:nvSpPr>
+        <p:spPr>
+          <a:xfrm>
+            <a:off x="2473247" y="1842357"/>
+            <a:ext cx="221634" cy="220133"/>
+          </a:xfrm>
+          <a:prstGeom prst="ellipse">
+            <a:avLst/>
+          </a:prstGeom>
+        </p:spPr>
+        <p:style>
+          <a:lnRef idx="2">
+            <a:schemeClr val="accent1">
+              <a:shade val="15000"/>
+            </a:schemeClr>
+          </a:lnRef>
+          <a:fillRef idx="1">
+            <a:schemeClr val="accent1"/>
+          </a:fillRef>
+          <a:effectRef idx="0">
+            <a:schemeClr val="accent1"/>
+          </a:effectRef>
+          <a:fontRef idx="minor">
+            <a:schemeClr val="lt1"/>
+          </a:fontRef>
+        </p:style>
+        <p:txBody>
+          <a:bodyPr rtlCol="0" anchor="ctr"/>
+          <a:lstStyle/>
+          <a:p>
+            <a:pPr algn="ctr"/>
+            <a:r>
+              <a:rPr lang="en-US" altLang="zh-CN" dirty="0"/>
+              <a:t>+</a:t>
+            </a:r>
+            <a:endParaRPr lang="en-US" dirty="0"/>
+          </a:p>
+        </p:txBody>
+      </p:sp>
+      <p:sp>
+        <p:nvSpPr>
+          <p:cNvPr id="64" name="Oval 63">
+            <a:extLst>
+              <a:ext uri="{FF2B5EF4-FFF2-40B4-BE49-F238E27FC236}">
+                <a16:creationId xmlns:a16="http://schemas.microsoft.com/office/drawing/2014/main" id="{2BD9BC5F-5A0B-A487-6C93-19F55E778705}"/>
+              </a:ext>
+            </a:extLst>
+          </p:cNvPr>
+          <p:cNvSpPr/>
+          <p:nvPr/>
+        </p:nvSpPr>
+        <p:spPr>
+          <a:xfrm>
+            <a:off x="4870425" y="2062490"/>
+            <a:ext cx="221634" cy="220133"/>
+          </a:xfrm>
+          <a:prstGeom prst="ellipse">
+            <a:avLst/>
+          </a:prstGeom>
+        </p:spPr>
+        <p:style>
+          <a:lnRef idx="2">
+            <a:schemeClr val="accent1">
+              <a:shade val="15000"/>
+            </a:schemeClr>
+          </a:lnRef>
+          <a:fillRef idx="1">
+            <a:schemeClr val="accent1"/>
+          </a:fillRef>
+          <a:effectRef idx="0">
+            <a:schemeClr val="accent1"/>
+          </a:effectRef>
+          <a:fontRef idx="minor">
+            <a:schemeClr val="lt1"/>
+          </a:fontRef>
+        </p:style>
+        <p:txBody>
+          <a:bodyPr rtlCol="0" anchor="ctr"/>
+          <a:lstStyle/>
+          <a:p>
+            <a:pPr algn="ctr"/>
+            <a:r>
+              <a:rPr lang="en-US" altLang="zh-CN" dirty="0"/>
+              <a:t>+</a:t>
+            </a:r>
+            <a:endParaRPr lang="en-US" dirty="0"/>
+          </a:p>
+        </p:txBody>
+      </p:sp>
+      <p:sp>
+        <p:nvSpPr>
+          <p:cNvPr id="65" name="Oval 64">
+            <a:extLst>
+              <a:ext uri="{FF2B5EF4-FFF2-40B4-BE49-F238E27FC236}">
+                <a16:creationId xmlns:a16="http://schemas.microsoft.com/office/drawing/2014/main" id="{0C3E5F6D-BEF8-AC71-D543-E6FE20399B16}"/>
+              </a:ext>
+            </a:extLst>
+          </p:cNvPr>
+          <p:cNvSpPr/>
+          <p:nvPr/>
+        </p:nvSpPr>
+        <p:spPr>
+          <a:xfrm>
+            <a:off x="3613911" y="1522926"/>
+            <a:ext cx="221634" cy="220133"/>
+          </a:xfrm>
+          <a:prstGeom prst="ellipse">
+            <a:avLst/>
+          </a:prstGeom>
+        </p:spPr>
+        <p:style>
+          <a:lnRef idx="2">
+            <a:schemeClr val="accent1">
+              <a:shade val="15000"/>
+            </a:schemeClr>
+          </a:lnRef>
+          <a:fillRef idx="1">
+            <a:schemeClr val="accent1"/>
+          </a:fillRef>
+          <a:effectRef idx="0">
+            <a:schemeClr val="accent1"/>
+          </a:effectRef>
+          <a:fontRef idx="minor">
+            <a:schemeClr val="lt1"/>
+          </a:fontRef>
+        </p:style>
+        <p:txBody>
+          <a:bodyPr rtlCol="0" anchor="ctr"/>
+          <a:lstStyle/>
+          <a:p>
+            <a:pPr algn="ctr"/>
+            <a:r>
+              <a:rPr lang="en-US" altLang="zh-CN" dirty="0"/>
+              <a:t>+</a:t>
+            </a:r>
+            <a:endParaRPr lang="en-US" dirty="0"/>
+          </a:p>
+        </p:txBody>
+      </p:sp>
+      <p:sp>
+        <p:nvSpPr>
+          <p:cNvPr id="66" name="Oval 65">
+            <a:extLst>
+              <a:ext uri="{FF2B5EF4-FFF2-40B4-BE49-F238E27FC236}">
+                <a16:creationId xmlns:a16="http://schemas.microsoft.com/office/drawing/2014/main" id="{21A7D436-9611-1E87-D7A3-A651ADED6ACC}"/>
+              </a:ext>
+            </a:extLst>
+          </p:cNvPr>
+          <p:cNvSpPr/>
+          <p:nvPr/>
+        </p:nvSpPr>
+        <p:spPr>
+          <a:xfrm>
+            <a:off x="6587282" y="1732290"/>
+            <a:ext cx="221634" cy="220133"/>
+          </a:xfrm>
+          <a:prstGeom prst="ellipse">
+            <a:avLst/>
+          </a:prstGeom>
+        </p:spPr>
+        <p:style>
+          <a:lnRef idx="2">
+            <a:schemeClr val="accent1">
+              <a:shade val="15000"/>
+            </a:schemeClr>
+          </a:lnRef>
+          <a:fillRef idx="1">
+            <a:schemeClr val="accent1"/>
+          </a:fillRef>
+          <a:effectRef idx="0">
+            <a:schemeClr val="accent1"/>
+          </a:effectRef>
+          <a:fontRef idx="minor">
+            <a:schemeClr val="lt1"/>
+          </a:fontRef>
+        </p:style>
+        <p:txBody>
+          <a:bodyPr rtlCol="0" anchor="ctr"/>
+          <a:lstStyle/>
+          <a:p>
+            <a:pPr algn="ctr"/>
+            <a:r>
+              <a:rPr lang="en-US" altLang="zh-CN" dirty="0"/>
+              <a:t>+</a:t>
+            </a:r>
+            <a:endParaRPr lang="en-US" dirty="0"/>
+          </a:p>
+        </p:txBody>
+      </p:sp>
+      <p:cxnSp>
+        <p:nvCxnSpPr>
+          <p:cNvPr id="69" name="Elbow Connector 68">
+            <a:extLst>
+              <a:ext uri="{FF2B5EF4-FFF2-40B4-BE49-F238E27FC236}">
+                <a16:creationId xmlns:a16="http://schemas.microsoft.com/office/drawing/2014/main" id="{26F575A3-5369-03AE-21F8-B09D449DEA5C}"/>
+              </a:ext>
+            </a:extLst>
+          </p:cNvPr>
+          <p:cNvCxnSpPr>
+            <a:stCxn id="20" idx="0"/>
+          </p:cNvCxnSpPr>
+          <p:nvPr/>
+        </p:nvCxnSpPr>
+        <p:spPr>
+          <a:xfrm rot="5400000" flipH="1" flipV="1">
+            <a:off x="1528076" y="1857548"/>
+            <a:ext cx="836343" cy="974558"/>
+          </a:xfrm>
+          <a:prstGeom prst="bentConnector2">
+            <a:avLst/>
+          </a:prstGeom>
+          <a:ln>
+            <a:tailEnd type="triangle"/>
+          </a:ln>
+        </p:spPr>
+        <p:style>
+          <a:lnRef idx="1">
+            <a:schemeClr val="accent1"/>
+          </a:lnRef>
+          <a:fillRef idx="0">
+            <a:schemeClr val="accent1"/>
+          </a:fillRef>
+          <a:effectRef idx="0">
+            <a:schemeClr val="accent1"/>
+          </a:effectRef>
+          <a:fontRef idx="minor">
+            <a:schemeClr val="tx1"/>
+          </a:fontRef>
+        </p:style>
+      </p:cxnSp>
+      <p:cxnSp>
+        <p:nvCxnSpPr>
+          <p:cNvPr id="71" name="Elbow Connector 70">
+            <a:extLst>
+              <a:ext uri="{FF2B5EF4-FFF2-40B4-BE49-F238E27FC236}">
+                <a16:creationId xmlns:a16="http://schemas.microsoft.com/office/drawing/2014/main" id="{4F3494C7-802F-C092-064B-B71292007B2D}"/>
+              </a:ext>
+            </a:extLst>
+          </p:cNvPr>
+          <p:cNvCxnSpPr>
+            <a:cxnSpLocks/>
+          </p:cNvCxnSpPr>
+          <p:nvPr/>
+        </p:nvCxnSpPr>
+        <p:spPr>
+          <a:xfrm rot="10800000">
+            <a:off x="2703714" y="1941672"/>
+            <a:ext cx="2810037" cy="903147"/>
+          </a:xfrm>
+          <a:prstGeom prst="bentConnector3">
+            <a:avLst>
+              <a:gd name="adj1" fmla="val 61649"/>
+            </a:avLst>
+          </a:prstGeom>
+          <a:ln>
+            <a:tailEnd type="triangle"/>
+          </a:ln>
+        </p:spPr>
+        <p:style>
+          <a:lnRef idx="1">
+            <a:schemeClr val="accent1"/>
+          </a:lnRef>
+          <a:fillRef idx="0">
+            <a:schemeClr val="accent1"/>
+          </a:fillRef>
+          <a:effectRef idx="0">
+            <a:schemeClr val="accent1"/>
+          </a:effectRef>
+          <a:fontRef idx="minor">
+            <a:schemeClr val="tx1"/>
+          </a:fontRef>
+        </p:style>
+      </p:cxnSp>
+      <p:cxnSp>
+        <p:nvCxnSpPr>
+          <p:cNvPr id="74" name="Elbow Connector 73">
+            <a:extLst>
+              <a:ext uri="{FF2B5EF4-FFF2-40B4-BE49-F238E27FC236}">
+                <a16:creationId xmlns:a16="http://schemas.microsoft.com/office/drawing/2014/main" id="{9AA630CE-2E64-6D80-BFEB-43920DDE7BED}"/>
+              </a:ext>
+            </a:extLst>
+          </p:cNvPr>
+          <p:cNvCxnSpPr>
+            <a:stCxn id="50" idx="0"/>
+            <a:endCxn id="65" idx="2"/>
+          </p:cNvCxnSpPr>
+          <p:nvPr/>
+        </p:nvCxnSpPr>
+        <p:spPr>
+          <a:xfrm rot="5400000" flipH="1" flipV="1">
+            <a:off x="2195755" y="1338228"/>
+            <a:ext cx="1123391" cy="1712922"/>
+          </a:xfrm>
+          <a:prstGeom prst="bentConnector2">
+            <a:avLst/>
+          </a:prstGeom>
+          <a:ln>
+            <a:tailEnd type="triangle"/>
+          </a:ln>
+        </p:spPr>
+        <p:style>
+          <a:lnRef idx="1">
+            <a:schemeClr val="accent1"/>
+          </a:lnRef>
+          <a:fillRef idx="0">
+            <a:schemeClr val="accent1"/>
+          </a:fillRef>
+          <a:effectRef idx="0">
+            <a:schemeClr val="accent1"/>
+          </a:effectRef>
+          <a:fontRef idx="minor">
+            <a:schemeClr val="tx1"/>
+          </a:fontRef>
+        </p:style>
+      </p:cxnSp>
+      <p:cxnSp>
+        <p:nvCxnSpPr>
+          <p:cNvPr id="76" name="Elbow Connector 75">
+            <a:extLst>
+              <a:ext uri="{FF2B5EF4-FFF2-40B4-BE49-F238E27FC236}">
+                <a16:creationId xmlns:a16="http://schemas.microsoft.com/office/drawing/2014/main" id="{183533F3-81DB-E0D5-F216-9B40127B5915}"/>
+              </a:ext>
+            </a:extLst>
+          </p:cNvPr>
+          <p:cNvCxnSpPr>
+            <a:stCxn id="58" idx="0"/>
+            <a:endCxn id="65" idx="6"/>
+          </p:cNvCxnSpPr>
+          <p:nvPr/>
+        </p:nvCxnSpPr>
+        <p:spPr>
+          <a:xfrm rot="16200000" flipV="1">
+            <a:off x="4325183" y="1143356"/>
+            <a:ext cx="1090485" cy="2069760"/>
+          </a:xfrm>
+          <a:prstGeom prst="bentConnector2">
+            <a:avLst/>
+          </a:prstGeom>
+          <a:ln>
+            <a:tailEnd type="triangle"/>
+          </a:ln>
+        </p:spPr>
+        <p:style>
+          <a:lnRef idx="1">
+            <a:schemeClr val="accent1"/>
+          </a:lnRef>
+          <a:fillRef idx="0">
+            <a:schemeClr val="accent1"/>
+          </a:fillRef>
+          <a:effectRef idx="0">
+            <a:schemeClr val="accent1"/>
+          </a:effectRef>
+          <a:fontRef idx="minor">
+            <a:schemeClr val="tx1"/>
+          </a:fontRef>
+        </p:style>
+      </p:cxnSp>
+      <p:cxnSp>
+        <p:nvCxnSpPr>
+          <p:cNvPr id="78" name="Elbow Connector 77">
+            <a:extLst>
+              <a:ext uri="{FF2B5EF4-FFF2-40B4-BE49-F238E27FC236}">
+                <a16:creationId xmlns:a16="http://schemas.microsoft.com/office/drawing/2014/main" id="{319A00A7-5AA2-2E9F-707D-1E480C30FC5D}"/>
+              </a:ext>
+            </a:extLst>
+          </p:cNvPr>
+          <p:cNvCxnSpPr>
+            <a:stCxn id="53" idx="0"/>
+            <a:endCxn id="64" idx="2"/>
+          </p:cNvCxnSpPr>
+          <p:nvPr/>
+        </p:nvCxnSpPr>
+        <p:spPr>
+          <a:xfrm rot="5400000" flipH="1" flipV="1">
+            <a:off x="3455000" y="1331084"/>
+            <a:ext cx="573951" cy="2256899"/>
+          </a:xfrm>
+          <a:prstGeom prst="bentConnector2">
+            <a:avLst/>
+          </a:prstGeom>
+          <a:ln>
+            <a:tailEnd type="triangle"/>
+          </a:ln>
+        </p:spPr>
+        <p:style>
+          <a:lnRef idx="1">
+            <a:schemeClr val="accent1"/>
+          </a:lnRef>
+          <a:fillRef idx="0">
+            <a:schemeClr val="accent1"/>
+          </a:fillRef>
+          <a:effectRef idx="0">
+            <a:schemeClr val="accent1"/>
+          </a:effectRef>
+          <a:fontRef idx="minor">
+            <a:schemeClr val="tx1"/>
+          </a:fontRef>
+        </p:style>
+      </p:cxnSp>
+      <p:cxnSp>
+        <p:nvCxnSpPr>
+          <p:cNvPr id="80" name="Elbow Connector 79">
+            <a:extLst>
+              <a:ext uri="{FF2B5EF4-FFF2-40B4-BE49-F238E27FC236}">
+                <a16:creationId xmlns:a16="http://schemas.microsoft.com/office/drawing/2014/main" id="{3EAFE37B-5103-A13C-E094-6B62C1709A15}"/>
+              </a:ext>
+            </a:extLst>
+          </p:cNvPr>
+          <p:cNvCxnSpPr>
+            <a:stCxn id="61" idx="0"/>
+            <a:endCxn id="64" idx="6"/>
+          </p:cNvCxnSpPr>
+          <p:nvPr/>
+        </p:nvCxnSpPr>
+        <p:spPr>
+          <a:xfrm rot="16200000" flipV="1">
+            <a:off x="5584429" y="1680188"/>
+            <a:ext cx="541045" cy="1525783"/>
+          </a:xfrm>
+          <a:prstGeom prst="bentConnector2">
+            <a:avLst/>
+          </a:prstGeom>
+          <a:ln>
+            <a:tailEnd type="triangle"/>
+          </a:ln>
+        </p:spPr>
+        <p:style>
+          <a:lnRef idx="1">
+            <a:schemeClr val="accent1"/>
+          </a:lnRef>
+          <a:fillRef idx="0">
+            <a:schemeClr val="accent1"/>
+          </a:fillRef>
+          <a:effectRef idx="0">
+            <a:schemeClr val="accent1"/>
+          </a:effectRef>
+          <a:fontRef idx="minor">
+            <a:schemeClr val="tx1"/>
+          </a:fontRef>
+        </p:style>
+      </p:cxnSp>
+      <p:cxnSp>
+        <p:nvCxnSpPr>
+          <p:cNvPr id="82" name="Elbow Connector 81">
+            <a:extLst>
+              <a:ext uri="{FF2B5EF4-FFF2-40B4-BE49-F238E27FC236}">
+                <a16:creationId xmlns:a16="http://schemas.microsoft.com/office/drawing/2014/main" id="{92CA9436-0457-C4F5-6200-C9144CFA8969}"/>
+              </a:ext>
+            </a:extLst>
+          </p:cNvPr>
+          <p:cNvCxnSpPr>
+            <a:stCxn id="54" idx="0"/>
+            <a:endCxn id="66" idx="2"/>
+          </p:cNvCxnSpPr>
+          <p:nvPr/>
+        </p:nvCxnSpPr>
+        <p:spPr>
+          <a:xfrm rot="5400000" flipH="1" flipV="1">
+            <a:off x="4372646" y="525259"/>
+            <a:ext cx="897537" cy="3531735"/>
+          </a:xfrm>
+          <a:prstGeom prst="bentConnector2">
+            <a:avLst/>
+          </a:prstGeom>
+          <a:ln>
+            <a:tailEnd type="triangle"/>
+          </a:ln>
+        </p:spPr>
+        <p:style>
+          <a:lnRef idx="1">
+            <a:schemeClr val="accent1"/>
+          </a:lnRef>
+          <a:fillRef idx="0">
+            <a:schemeClr val="accent1"/>
+          </a:fillRef>
+          <a:effectRef idx="0">
+            <a:schemeClr val="accent1"/>
+          </a:effectRef>
+          <a:fontRef idx="minor">
+            <a:schemeClr val="tx1"/>
+          </a:fontRef>
+        </p:style>
+      </p:cxnSp>
+      <p:cxnSp>
+        <p:nvCxnSpPr>
+          <p:cNvPr id="84" name="Elbow Connector 83">
+            <a:extLst>
+              <a:ext uri="{FF2B5EF4-FFF2-40B4-BE49-F238E27FC236}">
+                <a16:creationId xmlns:a16="http://schemas.microsoft.com/office/drawing/2014/main" id="{D79F78E1-8FE8-ABF1-CF54-D3FAF064B832}"/>
+              </a:ext>
+            </a:extLst>
+          </p:cNvPr>
+          <p:cNvCxnSpPr>
+            <a:stCxn id="62" idx="0"/>
+            <a:endCxn id="66" idx="6"/>
+          </p:cNvCxnSpPr>
+          <p:nvPr/>
+        </p:nvCxnSpPr>
+        <p:spPr>
+          <a:xfrm rot="16200000" flipV="1">
+            <a:off x="6502075" y="2149199"/>
+            <a:ext cx="864631" cy="250947"/>
+          </a:xfrm>
+          <a:prstGeom prst="bentConnector2">
+            <a:avLst/>
+          </a:prstGeom>
+          <a:ln>
+            <a:tailEnd type="triangle"/>
+          </a:ln>
+        </p:spPr>
+        <p:style>
+          <a:lnRef idx="1">
+            <a:schemeClr val="accent1"/>
+          </a:lnRef>
+          <a:fillRef idx="0">
+            <a:schemeClr val="accent1"/>
+          </a:fillRef>
+          <a:effectRef idx="0">
+            <a:schemeClr val="accent1"/>
+          </a:effectRef>
+          <a:fontRef idx="minor">
+            <a:schemeClr val="tx1"/>
+          </a:fontRef>
+        </p:style>
+      </p:cxnSp>
+      <p:cxnSp>
+        <p:nvCxnSpPr>
+          <p:cNvPr id="86" name="Straight Arrow Connector 85">
+            <a:extLst>
+              <a:ext uri="{FF2B5EF4-FFF2-40B4-BE49-F238E27FC236}">
+                <a16:creationId xmlns:a16="http://schemas.microsoft.com/office/drawing/2014/main" id="{2F20861E-772A-9C17-6C1E-E2FB5E905FAF}"/>
+              </a:ext>
+            </a:extLst>
+          </p:cNvPr>
+          <p:cNvCxnSpPr>
+            <a:stCxn id="63" idx="0"/>
+          </p:cNvCxnSpPr>
+          <p:nvPr/>
+        </p:nvCxnSpPr>
+        <p:spPr>
+          <a:xfrm flipV="1">
+            <a:off x="2584064" y="1219200"/>
+            <a:ext cx="9218" cy="623157"/>
+          </a:xfrm>
+          <a:prstGeom prst="straightConnector1">
+            <a:avLst/>
+          </a:prstGeom>
+          <a:ln>
+            <a:tailEnd type="triangle"/>
+          </a:ln>
+        </p:spPr>
+        <p:style>
+          <a:lnRef idx="1">
+            <a:schemeClr val="accent1"/>
+          </a:lnRef>
+          <a:fillRef idx="0">
+            <a:schemeClr val="accent1"/>
+          </a:fillRef>
+          <a:effectRef idx="0">
+            <a:schemeClr val="accent1"/>
+          </a:effectRef>
+          <a:fontRef idx="minor">
+            <a:schemeClr val="tx1"/>
+          </a:fontRef>
+        </p:style>
+      </p:cxnSp>
+      <p:cxnSp>
+        <p:nvCxnSpPr>
+          <p:cNvPr id="87" name="Straight Arrow Connector 86">
+            <a:extLst>
+              <a:ext uri="{FF2B5EF4-FFF2-40B4-BE49-F238E27FC236}">
+                <a16:creationId xmlns:a16="http://schemas.microsoft.com/office/drawing/2014/main" id="{3D41C5E9-9654-B03A-8468-F4C010C73F5F}"/>
+              </a:ext>
+            </a:extLst>
+          </p:cNvPr>
+          <p:cNvCxnSpPr>
+            <a:cxnSpLocks/>
+            <a:stCxn id="65" idx="0"/>
+          </p:cNvCxnSpPr>
+          <p:nvPr/>
+        </p:nvCxnSpPr>
+        <p:spPr>
+          <a:xfrm flipH="1" flipV="1">
+            <a:off x="3715510" y="1156314"/>
+            <a:ext cx="9218" cy="366612"/>
+          </a:xfrm>
+          <a:prstGeom prst="straightConnector1">
+            <a:avLst/>
+          </a:prstGeom>
+          <a:ln>
+            <a:tailEnd type="triangle"/>
+          </a:ln>
+        </p:spPr>
+        <p:style>
+          <a:lnRef idx="1">
+            <a:schemeClr val="accent1"/>
+          </a:lnRef>
+          <a:fillRef idx="0">
+            <a:schemeClr val="accent1"/>
+          </a:fillRef>
+          <a:effectRef idx="0">
+            <a:schemeClr val="accent1"/>
+          </a:effectRef>
+          <a:fontRef idx="minor">
+            <a:schemeClr val="tx1"/>
+          </a:fontRef>
+        </p:style>
+      </p:cxnSp>
+      <p:cxnSp>
+        <p:nvCxnSpPr>
+          <p:cNvPr id="88" name="Straight Arrow Connector 87">
+            <a:extLst>
+              <a:ext uri="{FF2B5EF4-FFF2-40B4-BE49-F238E27FC236}">
+                <a16:creationId xmlns:a16="http://schemas.microsoft.com/office/drawing/2014/main" id="{933C8776-10E9-1220-DCE2-DF30582CB67C}"/>
+              </a:ext>
+            </a:extLst>
+          </p:cNvPr>
+          <p:cNvCxnSpPr>
+            <a:cxnSpLocks/>
+          </p:cNvCxnSpPr>
+          <p:nvPr/>
+        </p:nvCxnSpPr>
+        <p:spPr>
+          <a:xfrm flipV="1">
+            <a:off x="4972024" y="1138099"/>
+            <a:ext cx="0" cy="907477"/>
+          </a:xfrm>
+          <a:prstGeom prst="straightConnector1">
+            <a:avLst/>
+          </a:prstGeom>
+          <a:ln>
+            <a:tailEnd type="triangle"/>
+          </a:ln>
+        </p:spPr>
+        <p:style>
+          <a:lnRef idx="1">
+            <a:schemeClr val="accent1"/>
+          </a:lnRef>
+          <a:fillRef idx="0">
+            <a:schemeClr val="accent1"/>
+          </a:fillRef>
+          <a:effectRef idx="0">
+            <a:schemeClr val="accent1"/>
+          </a:effectRef>
+          <a:fontRef idx="minor">
+            <a:schemeClr val="tx1"/>
+          </a:fontRef>
+        </p:style>
+      </p:cxnSp>
+      <p:cxnSp>
+        <p:nvCxnSpPr>
+          <p:cNvPr id="89" name="Straight Arrow Connector 88">
+            <a:extLst>
+              <a:ext uri="{FF2B5EF4-FFF2-40B4-BE49-F238E27FC236}">
+                <a16:creationId xmlns:a16="http://schemas.microsoft.com/office/drawing/2014/main" id="{5BA01690-3B5D-37F3-257A-1A1535F921FC}"/>
+              </a:ext>
+            </a:extLst>
+          </p:cNvPr>
+          <p:cNvCxnSpPr/>
+          <p:nvPr/>
+        </p:nvCxnSpPr>
+        <p:spPr>
+          <a:xfrm flipV="1">
+            <a:off x="6704570" y="1107289"/>
+            <a:ext cx="9218" cy="623157"/>
+          </a:xfrm>
+          <a:prstGeom prst="straightConnector1">
+            <a:avLst/>
+          </a:prstGeom>
+          <a:ln>
+            <a:tailEnd type="triangle"/>
+          </a:ln>
+        </p:spPr>
+        <p:style>
+          <a:lnRef idx="1">
+            <a:schemeClr val="accent1"/>
+          </a:lnRef>
+          <a:fillRef idx="0">
+            <a:schemeClr val="accent1"/>
+          </a:fillRef>
+          <a:effectRef idx="0">
+            <a:schemeClr val="accent1"/>
+          </a:effectRef>
+          <a:fontRef idx="minor">
+            <a:schemeClr val="tx1"/>
+          </a:fontRef>
+        </p:style>
+      </p:cxnSp>
+      <p:sp>
+        <p:nvSpPr>
+          <p:cNvPr id="94" name="Rectangle 93">
+            <a:extLst>
+              <a:ext uri="{FF2B5EF4-FFF2-40B4-BE49-F238E27FC236}">
+                <a16:creationId xmlns:a16="http://schemas.microsoft.com/office/drawing/2014/main" id="{F8A8B740-443B-E2CD-E13E-CBBA27FB3E66}"/>
+              </a:ext>
+            </a:extLst>
+          </p:cNvPr>
+          <p:cNvSpPr/>
+          <p:nvPr/>
+        </p:nvSpPr>
+        <p:spPr>
+          <a:xfrm>
+            <a:off x="2351314" y="762000"/>
+            <a:ext cx="524233" cy="457200"/>
+          </a:xfrm>
+          <a:prstGeom prst="rect">
+            <a:avLst/>
+          </a:prstGeom>
+        </p:spPr>
+        <p:style>
+          <a:lnRef idx="2">
+            <a:schemeClr val="accent1">
+              <a:shade val="15000"/>
+            </a:schemeClr>
+          </a:lnRef>
+          <a:fillRef idx="1">
+            <a:schemeClr val="accent1"/>
+          </a:fillRef>
+          <a:effectRef idx="0">
+            <a:schemeClr val="accent1"/>
+          </a:effectRef>
+          <a:fontRef idx="minor">
+            <a:schemeClr val="lt1"/>
+          </a:fontRef>
+        </p:style>
+        <p:txBody>
+          <a:bodyPr rtlCol="0" anchor="ctr"/>
+          <a:lstStyle/>
+          <a:p>
+            <a:pPr algn="ctr"/>
+            <a:r>
+              <a:rPr lang="en-US" dirty="0"/>
+              <a:t>m</a:t>
+            </a:r>
+          </a:p>
+        </p:txBody>
+      </p:sp>
+      <p:sp>
+        <p:nvSpPr>
+          <p:cNvPr id="95" name="Rectangle 94">
+            <a:extLst>
+              <a:ext uri="{FF2B5EF4-FFF2-40B4-BE49-F238E27FC236}">
+                <a16:creationId xmlns:a16="http://schemas.microsoft.com/office/drawing/2014/main" id="{2A19BD4D-6C24-DBA0-A017-A143FE6E1445}"/>
+              </a:ext>
+            </a:extLst>
+          </p:cNvPr>
+          <p:cNvSpPr/>
+          <p:nvPr/>
+        </p:nvSpPr>
+        <p:spPr>
+          <a:xfrm>
+            <a:off x="3462611" y="717007"/>
+            <a:ext cx="524233" cy="457200"/>
+          </a:xfrm>
+          <a:prstGeom prst="rect">
+            <a:avLst/>
+          </a:prstGeom>
+        </p:spPr>
+        <p:style>
+          <a:lnRef idx="2">
+            <a:schemeClr val="accent1">
+              <a:shade val="15000"/>
+            </a:schemeClr>
+          </a:lnRef>
+          <a:fillRef idx="1">
+            <a:schemeClr val="accent1"/>
+          </a:fillRef>
+          <a:effectRef idx="0">
+            <a:schemeClr val="accent1"/>
+          </a:effectRef>
+          <a:fontRef idx="minor">
+            <a:schemeClr val="lt1"/>
+          </a:fontRef>
+        </p:style>
+        <p:txBody>
+          <a:bodyPr rtlCol="0" anchor="ctr"/>
+          <a:lstStyle/>
+          <a:p>
+            <a:pPr algn="ctr"/>
+            <a:r>
+              <a:rPr lang="en-US" altLang="zh-CN" dirty="0"/>
+              <a:t>m</a:t>
+            </a:r>
+            <a:endParaRPr lang="en-US" dirty="0"/>
+          </a:p>
+        </p:txBody>
+      </p:sp>
+      <p:sp>
+        <p:nvSpPr>
+          <p:cNvPr id="96" name="Rectangle 95">
+            <a:extLst>
+              <a:ext uri="{FF2B5EF4-FFF2-40B4-BE49-F238E27FC236}">
+                <a16:creationId xmlns:a16="http://schemas.microsoft.com/office/drawing/2014/main" id="{1178FCCA-6FAB-8D94-2B1F-0F2CCF312E95}"/>
+              </a:ext>
+            </a:extLst>
+          </p:cNvPr>
+          <p:cNvSpPr/>
+          <p:nvPr/>
+        </p:nvSpPr>
+        <p:spPr>
+          <a:xfrm>
+            <a:off x="4685441" y="683946"/>
+            <a:ext cx="524233" cy="457200"/>
+          </a:xfrm>
+          <a:prstGeom prst="rect">
+            <a:avLst/>
+          </a:prstGeom>
+        </p:spPr>
+        <p:style>
+          <a:lnRef idx="2">
+            <a:schemeClr val="accent1">
+              <a:shade val="15000"/>
+            </a:schemeClr>
+          </a:lnRef>
+          <a:fillRef idx="1">
+            <a:schemeClr val="accent1"/>
+          </a:fillRef>
+          <a:effectRef idx="0">
+            <a:schemeClr val="accent1"/>
+          </a:effectRef>
+          <a:fontRef idx="minor">
+            <a:schemeClr val="lt1"/>
+          </a:fontRef>
+        </p:style>
+        <p:txBody>
+          <a:bodyPr rtlCol="0" anchor="ctr"/>
+          <a:lstStyle/>
+          <a:p>
+            <a:pPr algn="ctr"/>
+            <a:r>
+              <a:rPr lang="en-US" altLang="zh-CN" dirty="0"/>
+              <a:t>m</a:t>
+            </a:r>
+            <a:endParaRPr lang="en-US" dirty="0"/>
+          </a:p>
+        </p:txBody>
+      </p:sp>
+      <p:sp>
+        <p:nvSpPr>
+          <p:cNvPr id="97" name="Rectangle 96">
+            <a:extLst>
+              <a:ext uri="{FF2B5EF4-FFF2-40B4-BE49-F238E27FC236}">
+                <a16:creationId xmlns:a16="http://schemas.microsoft.com/office/drawing/2014/main" id="{ED02F124-B626-7F6C-6105-24552B71FB80}"/>
+              </a:ext>
+            </a:extLst>
+          </p:cNvPr>
+          <p:cNvSpPr/>
+          <p:nvPr/>
+        </p:nvSpPr>
+        <p:spPr>
+          <a:xfrm>
+            <a:off x="6410157" y="698513"/>
+            <a:ext cx="524233" cy="457200"/>
+          </a:xfrm>
+          <a:prstGeom prst="rect">
+            <a:avLst/>
+          </a:prstGeom>
+        </p:spPr>
+        <p:style>
+          <a:lnRef idx="2">
+            <a:schemeClr val="accent1">
+              <a:shade val="15000"/>
+            </a:schemeClr>
+          </a:lnRef>
+          <a:fillRef idx="1">
+            <a:schemeClr val="accent1"/>
+          </a:fillRef>
+          <a:effectRef idx="0">
+            <a:schemeClr val="accent1"/>
+          </a:effectRef>
+          <a:fontRef idx="minor">
+            <a:schemeClr val="lt1"/>
+          </a:fontRef>
+        </p:style>
+        <p:txBody>
+          <a:bodyPr rtlCol="0" anchor="ctr"/>
+          <a:lstStyle/>
+          <a:p>
+            <a:pPr algn="ctr"/>
+            <a:r>
+              <a:rPr lang="en-US" altLang="zh-CN" dirty="0"/>
+              <a:t>m</a:t>
+            </a:r>
+            <a:endParaRPr lang="en-US" dirty="0"/>
+          </a:p>
+        </p:txBody>
+      </p:sp>
+      <p:sp>
+        <p:nvSpPr>
+          <p:cNvPr id="98" name="Right Arrow 97">
+            <a:extLst>
+              <a:ext uri="{FF2B5EF4-FFF2-40B4-BE49-F238E27FC236}">
+                <a16:creationId xmlns:a16="http://schemas.microsoft.com/office/drawing/2014/main" id="{E306ECC0-ABE1-E47C-84E4-D314EE49F256}"/>
+              </a:ext>
+            </a:extLst>
+          </p:cNvPr>
+          <p:cNvSpPr/>
+          <p:nvPr/>
+        </p:nvSpPr>
+        <p:spPr>
+          <a:xfrm rot="16200000">
+            <a:off x="4163601" y="249094"/>
+            <a:ext cx="260916" cy="677128"/>
+          </a:xfrm>
+          <a:prstGeom prst="rightArrow">
+            <a:avLst/>
+          </a:prstGeom>
+        </p:spPr>
+        <p:style>
+          <a:lnRef idx="2">
+            <a:schemeClr val="accent1">
+              <a:shade val="15000"/>
+            </a:schemeClr>
+          </a:lnRef>
+          <a:fillRef idx="1">
+            <a:schemeClr val="accent1"/>
+          </a:fillRef>
+          <a:effectRef idx="0">
+            <a:schemeClr val="accent1"/>
+          </a:effectRef>
+          <a:fontRef idx="minor">
+            <a:schemeClr val="lt1"/>
+          </a:fontRef>
+        </p:style>
+        <p:txBody>
+          <a:bodyPr rtlCol="0" anchor="ctr"/>
+          <a:lstStyle/>
+          <a:p>
+            <a:pPr algn="ctr"/>
+            <a:endParaRPr lang="en-US"/>
+          </a:p>
+        </p:txBody>
+      </p:sp>
+      <p:sp>
+        <p:nvSpPr>
+          <p:cNvPr id="99" name="Rectangle 98">
+            <a:extLst>
+              <a:ext uri="{FF2B5EF4-FFF2-40B4-BE49-F238E27FC236}">
+                <a16:creationId xmlns:a16="http://schemas.microsoft.com/office/drawing/2014/main" id="{C5A7E071-20D1-0FFA-0AB1-97ECD33791C3}"/>
+              </a:ext>
+            </a:extLst>
+          </p:cNvPr>
+          <p:cNvSpPr/>
+          <p:nvPr/>
+        </p:nvSpPr>
+        <p:spPr>
+          <a:xfrm>
+            <a:off x="1917317" y="75966"/>
+            <a:ext cx="4853401" cy="337457"/>
+          </a:xfrm>
+          <a:prstGeom prst="rect">
+            <a:avLst/>
+          </a:prstGeom>
+        </p:spPr>
+        <p:style>
+          <a:lnRef idx="2">
+            <a:schemeClr val="accent1">
+              <a:shade val="15000"/>
+            </a:schemeClr>
+          </a:lnRef>
+          <a:fillRef idx="1">
+            <a:schemeClr val="accent1"/>
+          </a:fillRef>
+          <a:effectRef idx="0">
+            <a:schemeClr val="accent1"/>
+          </a:effectRef>
+          <a:fontRef idx="minor">
+            <a:schemeClr val="lt1"/>
+          </a:fontRef>
+        </p:style>
+        <p:txBody>
+          <a:bodyPr rtlCol="0" anchor="ctr"/>
+          <a:lstStyle/>
+          <a:p>
+            <a:pPr algn="ctr"/>
+            <a:r>
+              <a:rPr lang="en-US" dirty="0"/>
+              <a:t>输出</a:t>
+            </a:r>
+          </a:p>
+        </p:txBody>
+      </p:sp>
+    </p:spTree>
+    <p:extLst>
+      <p:ext uri="{BB962C8B-B14F-4D97-AF65-F5344CB8AC3E}">
+        <p14:creationId xmlns:p14="http://schemas.microsoft.com/office/powerpoint/2010/main" val="1221558774"/>
+      </p:ext>
+    </p:extLst>
+  </p:cSld>
+  <p:clrMapOvr>
+    <a:masterClrMapping/>
+  </p:clrMapOvr>
+</p:sld>
+</file>
+
+<file path=ppt/slides/slide11.xml><?xml version="1.0" encoding="utf-8"?>
+<p:sld xmlns:a="http://schemas.openxmlformats.org/drawingml/2006/main" xmlns:r="http://schemas.openxmlformats.org/officeDocument/2006/relationships" xmlns:p="http://schemas.openxmlformats.org/presentationml/2006/main">
+  <p:cSld>
+    <p:spTree>
+      <p:nvGrpSpPr>
+        <p:cNvPr id="1" name=""/>
+        <p:cNvGrpSpPr/>
+        <p:nvPr/>
+      </p:nvGrpSpPr>
+      <p:grpSpPr>
+        <a:xfrm>
+          <a:off x="0" y="0"/>
+          <a:ext cx="0" cy="0"/>
+          <a:chOff x="0" y="0"/>
+          <a:chExt cx="0" cy="0"/>
+        </a:xfrm>
+      </p:grpSpPr>
+    </p:spTree>
+    <p:extLst>
+      <p:ext uri="{BB962C8B-B14F-4D97-AF65-F5344CB8AC3E}">
+        <p14:creationId xmlns:p14="http://schemas.microsoft.com/office/powerpoint/2010/main" val="1724659207"/>
+      </p:ext>
+    </p:extLst>
+  </p:cSld>
+  <p:clrMapOvr>
+    <a:masterClrMapping/>
+  </p:clrMapOvr>
+</p:sld>
+</file>
+
+<file path=ppt/slides/slide12.xml><?xml version="1.0" encoding="utf-8"?>
+<p:sld xmlns:a="http://schemas.openxmlformats.org/drawingml/2006/main" xmlns:r="http://schemas.openxmlformats.org/officeDocument/2006/relationships" xmlns:p="http://schemas.openxmlformats.org/presentationml/2006/main">
+  <p:cSld>
+    <p:spTree>
+      <p:nvGrpSpPr>
+        <p:cNvPr id="1" name=""/>
+        <p:cNvGrpSpPr/>
+        <p:nvPr/>
+      </p:nvGrpSpPr>
+      <p:grpSpPr>
+        <a:xfrm>
+          <a:off x="0" y="0"/>
+          <a:ext cx="0" cy="0"/>
+          <a:chOff x="0" y="0"/>
+          <a:chExt cx="0" cy="0"/>
+        </a:xfrm>
+      </p:grpSpPr>
+    </p:spTree>
+    <p:extLst>
+      <p:ext uri="{BB962C8B-B14F-4D97-AF65-F5344CB8AC3E}">
+        <p14:creationId xmlns:p14="http://schemas.microsoft.com/office/powerpoint/2010/main" val="360326683"/>
+      </p:ext>
+    </p:extLst>
   </p:cSld>
   <p:clrMapOvr>
     <a:masterClrMapping/>
@@ -3579,7 +6600,6 @@
               <a:rPr kumimoji="1" lang="zh-CN" altLang="en-US" dirty="0"/>
               <a:t>实验任务</a:t>
             </a:r>
-            <a:endParaRPr kumimoji="1" lang="zh-CN" altLang="en-US" dirty="0"/>
           </a:p>
         </p:txBody>
       </p:sp>
@@ -3657,7 +6677,6 @@
               <a:rPr kumimoji="1" lang="en-US" altLang="zh-CN" dirty="0"/>
               <a:t>Positive</a:t>
             </a:r>
-            <a:endParaRPr kumimoji="1" lang="en-US" altLang="zh-CN" dirty="0"/>
           </a:p>
         </p:txBody>
       </p:sp>
@@ -3670,7 +6689,7 @@
           <p:nvPr/>
         </p:nvPicPr>
         <p:blipFill>
-          <a:blip r:embed="rId1"/>
+          <a:blip r:embed="rId3"/>
           <a:stretch>
             <a:fillRect/>
           </a:stretch>
@@ -3775,7 +6794,6 @@
               <a:rPr kumimoji="1" lang="zh-CN" altLang="en-US" dirty="0"/>
               <a:t>实验数据集</a:t>
             </a:r>
-            <a:endParaRPr kumimoji="1" lang="zh-CN" altLang="en-US" dirty="0"/>
           </a:p>
         </p:txBody>
       </p:sp>
@@ -3826,7 +6844,7 @@
               <a:t>文件夹：包括所有的训练文本和图片，每个文件按照唯一的</a:t>
             </a:r>
             <a:r>
-              <a:rPr kumimoji="1" lang="en-US" altLang="zh-CN" dirty="0" err="1"/>
+              <a:rPr kumimoji="1" lang="en-US" altLang="zh-CN" dirty="0"/>
               <a:t>guid</a:t>
             </a:r>
             <a:r>
@@ -3838,19 +6856,15 @@
           <a:p>
             <a:pPr lvl="1"/>
             <a:r>
-              <a:rPr kumimoji="1" lang="en-US" altLang="zh-CN" dirty="0" err="1"/>
-              <a:t>train.txt</a:t>
-            </a:r>
-            <a:r>
               <a:rPr kumimoji="1" lang="en-US" altLang="zh-CN" dirty="0"/>
-              <a:t>:</a:t>
+              <a:t>train.txt:</a:t>
             </a:r>
             <a:r>
               <a:rPr kumimoji="1" lang="zh-CN" altLang="en-US" dirty="0"/>
               <a:t> 数据的</a:t>
             </a:r>
             <a:r>
-              <a:rPr kumimoji="1" lang="en-US" altLang="zh-CN" dirty="0" err="1"/>
+              <a:rPr kumimoji="1" lang="en-US" altLang="zh-CN" dirty="0"/>
               <a:t>guid</a:t>
             </a:r>
             <a:r>
@@ -3862,7 +6876,7 @@
           <a:p>
             <a:pPr lvl="1"/>
             <a:r>
-              <a:rPr kumimoji="1" lang="en-US" altLang="zh-CN" dirty="0" err="1"/>
+              <a:rPr kumimoji="1" lang="en-US" altLang="zh-CN" dirty="0"/>
               <a:t>test_without_label.txt</a:t>
             </a:r>
             <a:r>
@@ -3870,7 +6884,7 @@
               <a:t>：数据的</a:t>
             </a:r>
             <a:r>
-              <a:rPr kumimoji="1" lang="en-US" altLang="zh-CN" dirty="0" err="1"/>
+              <a:rPr kumimoji="1" lang="en-US" altLang="zh-CN" dirty="0"/>
               <a:t>guid</a:t>
             </a:r>
             <a:r>
@@ -3894,15 +6908,15 @@
           <p:nvPr/>
         </p:nvPicPr>
         <p:blipFill>
-          <a:blip r:embed="rId1"/>
+          <a:blip r:embed="rId3"/>
           <a:stretch>
             <a:fillRect/>
           </a:stretch>
         </p:blipFill>
         <p:spPr>
           <a:xfrm>
-            <a:off x="6160156" y="2254250"/>
-            <a:ext cx="901700" cy="1511300"/>
+            <a:off x="6293506" y="2640312"/>
+            <a:ext cx="693424" cy="1161667"/>
           </a:xfrm>
           <a:prstGeom prst="rect">
             <a:avLst/>
@@ -3918,14 +6932,14 @@
           <p:nvPr/>
         </p:nvPicPr>
         <p:blipFill>
-          <a:blip r:embed="rId2"/>
+          <a:blip r:embed="rId4"/>
           <a:stretch>
             <a:fillRect/>
           </a:stretch>
         </p:blipFill>
         <p:spPr>
           <a:xfrm>
-            <a:off x="6160156" y="4329111"/>
+            <a:off x="6050932" y="3948111"/>
             <a:ext cx="1168400" cy="838200"/>
           </a:xfrm>
           <a:prstGeom prst="rect">
@@ -3942,14 +6956,14 @@
           <p:nvPr/>
         </p:nvPicPr>
         <p:blipFill>
-          <a:blip r:embed="rId3"/>
+          <a:blip r:embed="rId5"/>
           <a:stretch>
             <a:fillRect/>
           </a:stretch>
         </p:blipFill>
         <p:spPr>
           <a:xfrm>
-            <a:off x="6350656" y="5522310"/>
+            <a:off x="6199530" y="5101205"/>
             <a:ext cx="787400" cy="800100"/>
           </a:xfrm>
           <a:prstGeom prst="rect">
@@ -4001,7 +7015,6 @@
               <a:rPr kumimoji="1" lang="zh-CN" altLang="en-US" dirty="0"/>
               <a:t>实验要求</a:t>
             </a:r>
-            <a:endParaRPr kumimoji="1" lang="zh-CN" altLang="en-US" dirty="0"/>
           </a:p>
         </p:txBody>
       </p:sp>
@@ -4046,7 +7059,6 @@
               <a:rPr kumimoji="1" lang="zh-CN" altLang="en-US" dirty="0"/>
               <a:t>）上的情感标签。</a:t>
             </a:r>
-            <a:endParaRPr kumimoji="1" lang="zh-CN" altLang="en-US" dirty="0"/>
           </a:p>
         </p:txBody>
       </p:sp>
@@ -4094,7 +7106,6 @@
               <a:rPr kumimoji="1" lang="zh-CN" altLang="en-US" dirty="0"/>
               <a:t>代码和报告要求</a:t>
             </a:r>
-            <a:endParaRPr kumimoji="1" lang="zh-CN" altLang="en-US" dirty="0"/>
           </a:p>
         </p:txBody>
       </p:sp>
@@ -4225,7 +7236,6 @@
               <a:rPr kumimoji="1" lang="zh-CN" altLang="en-US" dirty="0"/>
               <a:t>额外要求</a:t>
             </a:r>
-            <a:endParaRPr kumimoji="1" lang="zh-CN" altLang="en-US" dirty="0"/>
           </a:p>
         </p:txBody>
       </p:sp>
@@ -4247,7 +7257,7 @@
         </p:spPr>
         <p:txBody>
           <a:bodyPr>
-            <a:normAutofit fontScale="72500"/>
+            <a:normAutofit fontScale="80000" lnSpcReduction="10000"/>
           </a:bodyPr>
           <a:lstStyle/>
           <a:p>
@@ -4331,7 +7341,6 @@
               <a:rPr kumimoji="1" lang="en-US" altLang="zh-CN"/>
               <a:t>https://github.com/RecklessRonan/GloGNN/blob/master/readme.md</a:t>
             </a:r>
-            <a:endParaRPr kumimoji="1" lang="en-US" altLang="zh-CN"/>
           </a:p>
         </p:txBody>
       </p:sp>
@@ -4379,7 +7388,6 @@
               <a:rPr kumimoji="1" lang="zh-CN" altLang="en-US" dirty="0"/>
               <a:t>提交要求</a:t>
             </a:r>
-            <a:endParaRPr kumimoji="1" lang="zh-CN" altLang="en-US" dirty="0"/>
           </a:p>
         </p:txBody>
       </p:sp>
@@ -4587,7 +7595,6 @@
               <a:rPr kumimoji="1" lang="zh-CN" altLang="en-US" dirty="0"/>
               <a:t>评分细则</a:t>
             </a:r>
-            <a:endParaRPr kumimoji="1" lang="zh-CN" altLang="en-US" dirty="0"/>
           </a:p>
         </p:txBody>
       </p:sp>
@@ -4680,6 +7687,2836 @@
         </p:txBody>
       </p:sp>
     </p:spTree>
+  </p:cSld>
+  <p:clrMapOvr>
+    <a:masterClrMapping/>
+  </p:clrMapOvr>
+</p:sld>
+</file>
+
+<file path=ppt/slides/slide9.xml><?xml version="1.0" encoding="utf-8"?>
+<p:sld xmlns:a="http://schemas.openxmlformats.org/drawingml/2006/main" xmlns:r="http://schemas.openxmlformats.org/officeDocument/2006/relationships" xmlns:p="http://schemas.openxmlformats.org/presentationml/2006/main">
+  <p:cSld>
+    <p:spTree>
+      <p:nvGrpSpPr>
+        <p:cNvPr id="1" name=""/>
+        <p:cNvGrpSpPr/>
+        <p:nvPr/>
+      </p:nvGrpSpPr>
+      <p:grpSpPr>
+        <a:xfrm>
+          <a:off x="0" y="0"/>
+          <a:ext cx="0" cy="0"/>
+          <a:chOff x="0" y="0"/>
+          <a:chExt cx="0" cy="0"/>
+        </a:xfrm>
+      </p:grpSpPr>
+      <p:sp>
+        <p:nvSpPr>
+          <p:cNvPr id="4" name="TextBox 3">
+            <a:extLst>
+              <a:ext uri="{FF2B5EF4-FFF2-40B4-BE49-F238E27FC236}">
+                <a16:creationId xmlns:a16="http://schemas.microsoft.com/office/drawing/2014/main" id="{7447E253-9771-DDED-1B4B-9CE97F5FF640}"/>
+              </a:ext>
+            </a:extLst>
+          </p:cNvPr>
+          <p:cNvSpPr txBox="1"/>
+          <p:nvPr/>
+        </p:nvSpPr>
+        <p:spPr>
+          <a:xfrm>
+            <a:off x="794084" y="637674"/>
+            <a:ext cx="2424766" cy="369332"/>
+          </a:xfrm>
+          <a:prstGeom prst="rect">
+            <a:avLst/>
+          </a:prstGeom>
+          <a:noFill/>
+        </p:spPr>
+        <p:txBody>
+          <a:bodyPr wrap="none" rtlCol="0">
+            <a:spAutoFit/>
+          </a:bodyPr>
+          <a:lstStyle/>
+          <a:p>
+            <a:r>
+              <a:rPr lang="en-US" dirty="0" err="1"/>
+              <a:t>对于每一个输入的</a:t>
+            </a:r>
+            <a:r>
+              <a:rPr lang="zh-CN" altLang="en-US" dirty="0"/>
+              <a:t> </a:t>
+            </a:r>
+            <a:r>
+              <a:rPr lang="en-US" altLang="zh-CN" dirty="0"/>
+              <a:t>text</a:t>
+            </a:r>
+            <a:endParaRPr lang="en-US" dirty="0"/>
+          </a:p>
+        </p:txBody>
+      </p:sp>
+      <p:sp>
+        <p:nvSpPr>
+          <p:cNvPr id="5" name="TextBox 4">
+            <a:extLst>
+              <a:ext uri="{FF2B5EF4-FFF2-40B4-BE49-F238E27FC236}">
+                <a16:creationId xmlns:a16="http://schemas.microsoft.com/office/drawing/2014/main" id="{987DFBE6-BE31-59E9-C08E-E204BF4F7592}"/>
+              </a:ext>
+            </a:extLst>
+          </p:cNvPr>
+          <p:cNvSpPr txBox="1"/>
+          <p:nvPr/>
+        </p:nvSpPr>
+        <p:spPr>
+          <a:xfrm>
+            <a:off x="2562726" y="1007006"/>
+            <a:ext cx="6039853" cy="369332"/>
+          </a:xfrm>
+          <a:prstGeom prst="rect">
+            <a:avLst/>
+          </a:prstGeom>
+          <a:noFill/>
+        </p:spPr>
+        <p:txBody>
+          <a:bodyPr wrap="square" rtlCol="0">
+            <a:spAutoFit/>
+          </a:bodyPr>
+          <a:lstStyle/>
+          <a:p>
+            <a:r>
+              <a:rPr lang="en-US" sz="1800" dirty="0">
+                <a:effectLst/>
+                <a:latin typeface="Menlo" panose="020B0609030804020204" pitchFamily="49" charset="0"/>
+              </a:rPr>
+              <a:t>RT @AmitSwami77: The conspirators have</a:t>
+            </a:r>
+            <a:r>
+              <a:rPr lang="zh-CN" altLang="en-US" sz="1800" dirty="0">
+                <a:effectLst/>
+                <a:latin typeface="Menlo" panose="020B0609030804020204" pitchFamily="49" charset="0"/>
+              </a:rPr>
+              <a:t> </a:t>
+            </a:r>
+            <a:r>
+              <a:rPr lang="en-US" altLang="zh-CN" sz="1800" dirty="0">
+                <a:effectLst/>
+                <a:latin typeface="Menlo" panose="020B0609030804020204" pitchFamily="49" charset="0"/>
+              </a:rPr>
+              <a:t>…</a:t>
+            </a:r>
+            <a:endParaRPr lang="en-US" sz="1800" dirty="0">
+              <a:effectLst/>
+              <a:latin typeface="Menlo" panose="020B0609030804020204" pitchFamily="49" charset="0"/>
+            </a:endParaRPr>
+          </a:p>
+        </p:txBody>
+      </p:sp>
+      <p:sp>
+        <p:nvSpPr>
+          <p:cNvPr id="6" name="Down Arrow 5">
+            <a:extLst>
+              <a:ext uri="{FF2B5EF4-FFF2-40B4-BE49-F238E27FC236}">
+                <a16:creationId xmlns:a16="http://schemas.microsoft.com/office/drawing/2014/main" id="{FC848467-6460-0F70-934B-CD98C897D72C}"/>
+              </a:ext>
+            </a:extLst>
+          </p:cNvPr>
+          <p:cNvSpPr/>
+          <p:nvPr/>
+        </p:nvSpPr>
+        <p:spPr>
+          <a:xfrm>
+            <a:off x="5077326" y="1376338"/>
+            <a:ext cx="264695" cy="536683"/>
+          </a:xfrm>
+          <a:prstGeom prst="downArrow">
+            <a:avLst/>
+          </a:prstGeom>
+        </p:spPr>
+        <p:style>
+          <a:lnRef idx="2">
+            <a:schemeClr val="accent1">
+              <a:shade val="15000"/>
+            </a:schemeClr>
+          </a:lnRef>
+          <a:fillRef idx="1">
+            <a:schemeClr val="accent1"/>
+          </a:fillRef>
+          <a:effectRef idx="0">
+            <a:schemeClr val="accent1"/>
+          </a:effectRef>
+          <a:fontRef idx="minor">
+            <a:schemeClr val="lt1"/>
+          </a:fontRef>
+        </p:style>
+        <p:txBody>
+          <a:bodyPr rtlCol="0" anchor="ctr"/>
+          <a:lstStyle/>
+          <a:p>
+            <a:pPr algn="ctr"/>
+            <a:endParaRPr lang="en-US"/>
+          </a:p>
+        </p:txBody>
+      </p:sp>
+      <p:sp>
+        <p:nvSpPr>
+          <p:cNvPr id="7" name="TextBox 6">
+            <a:extLst>
+              <a:ext uri="{FF2B5EF4-FFF2-40B4-BE49-F238E27FC236}">
+                <a16:creationId xmlns:a16="http://schemas.microsoft.com/office/drawing/2014/main" id="{75E0D23E-8D0A-6D4D-5902-17C66CF92AE9}"/>
+              </a:ext>
+            </a:extLst>
+          </p:cNvPr>
+          <p:cNvSpPr txBox="1"/>
+          <p:nvPr/>
+        </p:nvSpPr>
+        <p:spPr>
+          <a:xfrm>
+            <a:off x="5570621" y="1515979"/>
+            <a:ext cx="2079737" cy="369332"/>
+          </a:xfrm>
+          <a:prstGeom prst="rect">
+            <a:avLst/>
+          </a:prstGeom>
+          <a:noFill/>
+        </p:spPr>
+        <p:txBody>
+          <a:bodyPr wrap="none" rtlCol="0">
+            <a:spAutoFit/>
+          </a:bodyPr>
+          <a:lstStyle/>
+          <a:p>
+            <a:r>
+              <a:rPr lang="en-US" altLang="zh-CN" dirty="0"/>
+              <a:t>Bert-</a:t>
+            </a:r>
+            <a:r>
+              <a:rPr lang="en-US" altLang="zh-CN" dirty="0" err="1"/>
+              <a:t>model.tokenize</a:t>
+            </a:r>
+            <a:endParaRPr lang="en-US" dirty="0"/>
+          </a:p>
+        </p:txBody>
+      </p:sp>
+      <p:sp>
+        <p:nvSpPr>
+          <p:cNvPr id="8" name="Rectangle 7">
+            <a:extLst>
+              <a:ext uri="{FF2B5EF4-FFF2-40B4-BE49-F238E27FC236}">
+                <a16:creationId xmlns:a16="http://schemas.microsoft.com/office/drawing/2014/main" id="{4EF13B12-6FC5-5ED7-B73E-A8840E0A3EB0}"/>
+              </a:ext>
+            </a:extLst>
+          </p:cNvPr>
+          <p:cNvSpPr/>
+          <p:nvPr/>
+        </p:nvSpPr>
+        <p:spPr>
+          <a:xfrm>
+            <a:off x="2165684" y="1913021"/>
+            <a:ext cx="481263" cy="348916"/>
+          </a:xfrm>
+          <a:prstGeom prst="rect">
+            <a:avLst/>
+          </a:prstGeom>
+          <a:solidFill>
+            <a:schemeClr val="accent2"/>
+          </a:solidFill>
+        </p:spPr>
+        <p:style>
+          <a:lnRef idx="2">
+            <a:schemeClr val="accent1">
+              <a:shade val="15000"/>
+            </a:schemeClr>
+          </a:lnRef>
+          <a:fillRef idx="1">
+            <a:schemeClr val="accent1"/>
+          </a:fillRef>
+          <a:effectRef idx="0">
+            <a:schemeClr val="accent1"/>
+          </a:effectRef>
+          <a:fontRef idx="minor">
+            <a:schemeClr val="lt1"/>
+          </a:fontRef>
+        </p:style>
+        <p:txBody>
+          <a:bodyPr rtlCol="0" anchor="ctr"/>
+          <a:lstStyle/>
+          <a:p>
+            <a:pPr algn="ctr"/>
+            <a:r>
+              <a:rPr lang="en-US" sz="1600" dirty="0" err="1"/>
+              <a:t>sep</a:t>
+            </a:r>
+            <a:endParaRPr lang="en-US" sz="1600" dirty="0"/>
+          </a:p>
+        </p:txBody>
+      </p:sp>
+      <p:sp>
+        <p:nvSpPr>
+          <p:cNvPr id="9" name="Rectangle 8">
+            <a:extLst>
+              <a:ext uri="{FF2B5EF4-FFF2-40B4-BE49-F238E27FC236}">
+                <a16:creationId xmlns:a16="http://schemas.microsoft.com/office/drawing/2014/main" id="{CC51EB30-7B85-C7E3-F292-717617ABB2EC}"/>
+              </a:ext>
+            </a:extLst>
+          </p:cNvPr>
+          <p:cNvSpPr/>
+          <p:nvPr/>
+        </p:nvSpPr>
+        <p:spPr>
+          <a:xfrm>
+            <a:off x="2646947" y="1913021"/>
+            <a:ext cx="481263" cy="348916"/>
+          </a:xfrm>
+          <a:prstGeom prst="rect">
+            <a:avLst/>
+          </a:prstGeom>
+        </p:spPr>
+        <p:style>
+          <a:lnRef idx="2">
+            <a:schemeClr val="accent1">
+              <a:shade val="15000"/>
+            </a:schemeClr>
+          </a:lnRef>
+          <a:fillRef idx="1">
+            <a:schemeClr val="accent1"/>
+          </a:fillRef>
+          <a:effectRef idx="0">
+            <a:schemeClr val="accent1"/>
+          </a:effectRef>
+          <a:fontRef idx="minor">
+            <a:schemeClr val="lt1"/>
+          </a:fontRef>
+        </p:style>
+        <p:txBody>
+          <a:bodyPr rtlCol="0" anchor="ctr"/>
+          <a:lstStyle/>
+          <a:p>
+            <a:pPr algn="ctr"/>
+            <a:r>
+              <a:rPr lang="en-US" sz="1600" dirty="0" err="1"/>
+              <a:t>tok</a:t>
+            </a:r>
+            <a:endParaRPr lang="en-US" sz="1600" dirty="0"/>
+          </a:p>
+        </p:txBody>
+      </p:sp>
+      <p:sp>
+        <p:nvSpPr>
+          <p:cNvPr id="10" name="Rectangle 9">
+            <a:extLst>
+              <a:ext uri="{FF2B5EF4-FFF2-40B4-BE49-F238E27FC236}">
+                <a16:creationId xmlns:a16="http://schemas.microsoft.com/office/drawing/2014/main" id="{2151DADD-2E9D-EC80-40FD-C4D77C7F48B5}"/>
+              </a:ext>
+            </a:extLst>
+          </p:cNvPr>
+          <p:cNvSpPr/>
+          <p:nvPr/>
+        </p:nvSpPr>
+        <p:spPr>
+          <a:xfrm>
+            <a:off x="3128210" y="1913021"/>
+            <a:ext cx="481263" cy="348916"/>
+          </a:xfrm>
+          <a:prstGeom prst="rect">
+            <a:avLst/>
+          </a:prstGeom>
+        </p:spPr>
+        <p:style>
+          <a:lnRef idx="2">
+            <a:schemeClr val="accent1">
+              <a:shade val="15000"/>
+            </a:schemeClr>
+          </a:lnRef>
+          <a:fillRef idx="1">
+            <a:schemeClr val="accent1"/>
+          </a:fillRef>
+          <a:effectRef idx="0">
+            <a:schemeClr val="accent1"/>
+          </a:effectRef>
+          <a:fontRef idx="minor">
+            <a:schemeClr val="lt1"/>
+          </a:fontRef>
+        </p:style>
+        <p:txBody>
+          <a:bodyPr rtlCol="0" anchor="ctr"/>
+          <a:lstStyle/>
+          <a:p>
+            <a:pPr algn="ctr"/>
+            <a:r>
+              <a:rPr lang="en-US" sz="1600" dirty="0" err="1"/>
+              <a:t>tok</a:t>
+            </a:r>
+            <a:endParaRPr lang="en-US" sz="1600" dirty="0"/>
+          </a:p>
+        </p:txBody>
+      </p:sp>
+      <p:sp>
+        <p:nvSpPr>
+          <p:cNvPr id="11" name="Rectangle 10">
+            <a:extLst>
+              <a:ext uri="{FF2B5EF4-FFF2-40B4-BE49-F238E27FC236}">
+                <a16:creationId xmlns:a16="http://schemas.microsoft.com/office/drawing/2014/main" id="{BAAA1254-6EF0-C924-816F-382785BB5D98}"/>
+              </a:ext>
+            </a:extLst>
+          </p:cNvPr>
+          <p:cNvSpPr/>
+          <p:nvPr/>
+        </p:nvSpPr>
+        <p:spPr>
+          <a:xfrm>
+            <a:off x="3621505" y="1913021"/>
+            <a:ext cx="481263" cy="348916"/>
+          </a:xfrm>
+          <a:prstGeom prst="rect">
+            <a:avLst/>
+          </a:prstGeom>
+        </p:spPr>
+        <p:style>
+          <a:lnRef idx="2">
+            <a:schemeClr val="accent1">
+              <a:shade val="15000"/>
+            </a:schemeClr>
+          </a:lnRef>
+          <a:fillRef idx="1">
+            <a:schemeClr val="accent1"/>
+          </a:fillRef>
+          <a:effectRef idx="0">
+            <a:schemeClr val="accent1"/>
+          </a:effectRef>
+          <a:fontRef idx="minor">
+            <a:schemeClr val="lt1"/>
+          </a:fontRef>
+        </p:style>
+        <p:txBody>
+          <a:bodyPr rtlCol="0" anchor="ctr"/>
+          <a:lstStyle/>
+          <a:p>
+            <a:pPr algn="ctr"/>
+            <a:endParaRPr lang="en-US"/>
+          </a:p>
+        </p:txBody>
+      </p:sp>
+      <p:sp>
+        <p:nvSpPr>
+          <p:cNvPr id="12" name="Rectangle 11">
+            <a:extLst>
+              <a:ext uri="{FF2B5EF4-FFF2-40B4-BE49-F238E27FC236}">
+                <a16:creationId xmlns:a16="http://schemas.microsoft.com/office/drawing/2014/main" id="{538EBAFD-FE2C-AE78-C6D2-0D4155D70C32}"/>
+              </a:ext>
+            </a:extLst>
+          </p:cNvPr>
+          <p:cNvSpPr/>
+          <p:nvPr/>
+        </p:nvSpPr>
+        <p:spPr>
+          <a:xfrm>
+            <a:off x="4102768" y="1913021"/>
+            <a:ext cx="481263" cy="348916"/>
+          </a:xfrm>
+          <a:prstGeom prst="rect">
+            <a:avLst/>
+          </a:prstGeom>
+        </p:spPr>
+        <p:style>
+          <a:lnRef idx="2">
+            <a:schemeClr val="accent1">
+              <a:shade val="15000"/>
+            </a:schemeClr>
+          </a:lnRef>
+          <a:fillRef idx="1">
+            <a:schemeClr val="accent1"/>
+          </a:fillRef>
+          <a:effectRef idx="0">
+            <a:schemeClr val="accent1"/>
+          </a:effectRef>
+          <a:fontRef idx="minor">
+            <a:schemeClr val="lt1"/>
+          </a:fontRef>
+        </p:style>
+        <p:txBody>
+          <a:bodyPr rtlCol="0" anchor="ctr"/>
+          <a:lstStyle/>
+          <a:p>
+            <a:pPr algn="ctr"/>
+            <a:endParaRPr lang="en-US"/>
+          </a:p>
+        </p:txBody>
+      </p:sp>
+      <p:sp>
+        <p:nvSpPr>
+          <p:cNvPr id="13" name="Rectangle 12">
+            <a:extLst>
+              <a:ext uri="{FF2B5EF4-FFF2-40B4-BE49-F238E27FC236}">
+                <a16:creationId xmlns:a16="http://schemas.microsoft.com/office/drawing/2014/main" id="{7DBDF5AB-9B6F-424F-21D1-19585E4F9F74}"/>
+              </a:ext>
+            </a:extLst>
+          </p:cNvPr>
+          <p:cNvSpPr/>
+          <p:nvPr/>
+        </p:nvSpPr>
+        <p:spPr>
+          <a:xfrm>
+            <a:off x="4584031" y="1913021"/>
+            <a:ext cx="481263" cy="348916"/>
+          </a:xfrm>
+          <a:prstGeom prst="rect">
+            <a:avLst/>
+          </a:prstGeom>
+        </p:spPr>
+        <p:style>
+          <a:lnRef idx="2">
+            <a:schemeClr val="accent1">
+              <a:shade val="15000"/>
+            </a:schemeClr>
+          </a:lnRef>
+          <a:fillRef idx="1">
+            <a:schemeClr val="accent1"/>
+          </a:fillRef>
+          <a:effectRef idx="0">
+            <a:schemeClr val="accent1"/>
+          </a:effectRef>
+          <a:fontRef idx="minor">
+            <a:schemeClr val="lt1"/>
+          </a:fontRef>
+        </p:style>
+        <p:txBody>
+          <a:bodyPr rtlCol="0" anchor="ctr"/>
+          <a:lstStyle/>
+          <a:p>
+            <a:pPr algn="ctr"/>
+            <a:r>
+              <a:rPr lang="en-US" sz="1600" dirty="0" err="1"/>
+              <a:t>tok</a:t>
+            </a:r>
+            <a:endParaRPr lang="en-US" sz="1600" dirty="0"/>
+          </a:p>
+        </p:txBody>
+      </p:sp>
+      <p:sp>
+        <p:nvSpPr>
+          <p:cNvPr id="14" name="Rectangle 13">
+            <a:extLst>
+              <a:ext uri="{FF2B5EF4-FFF2-40B4-BE49-F238E27FC236}">
+                <a16:creationId xmlns:a16="http://schemas.microsoft.com/office/drawing/2014/main" id="{8F451099-68B3-AC9F-1929-207BE49292FD}"/>
+              </a:ext>
+            </a:extLst>
+          </p:cNvPr>
+          <p:cNvSpPr/>
+          <p:nvPr/>
+        </p:nvSpPr>
+        <p:spPr>
+          <a:xfrm>
+            <a:off x="3609473" y="1913021"/>
+            <a:ext cx="481263" cy="348916"/>
+          </a:xfrm>
+          <a:prstGeom prst="rect">
+            <a:avLst/>
+          </a:prstGeom>
+        </p:spPr>
+        <p:style>
+          <a:lnRef idx="2">
+            <a:schemeClr val="accent1">
+              <a:shade val="15000"/>
+            </a:schemeClr>
+          </a:lnRef>
+          <a:fillRef idx="1">
+            <a:schemeClr val="accent1"/>
+          </a:fillRef>
+          <a:effectRef idx="0">
+            <a:schemeClr val="accent1"/>
+          </a:effectRef>
+          <a:fontRef idx="minor">
+            <a:schemeClr val="lt1"/>
+          </a:fontRef>
+        </p:style>
+        <p:txBody>
+          <a:bodyPr rtlCol="0" anchor="ctr"/>
+          <a:lstStyle/>
+          <a:p>
+            <a:pPr algn="ctr"/>
+            <a:r>
+              <a:rPr lang="en-US" sz="1600" dirty="0" err="1"/>
+              <a:t>tok</a:t>
+            </a:r>
+            <a:endParaRPr lang="en-US" sz="1600" dirty="0"/>
+          </a:p>
+        </p:txBody>
+      </p:sp>
+      <p:sp>
+        <p:nvSpPr>
+          <p:cNvPr id="15" name="Rectangle 14">
+            <a:extLst>
+              <a:ext uri="{FF2B5EF4-FFF2-40B4-BE49-F238E27FC236}">
+                <a16:creationId xmlns:a16="http://schemas.microsoft.com/office/drawing/2014/main" id="{A8F06616-26EF-D83E-DD7B-BC911C725FC2}"/>
+              </a:ext>
+            </a:extLst>
+          </p:cNvPr>
+          <p:cNvSpPr/>
+          <p:nvPr/>
+        </p:nvSpPr>
+        <p:spPr>
+          <a:xfrm>
+            <a:off x="4090736" y="1913021"/>
+            <a:ext cx="481263" cy="348916"/>
+          </a:xfrm>
+          <a:prstGeom prst="rect">
+            <a:avLst/>
+          </a:prstGeom>
+        </p:spPr>
+        <p:style>
+          <a:lnRef idx="2">
+            <a:schemeClr val="accent1">
+              <a:shade val="15000"/>
+            </a:schemeClr>
+          </a:lnRef>
+          <a:fillRef idx="1">
+            <a:schemeClr val="accent1"/>
+          </a:fillRef>
+          <a:effectRef idx="0">
+            <a:schemeClr val="accent1"/>
+          </a:effectRef>
+          <a:fontRef idx="minor">
+            <a:schemeClr val="lt1"/>
+          </a:fontRef>
+        </p:style>
+        <p:txBody>
+          <a:bodyPr rtlCol="0" anchor="ctr"/>
+          <a:lstStyle/>
+          <a:p>
+            <a:pPr algn="ctr"/>
+            <a:r>
+              <a:rPr lang="en-US" sz="1600" dirty="0" err="1"/>
+              <a:t>tok</a:t>
+            </a:r>
+            <a:endParaRPr lang="en-US" sz="1600" dirty="0"/>
+          </a:p>
+        </p:txBody>
+      </p:sp>
+      <p:sp>
+        <p:nvSpPr>
+          <p:cNvPr id="20" name="Rectangle 19">
+            <a:extLst>
+              <a:ext uri="{FF2B5EF4-FFF2-40B4-BE49-F238E27FC236}">
+                <a16:creationId xmlns:a16="http://schemas.microsoft.com/office/drawing/2014/main" id="{7C989B3B-4091-8B78-9E0C-651396B13AD9}"/>
+              </a:ext>
+            </a:extLst>
+          </p:cNvPr>
+          <p:cNvSpPr/>
+          <p:nvPr/>
+        </p:nvSpPr>
+        <p:spPr>
+          <a:xfrm>
+            <a:off x="5077325" y="1913021"/>
+            <a:ext cx="481263" cy="348916"/>
+          </a:xfrm>
+          <a:prstGeom prst="rect">
+            <a:avLst/>
+          </a:prstGeom>
+          <a:solidFill>
+            <a:schemeClr val="accent6"/>
+          </a:solidFill>
+        </p:spPr>
+        <p:style>
+          <a:lnRef idx="2">
+            <a:schemeClr val="accent1">
+              <a:shade val="15000"/>
+            </a:schemeClr>
+          </a:lnRef>
+          <a:fillRef idx="1">
+            <a:schemeClr val="accent1"/>
+          </a:fillRef>
+          <a:effectRef idx="0">
+            <a:schemeClr val="accent1"/>
+          </a:effectRef>
+          <a:fontRef idx="minor">
+            <a:schemeClr val="lt1"/>
+          </a:fontRef>
+        </p:style>
+        <p:txBody>
+          <a:bodyPr rtlCol="0" anchor="ctr"/>
+          <a:lstStyle/>
+          <a:p>
+            <a:pPr algn="ctr"/>
+            <a:r>
+              <a:rPr lang="en-US" dirty="0" err="1"/>
+              <a:t>cls</a:t>
+            </a:r>
+            <a:endParaRPr lang="en-US" dirty="0"/>
+          </a:p>
+        </p:txBody>
+      </p:sp>
+      <p:sp>
+        <p:nvSpPr>
+          <p:cNvPr id="26" name="Down Arrow 25">
+            <a:extLst>
+              <a:ext uri="{FF2B5EF4-FFF2-40B4-BE49-F238E27FC236}">
+                <a16:creationId xmlns:a16="http://schemas.microsoft.com/office/drawing/2014/main" id="{A70235A1-8B91-74BD-6DE9-619CF2594F41}"/>
+              </a:ext>
+            </a:extLst>
+          </p:cNvPr>
+          <p:cNvSpPr/>
+          <p:nvPr/>
+        </p:nvSpPr>
+        <p:spPr>
+          <a:xfrm>
+            <a:off x="5077326" y="2449704"/>
+            <a:ext cx="336884" cy="505326"/>
+          </a:xfrm>
+          <a:prstGeom prst="downArrow">
+            <a:avLst/>
+          </a:prstGeom>
+        </p:spPr>
+        <p:style>
+          <a:lnRef idx="2">
+            <a:schemeClr val="accent1">
+              <a:shade val="15000"/>
+            </a:schemeClr>
+          </a:lnRef>
+          <a:fillRef idx="1">
+            <a:schemeClr val="accent1"/>
+          </a:fillRef>
+          <a:effectRef idx="0">
+            <a:schemeClr val="accent1"/>
+          </a:effectRef>
+          <a:fontRef idx="minor">
+            <a:schemeClr val="lt1"/>
+          </a:fontRef>
+        </p:style>
+        <p:txBody>
+          <a:bodyPr rtlCol="0" anchor="ctr"/>
+          <a:lstStyle/>
+          <a:p>
+            <a:pPr algn="ctr"/>
+            <a:endParaRPr lang="en-US"/>
+          </a:p>
+        </p:txBody>
+      </p:sp>
+      <p:sp>
+        <p:nvSpPr>
+          <p:cNvPr id="27" name="Rectangle 26">
+            <a:extLst>
+              <a:ext uri="{FF2B5EF4-FFF2-40B4-BE49-F238E27FC236}">
+                <a16:creationId xmlns:a16="http://schemas.microsoft.com/office/drawing/2014/main" id="{5D8AECEF-91BE-9474-6D7C-65FB4022EBA8}"/>
+              </a:ext>
+            </a:extLst>
+          </p:cNvPr>
+          <p:cNvSpPr/>
+          <p:nvPr/>
+        </p:nvSpPr>
+        <p:spPr>
+          <a:xfrm>
+            <a:off x="2177715" y="2983831"/>
+            <a:ext cx="481263" cy="348916"/>
+          </a:xfrm>
+          <a:prstGeom prst="rect">
+            <a:avLst/>
+          </a:prstGeom>
+          <a:solidFill>
+            <a:schemeClr val="accent2"/>
+          </a:solidFill>
+        </p:spPr>
+        <p:style>
+          <a:lnRef idx="2">
+            <a:schemeClr val="accent1">
+              <a:shade val="15000"/>
+            </a:schemeClr>
+          </a:lnRef>
+          <a:fillRef idx="1">
+            <a:schemeClr val="accent1"/>
+          </a:fillRef>
+          <a:effectRef idx="0">
+            <a:schemeClr val="accent1"/>
+          </a:effectRef>
+          <a:fontRef idx="minor">
+            <a:schemeClr val="lt1"/>
+          </a:fontRef>
+        </p:style>
+        <p:txBody>
+          <a:bodyPr rtlCol="0" anchor="ctr"/>
+          <a:lstStyle/>
+          <a:p>
+            <a:pPr algn="ctr"/>
+            <a:r>
+              <a:rPr lang="en-US" altLang="zh-CN" sz="1600" dirty="0" err="1"/>
+              <a:t>sid</a:t>
+            </a:r>
+            <a:endParaRPr lang="en-US" sz="1600" dirty="0"/>
+          </a:p>
+        </p:txBody>
+      </p:sp>
+      <p:sp>
+        <p:nvSpPr>
+          <p:cNvPr id="28" name="Rectangle 27">
+            <a:extLst>
+              <a:ext uri="{FF2B5EF4-FFF2-40B4-BE49-F238E27FC236}">
+                <a16:creationId xmlns:a16="http://schemas.microsoft.com/office/drawing/2014/main" id="{213D357B-92AF-49A0-9A16-6C80E9216339}"/>
+              </a:ext>
+            </a:extLst>
+          </p:cNvPr>
+          <p:cNvSpPr/>
+          <p:nvPr/>
+        </p:nvSpPr>
+        <p:spPr>
+          <a:xfrm>
+            <a:off x="2658978" y="2983831"/>
+            <a:ext cx="481263" cy="348916"/>
+          </a:xfrm>
+          <a:prstGeom prst="rect">
+            <a:avLst/>
+          </a:prstGeom>
+        </p:spPr>
+        <p:style>
+          <a:lnRef idx="2">
+            <a:schemeClr val="accent1">
+              <a:shade val="15000"/>
+            </a:schemeClr>
+          </a:lnRef>
+          <a:fillRef idx="1">
+            <a:schemeClr val="accent1"/>
+          </a:fillRef>
+          <a:effectRef idx="0">
+            <a:schemeClr val="accent1"/>
+          </a:effectRef>
+          <a:fontRef idx="minor">
+            <a:schemeClr val="lt1"/>
+          </a:fontRef>
+        </p:style>
+        <p:txBody>
+          <a:bodyPr rtlCol="0" anchor="ctr"/>
+          <a:lstStyle/>
+          <a:p>
+            <a:pPr algn="ctr"/>
+            <a:r>
+              <a:rPr lang="en-US" altLang="zh-CN" sz="1600" dirty="0"/>
+              <a:t>97</a:t>
+            </a:r>
+            <a:endParaRPr lang="en-US" sz="1600" dirty="0"/>
+          </a:p>
+        </p:txBody>
+      </p:sp>
+      <p:sp>
+        <p:nvSpPr>
+          <p:cNvPr id="29" name="Rectangle 28">
+            <a:extLst>
+              <a:ext uri="{FF2B5EF4-FFF2-40B4-BE49-F238E27FC236}">
+                <a16:creationId xmlns:a16="http://schemas.microsoft.com/office/drawing/2014/main" id="{65B0FBC8-6B8C-DBBA-55F4-AF8370639516}"/>
+              </a:ext>
+            </a:extLst>
+          </p:cNvPr>
+          <p:cNvSpPr/>
+          <p:nvPr/>
+        </p:nvSpPr>
+        <p:spPr>
+          <a:xfrm>
+            <a:off x="3140241" y="2983831"/>
+            <a:ext cx="481263" cy="348916"/>
+          </a:xfrm>
+          <a:prstGeom prst="rect">
+            <a:avLst/>
+          </a:prstGeom>
+        </p:spPr>
+        <p:style>
+          <a:lnRef idx="2">
+            <a:schemeClr val="accent1">
+              <a:shade val="15000"/>
+            </a:schemeClr>
+          </a:lnRef>
+          <a:fillRef idx="1">
+            <a:schemeClr val="accent1"/>
+          </a:fillRef>
+          <a:effectRef idx="0">
+            <a:schemeClr val="accent1"/>
+          </a:effectRef>
+          <a:fontRef idx="minor">
+            <a:schemeClr val="lt1"/>
+          </a:fontRef>
+        </p:style>
+        <p:txBody>
+          <a:bodyPr rtlCol="0" anchor="ctr"/>
+          <a:lstStyle/>
+          <a:p>
+            <a:pPr algn="ctr"/>
+            <a:r>
+              <a:rPr lang="en-US" altLang="zh-CN" sz="1600" dirty="0"/>
+              <a:t>84</a:t>
+            </a:r>
+            <a:endParaRPr lang="en-US" sz="1600" dirty="0"/>
+          </a:p>
+        </p:txBody>
+      </p:sp>
+      <p:sp>
+        <p:nvSpPr>
+          <p:cNvPr id="30" name="Rectangle 29">
+            <a:extLst>
+              <a:ext uri="{FF2B5EF4-FFF2-40B4-BE49-F238E27FC236}">
+                <a16:creationId xmlns:a16="http://schemas.microsoft.com/office/drawing/2014/main" id="{A91A4D27-0A2B-64F2-F826-6F4A36E5BEDF}"/>
+              </a:ext>
+            </a:extLst>
+          </p:cNvPr>
+          <p:cNvSpPr/>
+          <p:nvPr/>
+        </p:nvSpPr>
+        <p:spPr>
+          <a:xfrm>
+            <a:off x="3633536" y="2983831"/>
+            <a:ext cx="481263" cy="348916"/>
+          </a:xfrm>
+          <a:prstGeom prst="rect">
+            <a:avLst/>
+          </a:prstGeom>
+        </p:spPr>
+        <p:style>
+          <a:lnRef idx="2">
+            <a:schemeClr val="accent1">
+              <a:shade val="15000"/>
+            </a:schemeClr>
+          </a:lnRef>
+          <a:fillRef idx="1">
+            <a:schemeClr val="accent1"/>
+          </a:fillRef>
+          <a:effectRef idx="0">
+            <a:schemeClr val="accent1"/>
+          </a:effectRef>
+          <a:fontRef idx="minor">
+            <a:schemeClr val="lt1"/>
+          </a:fontRef>
+        </p:style>
+        <p:txBody>
+          <a:bodyPr rtlCol="0" anchor="ctr"/>
+          <a:lstStyle/>
+          <a:p>
+            <a:pPr algn="ctr"/>
+            <a:endParaRPr lang="en-US"/>
+          </a:p>
+        </p:txBody>
+      </p:sp>
+      <p:sp>
+        <p:nvSpPr>
+          <p:cNvPr id="31" name="Rectangle 30">
+            <a:extLst>
+              <a:ext uri="{FF2B5EF4-FFF2-40B4-BE49-F238E27FC236}">
+                <a16:creationId xmlns:a16="http://schemas.microsoft.com/office/drawing/2014/main" id="{8E43F946-C813-ED6A-F688-D270875FE272}"/>
+              </a:ext>
+            </a:extLst>
+          </p:cNvPr>
+          <p:cNvSpPr/>
+          <p:nvPr/>
+        </p:nvSpPr>
+        <p:spPr>
+          <a:xfrm>
+            <a:off x="4114799" y="2983831"/>
+            <a:ext cx="481263" cy="348916"/>
+          </a:xfrm>
+          <a:prstGeom prst="rect">
+            <a:avLst/>
+          </a:prstGeom>
+        </p:spPr>
+        <p:style>
+          <a:lnRef idx="2">
+            <a:schemeClr val="accent1">
+              <a:shade val="15000"/>
+            </a:schemeClr>
+          </a:lnRef>
+          <a:fillRef idx="1">
+            <a:schemeClr val="accent1"/>
+          </a:fillRef>
+          <a:effectRef idx="0">
+            <a:schemeClr val="accent1"/>
+          </a:effectRef>
+          <a:fontRef idx="minor">
+            <a:schemeClr val="lt1"/>
+          </a:fontRef>
+        </p:style>
+        <p:txBody>
+          <a:bodyPr rtlCol="0" anchor="ctr"/>
+          <a:lstStyle/>
+          <a:p>
+            <a:pPr algn="ctr"/>
+            <a:endParaRPr lang="en-US"/>
+          </a:p>
+        </p:txBody>
+      </p:sp>
+      <p:sp>
+        <p:nvSpPr>
+          <p:cNvPr id="32" name="Rectangle 31">
+            <a:extLst>
+              <a:ext uri="{FF2B5EF4-FFF2-40B4-BE49-F238E27FC236}">
+                <a16:creationId xmlns:a16="http://schemas.microsoft.com/office/drawing/2014/main" id="{D12E0AA3-5310-F31E-285A-823A7F074324}"/>
+              </a:ext>
+            </a:extLst>
+          </p:cNvPr>
+          <p:cNvSpPr/>
+          <p:nvPr/>
+        </p:nvSpPr>
+        <p:spPr>
+          <a:xfrm>
+            <a:off x="4596062" y="2983831"/>
+            <a:ext cx="481263" cy="348916"/>
+          </a:xfrm>
+          <a:prstGeom prst="rect">
+            <a:avLst/>
+          </a:prstGeom>
+        </p:spPr>
+        <p:style>
+          <a:lnRef idx="2">
+            <a:schemeClr val="accent1">
+              <a:shade val="15000"/>
+            </a:schemeClr>
+          </a:lnRef>
+          <a:fillRef idx="1">
+            <a:schemeClr val="accent1"/>
+          </a:fillRef>
+          <a:effectRef idx="0">
+            <a:schemeClr val="accent1"/>
+          </a:effectRef>
+          <a:fontRef idx="minor">
+            <a:schemeClr val="lt1"/>
+          </a:fontRef>
+        </p:style>
+        <p:txBody>
+          <a:bodyPr rtlCol="0" anchor="ctr"/>
+          <a:lstStyle/>
+          <a:p>
+            <a:pPr algn="ctr"/>
+            <a:r>
+              <a:rPr lang="en-US" altLang="zh-CN" sz="1600" dirty="0"/>
+              <a:t>11</a:t>
+            </a:r>
+            <a:endParaRPr lang="en-US" sz="1600" dirty="0"/>
+          </a:p>
+        </p:txBody>
+      </p:sp>
+      <p:sp>
+        <p:nvSpPr>
+          <p:cNvPr id="33" name="Rectangle 32">
+            <a:extLst>
+              <a:ext uri="{FF2B5EF4-FFF2-40B4-BE49-F238E27FC236}">
+                <a16:creationId xmlns:a16="http://schemas.microsoft.com/office/drawing/2014/main" id="{7AB49369-822B-45DF-E5D6-9A299D9A5075}"/>
+              </a:ext>
+            </a:extLst>
+          </p:cNvPr>
+          <p:cNvSpPr/>
+          <p:nvPr/>
+        </p:nvSpPr>
+        <p:spPr>
+          <a:xfrm>
+            <a:off x="3621504" y="2983831"/>
+            <a:ext cx="481263" cy="348916"/>
+          </a:xfrm>
+          <a:prstGeom prst="rect">
+            <a:avLst/>
+          </a:prstGeom>
+        </p:spPr>
+        <p:style>
+          <a:lnRef idx="2">
+            <a:schemeClr val="accent1">
+              <a:shade val="15000"/>
+            </a:schemeClr>
+          </a:lnRef>
+          <a:fillRef idx="1">
+            <a:schemeClr val="accent1"/>
+          </a:fillRef>
+          <a:effectRef idx="0">
+            <a:schemeClr val="accent1"/>
+          </a:effectRef>
+          <a:fontRef idx="minor">
+            <a:schemeClr val="lt1"/>
+          </a:fontRef>
+        </p:style>
+        <p:txBody>
+          <a:bodyPr rtlCol="0" anchor="ctr"/>
+          <a:lstStyle/>
+          <a:p>
+            <a:pPr algn="ctr"/>
+            <a:r>
+              <a:rPr lang="en-US" altLang="zh-CN" sz="1400" dirty="0"/>
+              <a:t>105</a:t>
+            </a:r>
+            <a:endParaRPr lang="en-US" sz="1400" dirty="0"/>
+          </a:p>
+        </p:txBody>
+      </p:sp>
+      <p:sp>
+        <p:nvSpPr>
+          <p:cNvPr id="34" name="Rectangle 33">
+            <a:extLst>
+              <a:ext uri="{FF2B5EF4-FFF2-40B4-BE49-F238E27FC236}">
+                <a16:creationId xmlns:a16="http://schemas.microsoft.com/office/drawing/2014/main" id="{226B53DF-3294-191B-C8A6-CF5252691EB2}"/>
+              </a:ext>
+            </a:extLst>
+          </p:cNvPr>
+          <p:cNvSpPr/>
+          <p:nvPr/>
+        </p:nvSpPr>
+        <p:spPr>
+          <a:xfrm>
+            <a:off x="4102767" y="2983831"/>
+            <a:ext cx="481263" cy="348916"/>
+          </a:xfrm>
+          <a:prstGeom prst="rect">
+            <a:avLst/>
+          </a:prstGeom>
+        </p:spPr>
+        <p:style>
+          <a:lnRef idx="2">
+            <a:schemeClr val="accent1">
+              <a:shade val="15000"/>
+            </a:schemeClr>
+          </a:lnRef>
+          <a:fillRef idx="1">
+            <a:schemeClr val="accent1"/>
+          </a:fillRef>
+          <a:effectRef idx="0">
+            <a:schemeClr val="accent1"/>
+          </a:effectRef>
+          <a:fontRef idx="minor">
+            <a:schemeClr val="lt1"/>
+          </a:fontRef>
+        </p:style>
+        <p:txBody>
+          <a:bodyPr rtlCol="0" anchor="ctr"/>
+          <a:lstStyle/>
+          <a:p>
+            <a:pPr algn="ctr"/>
+            <a:r>
+              <a:rPr lang="en-US" altLang="zh-CN" sz="1600" dirty="0"/>
+              <a:t>23</a:t>
+            </a:r>
+            <a:endParaRPr lang="en-US" sz="1600" dirty="0"/>
+          </a:p>
+        </p:txBody>
+      </p:sp>
+      <p:sp>
+        <p:nvSpPr>
+          <p:cNvPr id="35" name="Rectangle 34">
+            <a:extLst>
+              <a:ext uri="{FF2B5EF4-FFF2-40B4-BE49-F238E27FC236}">
+                <a16:creationId xmlns:a16="http://schemas.microsoft.com/office/drawing/2014/main" id="{243D5917-0A50-F1FD-5429-90D128074FBA}"/>
+              </a:ext>
+            </a:extLst>
+          </p:cNvPr>
+          <p:cNvSpPr/>
+          <p:nvPr/>
+        </p:nvSpPr>
+        <p:spPr>
+          <a:xfrm>
+            <a:off x="5155934" y="5348036"/>
+            <a:ext cx="481263" cy="348916"/>
+          </a:xfrm>
+          <a:prstGeom prst="rect">
+            <a:avLst/>
+          </a:prstGeom>
+          <a:solidFill>
+            <a:schemeClr val="tx1">
+              <a:lumMod val="65000"/>
+              <a:lumOff val="35000"/>
+            </a:schemeClr>
+          </a:solidFill>
+        </p:spPr>
+        <p:style>
+          <a:lnRef idx="2">
+            <a:schemeClr val="accent1">
+              <a:shade val="15000"/>
+            </a:schemeClr>
+          </a:lnRef>
+          <a:fillRef idx="1">
+            <a:schemeClr val="accent1"/>
+          </a:fillRef>
+          <a:effectRef idx="0">
+            <a:schemeClr val="accent1"/>
+          </a:effectRef>
+          <a:fontRef idx="minor">
+            <a:schemeClr val="lt1"/>
+          </a:fontRef>
+        </p:style>
+        <p:txBody>
+          <a:bodyPr rtlCol="0" anchor="ctr"/>
+          <a:lstStyle/>
+          <a:p>
+            <a:pPr algn="ctr"/>
+            <a:r>
+              <a:rPr lang="en-US" altLang="zh-CN" sz="1400" dirty="0"/>
+              <a:t>0</a:t>
+            </a:r>
+            <a:endParaRPr lang="en-US" sz="1400" dirty="0"/>
+          </a:p>
+        </p:txBody>
+      </p:sp>
+      <p:sp>
+        <p:nvSpPr>
+          <p:cNvPr id="39" name="Rectangle 38">
+            <a:extLst>
+              <a:ext uri="{FF2B5EF4-FFF2-40B4-BE49-F238E27FC236}">
+                <a16:creationId xmlns:a16="http://schemas.microsoft.com/office/drawing/2014/main" id="{2A55B494-CCA8-3B29-7C6E-6B2DC5665CBA}"/>
+              </a:ext>
+            </a:extLst>
+          </p:cNvPr>
+          <p:cNvSpPr/>
+          <p:nvPr/>
+        </p:nvSpPr>
+        <p:spPr>
+          <a:xfrm>
+            <a:off x="5065294" y="2983831"/>
+            <a:ext cx="481263" cy="348916"/>
+          </a:xfrm>
+          <a:prstGeom prst="rect">
+            <a:avLst/>
+          </a:prstGeom>
+          <a:solidFill>
+            <a:schemeClr val="accent6"/>
+          </a:solidFill>
+        </p:spPr>
+        <p:style>
+          <a:lnRef idx="2">
+            <a:schemeClr val="accent1">
+              <a:shade val="15000"/>
+            </a:schemeClr>
+          </a:lnRef>
+          <a:fillRef idx="1">
+            <a:schemeClr val="accent1"/>
+          </a:fillRef>
+          <a:effectRef idx="0">
+            <a:schemeClr val="accent1"/>
+          </a:effectRef>
+          <a:fontRef idx="minor">
+            <a:schemeClr val="lt1"/>
+          </a:fontRef>
+        </p:style>
+        <p:txBody>
+          <a:bodyPr rtlCol="0" anchor="ctr"/>
+          <a:lstStyle/>
+          <a:p>
+            <a:pPr algn="ctr"/>
+            <a:r>
+              <a:rPr lang="en-US" dirty="0" err="1"/>
+              <a:t>cls</a:t>
+            </a:r>
+            <a:endParaRPr lang="en-US" dirty="0"/>
+          </a:p>
+        </p:txBody>
+      </p:sp>
+      <p:sp>
+        <p:nvSpPr>
+          <p:cNvPr id="40" name="TextBox 39">
+            <a:extLst>
+              <a:ext uri="{FF2B5EF4-FFF2-40B4-BE49-F238E27FC236}">
+                <a16:creationId xmlns:a16="http://schemas.microsoft.com/office/drawing/2014/main" id="{1D856E7C-CDCA-32A4-CA0F-B1A726F4B05F}"/>
+              </a:ext>
+            </a:extLst>
+          </p:cNvPr>
+          <p:cNvSpPr txBox="1"/>
+          <p:nvPr/>
+        </p:nvSpPr>
+        <p:spPr>
+          <a:xfrm>
+            <a:off x="5570621" y="2442410"/>
+            <a:ext cx="1489190" cy="369332"/>
+          </a:xfrm>
+          <a:prstGeom prst="rect">
+            <a:avLst/>
+          </a:prstGeom>
+          <a:noFill/>
+        </p:spPr>
+        <p:txBody>
+          <a:bodyPr wrap="none" rtlCol="0">
+            <a:spAutoFit/>
+          </a:bodyPr>
+          <a:lstStyle/>
+          <a:p>
+            <a:r>
+              <a:rPr lang="en-US" altLang="zh-CN" dirty="0"/>
+              <a:t>Convert</a:t>
+            </a:r>
+            <a:r>
+              <a:rPr lang="zh-CN" altLang="en-US" dirty="0"/>
+              <a:t> </a:t>
+            </a:r>
+            <a:r>
+              <a:rPr lang="en-US" altLang="zh-CN" dirty="0"/>
+              <a:t>to</a:t>
+            </a:r>
+            <a:r>
+              <a:rPr lang="zh-CN" altLang="en-US" dirty="0"/>
+              <a:t> </a:t>
+            </a:r>
+            <a:r>
+              <a:rPr lang="en-US" altLang="zh-CN" dirty="0"/>
+              <a:t>ids</a:t>
+            </a:r>
+            <a:endParaRPr lang="en-US" dirty="0"/>
+          </a:p>
+        </p:txBody>
+      </p:sp>
+      <p:sp>
+        <p:nvSpPr>
+          <p:cNvPr id="41" name="Rectangle 40">
+            <a:extLst>
+              <a:ext uri="{FF2B5EF4-FFF2-40B4-BE49-F238E27FC236}">
+                <a16:creationId xmlns:a16="http://schemas.microsoft.com/office/drawing/2014/main" id="{DECE0545-D6CF-411E-70CD-A1D1212DDB2D}"/>
+              </a:ext>
+            </a:extLst>
+          </p:cNvPr>
+          <p:cNvSpPr/>
+          <p:nvPr/>
+        </p:nvSpPr>
+        <p:spPr>
+          <a:xfrm>
+            <a:off x="2256324" y="4070319"/>
+            <a:ext cx="481263" cy="348916"/>
+          </a:xfrm>
+          <a:prstGeom prst="rect">
+            <a:avLst/>
+          </a:prstGeom>
+          <a:solidFill>
+            <a:schemeClr val="accent2"/>
+          </a:solidFill>
+        </p:spPr>
+        <p:style>
+          <a:lnRef idx="2">
+            <a:schemeClr val="accent1">
+              <a:shade val="15000"/>
+            </a:schemeClr>
+          </a:lnRef>
+          <a:fillRef idx="1">
+            <a:schemeClr val="accent1"/>
+          </a:fillRef>
+          <a:effectRef idx="0">
+            <a:schemeClr val="accent1"/>
+          </a:effectRef>
+          <a:fontRef idx="minor">
+            <a:schemeClr val="lt1"/>
+          </a:fontRef>
+        </p:style>
+        <p:txBody>
+          <a:bodyPr rtlCol="0" anchor="ctr"/>
+          <a:lstStyle/>
+          <a:p>
+            <a:pPr algn="ctr"/>
+            <a:r>
+              <a:rPr lang="en-US" altLang="zh-CN" sz="1600" dirty="0"/>
+              <a:t>1</a:t>
+            </a:r>
+            <a:endParaRPr lang="en-US" sz="1600" dirty="0"/>
+          </a:p>
+        </p:txBody>
+      </p:sp>
+      <p:sp>
+        <p:nvSpPr>
+          <p:cNvPr id="42" name="Rectangle 41">
+            <a:extLst>
+              <a:ext uri="{FF2B5EF4-FFF2-40B4-BE49-F238E27FC236}">
+                <a16:creationId xmlns:a16="http://schemas.microsoft.com/office/drawing/2014/main" id="{A3621FF3-B78A-7903-0878-D5427517361C}"/>
+              </a:ext>
+            </a:extLst>
+          </p:cNvPr>
+          <p:cNvSpPr/>
+          <p:nvPr/>
+        </p:nvSpPr>
+        <p:spPr>
+          <a:xfrm>
+            <a:off x="2737587" y="4070319"/>
+            <a:ext cx="481263" cy="348916"/>
+          </a:xfrm>
+          <a:prstGeom prst="rect">
+            <a:avLst/>
+          </a:prstGeom>
+        </p:spPr>
+        <p:style>
+          <a:lnRef idx="2">
+            <a:schemeClr val="accent1">
+              <a:shade val="15000"/>
+            </a:schemeClr>
+          </a:lnRef>
+          <a:fillRef idx="1">
+            <a:schemeClr val="accent1"/>
+          </a:fillRef>
+          <a:effectRef idx="0">
+            <a:schemeClr val="accent1"/>
+          </a:effectRef>
+          <a:fontRef idx="minor">
+            <a:schemeClr val="lt1"/>
+          </a:fontRef>
+        </p:style>
+        <p:txBody>
+          <a:bodyPr rtlCol="0" anchor="ctr"/>
+          <a:lstStyle/>
+          <a:p>
+            <a:pPr algn="ctr"/>
+            <a:r>
+              <a:rPr lang="en-US" altLang="zh-CN" sz="1600" dirty="0"/>
+              <a:t>1</a:t>
+            </a:r>
+            <a:endParaRPr lang="en-US" sz="1600" dirty="0"/>
+          </a:p>
+        </p:txBody>
+      </p:sp>
+      <p:sp>
+        <p:nvSpPr>
+          <p:cNvPr id="43" name="Rectangle 42">
+            <a:extLst>
+              <a:ext uri="{FF2B5EF4-FFF2-40B4-BE49-F238E27FC236}">
+                <a16:creationId xmlns:a16="http://schemas.microsoft.com/office/drawing/2014/main" id="{4E8DABF7-4472-E161-7809-89B37D83FBC1}"/>
+              </a:ext>
+            </a:extLst>
+          </p:cNvPr>
+          <p:cNvSpPr/>
+          <p:nvPr/>
+        </p:nvSpPr>
+        <p:spPr>
+          <a:xfrm>
+            <a:off x="3218850" y="4070319"/>
+            <a:ext cx="481263" cy="348916"/>
+          </a:xfrm>
+          <a:prstGeom prst="rect">
+            <a:avLst/>
+          </a:prstGeom>
+        </p:spPr>
+        <p:style>
+          <a:lnRef idx="2">
+            <a:schemeClr val="accent1">
+              <a:shade val="15000"/>
+            </a:schemeClr>
+          </a:lnRef>
+          <a:fillRef idx="1">
+            <a:schemeClr val="accent1"/>
+          </a:fillRef>
+          <a:effectRef idx="0">
+            <a:schemeClr val="accent1"/>
+          </a:effectRef>
+          <a:fontRef idx="minor">
+            <a:schemeClr val="lt1"/>
+          </a:fontRef>
+        </p:style>
+        <p:txBody>
+          <a:bodyPr rtlCol="0" anchor="ctr"/>
+          <a:lstStyle/>
+          <a:p>
+            <a:pPr algn="ctr"/>
+            <a:r>
+              <a:rPr lang="en-US" altLang="zh-CN" sz="1600" dirty="0"/>
+              <a:t>1</a:t>
+            </a:r>
+            <a:endParaRPr lang="en-US" sz="1600" dirty="0"/>
+          </a:p>
+        </p:txBody>
+      </p:sp>
+      <p:sp>
+        <p:nvSpPr>
+          <p:cNvPr id="44" name="Rectangle 43">
+            <a:extLst>
+              <a:ext uri="{FF2B5EF4-FFF2-40B4-BE49-F238E27FC236}">
+                <a16:creationId xmlns:a16="http://schemas.microsoft.com/office/drawing/2014/main" id="{D08219D5-211D-E846-FEF1-A167E68C7869}"/>
+              </a:ext>
+            </a:extLst>
+          </p:cNvPr>
+          <p:cNvSpPr/>
+          <p:nvPr/>
+        </p:nvSpPr>
+        <p:spPr>
+          <a:xfrm>
+            <a:off x="3712145" y="4070319"/>
+            <a:ext cx="481263" cy="348916"/>
+          </a:xfrm>
+          <a:prstGeom prst="rect">
+            <a:avLst/>
+          </a:prstGeom>
+        </p:spPr>
+        <p:style>
+          <a:lnRef idx="2">
+            <a:schemeClr val="accent1">
+              <a:shade val="15000"/>
+            </a:schemeClr>
+          </a:lnRef>
+          <a:fillRef idx="1">
+            <a:schemeClr val="accent1"/>
+          </a:fillRef>
+          <a:effectRef idx="0">
+            <a:schemeClr val="accent1"/>
+          </a:effectRef>
+          <a:fontRef idx="minor">
+            <a:schemeClr val="lt1"/>
+          </a:fontRef>
+        </p:style>
+        <p:txBody>
+          <a:bodyPr rtlCol="0" anchor="ctr"/>
+          <a:lstStyle/>
+          <a:p>
+            <a:pPr algn="ctr"/>
+            <a:endParaRPr lang="en-US"/>
+          </a:p>
+        </p:txBody>
+      </p:sp>
+      <p:sp>
+        <p:nvSpPr>
+          <p:cNvPr id="45" name="Rectangle 44">
+            <a:extLst>
+              <a:ext uri="{FF2B5EF4-FFF2-40B4-BE49-F238E27FC236}">
+                <a16:creationId xmlns:a16="http://schemas.microsoft.com/office/drawing/2014/main" id="{3EFD4448-0FCE-FE3B-842D-3F7AC43ABE36}"/>
+              </a:ext>
+            </a:extLst>
+          </p:cNvPr>
+          <p:cNvSpPr/>
+          <p:nvPr/>
+        </p:nvSpPr>
+        <p:spPr>
+          <a:xfrm>
+            <a:off x="4193408" y="4070319"/>
+            <a:ext cx="481263" cy="348916"/>
+          </a:xfrm>
+          <a:prstGeom prst="rect">
+            <a:avLst/>
+          </a:prstGeom>
+        </p:spPr>
+        <p:style>
+          <a:lnRef idx="2">
+            <a:schemeClr val="accent1">
+              <a:shade val="15000"/>
+            </a:schemeClr>
+          </a:lnRef>
+          <a:fillRef idx="1">
+            <a:schemeClr val="accent1"/>
+          </a:fillRef>
+          <a:effectRef idx="0">
+            <a:schemeClr val="accent1"/>
+          </a:effectRef>
+          <a:fontRef idx="minor">
+            <a:schemeClr val="lt1"/>
+          </a:fontRef>
+        </p:style>
+        <p:txBody>
+          <a:bodyPr rtlCol="0" anchor="ctr"/>
+          <a:lstStyle/>
+          <a:p>
+            <a:pPr algn="ctr"/>
+            <a:endParaRPr lang="en-US"/>
+          </a:p>
+        </p:txBody>
+      </p:sp>
+      <p:sp>
+        <p:nvSpPr>
+          <p:cNvPr id="46" name="Rectangle 45">
+            <a:extLst>
+              <a:ext uri="{FF2B5EF4-FFF2-40B4-BE49-F238E27FC236}">
+                <a16:creationId xmlns:a16="http://schemas.microsoft.com/office/drawing/2014/main" id="{AF7DB979-6C3D-071A-6A0D-3510C0E70798}"/>
+              </a:ext>
+            </a:extLst>
+          </p:cNvPr>
+          <p:cNvSpPr/>
+          <p:nvPr/>
+        </p:nvSpPr>
+        <p:spPr>
+          <a:xfrm>
+            <a:off x="4674671" y="4070319"/>
+            <a:ext cx="481263" cy="348916"/>
+          </a:xfrm>
+          <a:prstGeom prst="rect">
+            <a:avLst/>
+          </a:prstGeom>
+        </p:spPr>
+        <p:style>
+          <a:lnRef idx="2">
+            <a:schemeClr val="accent1">
+              <a:shade val="15000"/>
+            </a:schemeClr>
+          </a:lnRef>
+          <a:fillRef idx="1">
+            <a:schemeClr val="accent1"/>
+          </a:fillRef>
+          <a:effectRef idx="0">
+            <a:schemeClr val="accent1"/>
+          </a:effectRef>
+          <a:fontRef idx="minor">
+            <a:schemeClr val="lt1"/>
+          </a:fontRef>
+        </p:style>
+        <p:txBody>
+          <a:bodyPr rtlCol="0" anchor="ctr"/>
+          <a:lstStyle/>
+          <a:p>
+            <a:pPr algn="ctr"/>
+            <a:r>
+              <a:rPr lang="en-US" altLang="zh-CN" sz="1600" dirty="0"/>
+              <a:t>1</a:t>
+            </a:r>
+            <a:endParaRPr lang="en-US" sz="1600" dirty="0"/>
+          </a:p>
+        </p:txBody>
+      </p:sp>
+      <p:sp>
+        <p:nvSpPr>
+          <p:cNvPr id="47" name="Rectangle 46">
+            <a:extLst>
+              <a:ext uri="{FF2B5EF4-FFF2-40B4-BE49-F238E27FC236}">
+                <a16:creationId xmlns:a16="http://schemas.microsoft.com/office/drawing/2014/main" id="{25CFCDC1-6CF3-8703-E5CE-DCA270D30FEC}"/>
+              </a:ext>
+            </a:extLst>
+          </p:cNvPr>
+          <p:cNvSpPr/>
+          <p:nvPr/>
+        </p:nvSpPr>
+        <p:spPr>
+          <a:xfrm>
+            <a:off x="3700113" y="4070319"/>
+            <a:ext cx="481263" cy="348916"/>
+          </a:xfrm>
+          <a:prstGeom prst="rect">
+            <a:avLst/>
+          </a:prstGeom>
+        </p:spPr>
+        <p:style>
+          <a:lnRef idx="2">
+            <a:schemeClr val="accent1">
+              <a:shade val="15000"/>
+            </a:schemeClr>
+          </a:lnRef>
+          <a:fillRef idx="1">
+            <a:schemeClr val="accent1"/>
+          </a:fillRef>
+          <a:effectRef idx="0">
+            <a:schemeClr val="accent1"/>
+          </a:effectRef>
+          <a:fontRef idx="minor">
+            <a:schemeClr val="lt1"/>
+          </a:fontRef>
+        </p:style>
+        <p:txBody>
+          <a:bodyPr rtlCol="0" anchor="ctr"/>
+          <a:lstStyle/>
+          <a:p>
+            <a:pPr algn="ctr"/>
+            <a:r>
+              <a:rPr lang="en-US" altLang="zh-CN" sz="1400" dirty="0"/>
+              <a:t>1</a:t>
+            </a:r>
+            <a:endParaRPr lang="en-US" sz="1400" dirty="0"/>
+          </a:p>
+        </p:txBody>
+      </p:sp>
+      <p:sp>
+        <p:nvSpPr>
+          <p:cNvPr id="48" name="Rectangle 47">
+            <a:extLst>
+              <a:ext uri="{FF2B5EF4-FFF2-40B4-BE49-F238E27FC236}">
+                <a16:creationId xmlns:a16="http://schemas.microsoft.com/office/drawing/2014/main" id="{8010C213-76FF-E5F3-1B5B-F1E23F409E0B}"/>
+              </a:ext>
+            </a:extLst>
+          </p:cNvPr>
+          <p:cNvSpPr/>
+          <p:nvPr/>
+        </p:nvSpPr>
+        <p:spPr>
+          <a:xfrm>
+            <a:off x="4181376" y="4070319"/>
+            <a:ext cx="481263" cy="348916"/>
+          </a:xfrm>
+          <a:prstGeom prst="rect">
+            <a:avLst/>
+          </a:prstGeom>
+        </p:spPr>
+        <p:style>
+          <a:lnRef idx="2">
+            <a:schemeClr val="accent1">
+              <a:shade val="15000"/>
+            </a:schemeClr>
+          </a:lnRef>
+          <a:fillRef idx="1">
+            <a:schemeClr val="accent1"/>
+          </a:fillRef>
+          <a:effectRef idx="0">
+            <a:schemeClr val="accent1"/>
+          </a:effectRef>
+          <a:fontRef idx="minor">
+            <a:schemeClr val="lt1"/>
+          </a:fontRef>
+        </p:style>
+        <p:txBody>
+          <a:bodyPr rtlCol="0" anchor="ctr"/>
+          <a:lstStyle/>
+          <a:p>
+            <a:pPr algn="ctr"/>
+            <a:r>
+              <a:rPr lang="en-US" altLang="zh-CN" sz="1600" dirty="0"/>
+              <a:t>1</a:t>
+            </a:r>
+            <a:endParaRPr lang="en-US" sz="1600" dirty="0"/>
+          </a:p>
+        </p:txBody>
+      </p:sp>
+      <p:sp>
+        <p:nvSpPr>
+          <p:cNvPr id="53" name="Rectangle 52">
+            <a:extLst>
+              <a:ext uri="{FF2B5EF4-FFF2-40B4-BE49-F238E27FC236}">
+                <a16:creationId xmlns:a16="http://schemas.microsoft.com/office/drawing/2014/main" id="{51ADE234-EB40-AA38-E867-09199C1A917F}"/>
+              </a:ext>
+            </a:extLst>
+          </p:cNvPr>
+          <p:cNvSpPr/>
+          <p:nvPr/>
+        </p:nvSpPr>
+        <p:spPr>
+          <a:xfrm>
+            <a:off x="5143901" y="4070319"/>
+            <a:ext cx="481263" cy="348916"/>
+          </a:xfrm>
+          <a:prstGeom prst="rect">
+            <a:avLst/>
+          </a:prstGeom>
+          <a:solidFill>
+            <a:schemeClr val="accent6"/>
+          </a:solidFill>
+        </p:spPr>
+        <p:style>
+          <a:lnRef idx="2">
+            <a:schemeClr val="accent1">
+              <a:shade val="15000"/>
+            </a:schemeClr>
+          </a:lnRef>
+          <a:fillRef idx="1">
+            <a:schemeClr val="accent1"/>
+          </a:fillRef>
+          <a:effectRef idx="0">
+            <a:schemeClr val="accent1"/>
+          </a:effectRef>
+          <a:fontRef idx="minor">
+            <a:schemeClr val="lt1"/>
+          </a:fontRef>
+        </p:style>
+        <p:txBody>
+          <a:bodyPr rtlCol="0" anchor="ctr"/>
+          <a:lstStyle/>
+          <a:p>
+            <a:pPr algn="ctr"/>
+            <a:r>
+              <a:rPr lang="en-US" altLang="zh-CN" dirty="0"/>
+              <a:t>1</a:t>
+            </a:r>
+            <a:endParaRPr lang="en-US" dirty="0"/>
+          </a:p>
+        </p:txBody>
+      </p:sp>
+      <p:sp>
+        <p:nvSpPr>
+          <p:cNvPr id="63" name="Down Arrow 62">
+            <a:extLst>
+              <a:ext uri="{FF2B5EF4-FFF2-40B4-BE49-F238E27FC236}">
+                <a16:creationId xmlns:a16="http://schemas.microsoft.com/office/drawing/2014/main" id="{F7EEA9AE-0292-6456-7A3E-F9AFF096D1F2}"/>
+              </a:ext>
+            </a:extLst>
+          </p:cNvPr>
+          <p:cNvSpPr/>
+          <p:nvPr/>
+        </p:nvSpPr>
+        <p:spPr>
+          <a:xfrm>
+            <a:off x="5053263" y="3496451"/>
+            <a:ext cx="336884" cy="505326"/>
+          </a:xfrm>
+          <a:prstGeom prst="downArrow">
+            <a:avLst/>
+          </a:prstGeom>
+        </p:spPr>
+        <p:style>
+          <a:lnRef idx="2">
+            <a:schemeClr val="accent1">
+              <a:shade val="15000"/>
+            </a:schemeClr>
+          </a:lnRef>
+          <a:fillRef idx="1">
+            <a:schemeClr val="accent1"/>
+          </a:fillRef>
+          <a:effectRef idx="0">
+            <a:schemeClr val="accent1"/>
+          </a:effectRef>
+          <a:fontRef idx="minor">
+            <a:schemeClr val="lt1"/>
+          </a:fontRef>
+        </p:style>
+        <p:txBody>
+          <a:bodyPr rtlCol="0" anchor="ctr"/>
+          <a:lstStyle/>
+          <a:p>
+            <a:pPr algn="ctr"/>
+            <a:endParaRPr lang="en-US"/>
+          </a:p>
+        </p:txBody>
+      </p:sp>
+      <p:sp>
+        <p:nvSpPr>
+          <p:cNvPr id="64" name="TextBox 63">
+            <a:extLst>
+              <a:ext uri="{FF2B5EF4-FFF2-40B4-BE49-F238E27FC236}">
+                <a16:creationId xmlns:a16="http://schemas.microsoft.com/office/drawing/2014/main" id="{F374FDED-C39F-D17B-03CB-1A51A1E18A69}"/>
+              </a:ext>
+            </a:extLst>
+          </p:cNvPr>
+          <p:cNvSpPr txBox="1"/>
+          <p:nvPr/>
+        </p:nvSpPr>
+        <p:spPr>
+          <a:xfrm>
+            <a:off x="5546558" y="3489157"/>
+            <a:ext cx="1103187" cy="369332"/>
+          </a:xfrm>
+          <a:prstGeom prst="rect">
+            <a:avLst/>
+          </a:prstGeom>
+          <a:noFill/>
+        </p:spPr>
+        <p:txBody>
+          <a:bodyPr wrap="none" rtlCol="0">
+            <a:spAutoFit/>
+          </a:bodyPr>
+          <a:lstStyle/>
+          <a:p>
+            <a:r>
+              <a:rPr lang="en-US" altLang="zh-CN" dirty="0"/>
+              <a:t>Add</a:t>
+            </a:r>
+            <a:r>
+              <a:rPr lang="zh-CN" altLang="en-US" dirty="0"/>
+              <a:t> </a:t>
+            </a:r>
+            <a:r>
+              <a:rPr lang="en-US" altLang="zh-CN" dirty="0"/>
+              <a:t>mask</a:t>
+            </a:r>
+            <a:endParaRPr lang="en-US" dirty="0"/>
+          </a:p>
+        </p:txBody>
+      </p:sp>
+      <p:sp>
+        <p:nvSpPr>
+          <p:cNvPr id="65" name="Rectangle 64">
+            <a:extLst>
+              <a:ext uri="{FF2B5EF4-FFF2-40B4-BE49-F238E27FC236}">
+                <a16:creationId xmlns:a16="http://schemas.microsoft.com/office/drawing/2014/main" id="{B54A9210-6BED-1BA5-3319-8DDECE3A99FD}"/>
+              </a:ext>
+            </a:extLst>
+          </p:cNvPr>
+          <p:cNvSpPr/>
+          <p:nvPr/>
+        </p:nvSpPr>
+        <p:spPr>
+          <a:xfrm>
+            <a:off x="2261938" y="5342021"/>
+            <a:ext cx="481263" cy="348916"/>
+          </a:xfrm>
+          <a:prstGeom prst="rect">
+            <a:avLst/>
+          </a:prstGeom>
+          <a:solidFill>
+            <a:schemeClr val="accent2"/>
+          </a:solidFill>
+        </p:spPr>
+        <p:style>
+          <a:lnRef idx="2">
+            <a:schemeClr val="accent1">
+              <a:shade val="15000"/>
+            </a:schemeClr>
+          </a:lnRef>
+          <a:fillRef idx="1">
+            <a:schemeClr val="accent1"/>
+          </a:fillRef>
+          <a:effectRef idx="0">
+            <a:schemeClr val="accent1"/>
+          </a:effectRef>
+          <a:fontRef idx="minor">
+            <a:schemeClr val="lt1"/>
+          </a:fontRef>
+        </p:style>
+        <p:txBody>
+          <a:bodyPr rtlCol="0" anchor="ctr"/>
+          <a:lstStyle/>
+          <a:p>
+            <a:pPr algn="ctr"/>
+            <a:r>
+              <a:rPr lang="en-US" altLang="zh-CN" sz="1600" dirty="0"/>
+              <a:t>1</a:t>
+            </a:r>
+            <a:endParaRPr lang="en-US" sz="1600" dirty="0"/>
+          </a:p>
+        </p:txBody>
+      </p:sp>
+      <p:sp>
+        <p:nvSpPr>
+          <p:cNvPr id="66" name="Rectangle 65">
+            <a:extLst>
+              <a:ext uri="{FF2B5EF4-FFF2-40B4-BE49-F238E27FC236}">
+                <a16:creationId xmlns:a16="http://schemas.microsoft.com/office/drawing/2014/main" id="{6C01F6BC-BF9E-F37E-DB0A-1CB0882B5143}"/>
+              </a:ext>
+            </a:extLst>
+          </p:cNvPr>
+          <p:cNvSpPr/>
+          <p:nvPr/>
+        </p:nvSpPr>
+        <p:spPr>
+          <a:xfrm>
+            <a:off x="2743201" y="5342021"/>
+            <a:ext cx="481263" cy="348916"/>
+          </a:xfrm>
+          <a:prstGeom prst="rect">
+            <a:avLst/>
+          </a:prstGeom>
+        </p:spPr>
+        <p:style>
+          <a:lnRef idx="2">
+            <a:schemeClr val="accent1">
+              <a:shade val="15000"/>
+            </a:schemeClr>
+          </a:lnRef>
+          <a:fillRef idx="1">
+            <a:schemeClr val="accent1"/>
+          </a:fillRef>
+          <a:effectRef idx="0">
+            <a:schemeClr val="accent1"/>
+          </a:effectRef>
+          <a:fontRef idx="minor">
+            <a:schemeClr val="lt1"/>
+          </a:fontRef>
+        </p:style>
+        <p:txBody>
+          <a:bodyPr rtlCol="0" anchor="ctr"/>
+          <a:lstStyle/>
+          <a:p>
+            <a:pPr algn="ctr"/>
+            <a:r>
+              <a:rPr lang="en-US" altLang="zh-CN" sz="1600" dirty="0"/>
+              <a:t>1</a:t>
+            </a:r>
+            <a:endParaRPr lang="en-US" sz="1600" dirty="0"/>
+          </a:p>
+        </p:txBody>
+      </p:sp>
+      <p:sp>
+        <p:nvSpPr>
+          <p:cNvPr id="67" name="Rectangle 66">
+            <a:extLst>
+              <a:ext uri="{FF2B5EF4-FFF2-40B4-BE49-F238E27FC236}">
+                <a16:creationId xmlns:a16="http://schemas.microsoft.com/office/drawing/2014/main" id="{F40B77F4-806C-52A9-33C7-62BAB8256E32}"/>
+              </a:ext>
+            </a:extLst>
+          </p:cNvPr>
+          <p:cNvSpPr/>
+          <p:nvPr/>
+        </p:nvSpPr>
+        <p:spPr>
+          <a:xfrm>
+            <a:off x="3224464" y="5342021"/>
+            <a:ext cx="481263" cy="348916"/>
+          </a:xfrm>
+          <a:prstGeom prst="rect">
+            <a:avLst/>
+          </a:prstGeom>
+        </p:spPr>
+        <p:style>
+          <a:lnRef idx="2">
+            <a:schemeClr val="accent1">
+              <a:shade val="15000"/>
+            </a:schemeClr>
+          </a:lnRef>
+          <a:fillRef idx="1">
+            <a:schemeClr val="accent1"/>
+          </a:fillRef>
+          <a:effectRef idx="0">
+            <a:schemeClr val="accent1"/>
+          </a:effectRef>
+          <a:fontRef idx="minor">
+            <a:schemeClr val="lt1"/>
+          </a:fontRef>
+        </p:style>
+        <p:txBody>
+          <a:bodyPr rtlCol="0" anchor="ctr"/>
+          <a:lstStyle/>
+          <a:p>
+            <a:pPr algn="ctr"/>
+            <a:r>
+              <a:rPr lang="en-US" altLang="zh-CN" sz="1600" dirty="0"/>
+              <a:t>1</a:t>
+            </a:r>
+            <a:endParaRPr lang="en-US" sz="1600" dirty="0"/>
+          </a:p>
+        </p:txBody>
+      </p:sp>
+      <p:sp>
+        <p:nvSpPr>
+          <p:cNvPr id="68" name="Rectangle 67">
+            <a:extLst>
+              <a:ext uri="{FF2B5EF4-FFF2-40B4-BE49-F238E27FC236}">
+                <a16:creationId xmlns:a16="http://schemas.microsoft.com/office/drawing/2014/main" id="{0921117F-F80B-F7AD-3E91-5A9538E2C13F}"/>
+              </a:ext>
+            </a:extLst>
+          </p:cNvPr>
+          <p:cNvSpPr/>
+          <p:nvPr/>
+        </p:nvSpPr>
+        <p:spPr>
+          <a:xfrm>
+            <a:off x="3717759" y="5342021"/>
+            <a:ext cx="481263" cy="348916"/>
+          </a:xfrm>
+          <a:prstGeom prst="rect">
+            <a:avLst/>
+          </a:prstGeom>
+        </p:spPr>
+        <p:style>
+          <a:lnRef idx="2">
+            <a:schemeClr val="accent1">
+              <a:shade val="15000"/>
+            </a:schemeClr>
+          </a:lnRef>
+          <a:fillRef idx="1">
+            <a:schemeClr val="accent1"/>
+          </a:fillRef>
+          <a:effectRef idx="0">
+            <a:schemeClr val="accent1"/>
+          </a:effectRef>
+          <a:fontRef idx="minor">
+            <a:schemeClr val="lt1"/>
+          </a:fontRef>
+        </p:style>
+        <p:txBody>
+          <a:bodyPr rtlCol="0" anchor="ctr"/>
+          <a:lstStyle/>
+          <a:p>
+            <a:pPr algn="ctr"/>
+            <a:endParaRPr lang="en-US"/>
+          </a:p>
+        </p:txBody>
+      </p:sp>
+      <p:sp>
+        <p:nvSpPr>
+          <p:cNvPr id="69" name="Rectangle 68">
+            <a:extLst>
+              <a:ext uri="{FF2B5EF4-FFF2-40B4-BE49-F238E27FC236}">
+                <a16:creationId xmlns:a16="http://schemas.microsoft.com/office/drawing/2014/main" id="{98785B11-AC77-4EDC-EF62-B14C819672FF}"/>
+              </a:ext>
+            </a:extLst>
+          </p:cNvPr>
+          <p:cNvSpPr/>
+          <p:nvPr/>
+        </p:nvSpPr>
+        <p:spPr>
+          <a:xfrm>
+            <a:off x="4199022" y="5342021"/>
+            <a:ext cx="481263" cy="348916"/>
+          </a:xfrm>
+          <a:prstGeom prst="rect">
+            <a:avLst/>
+          </a:prstGeom>
+        </p:spPr>
+        <p:style>
+          <a:lnRef idx="2">
+            <a:schemeClr val="accent1">
+              <a:shade val="15000"/>
+            </a:schemeClr>
+          </a:lnRef>
+          <a:fillRef idx="1">
+            <a:schemeClr val="accent1"/>
+          </a:fillRef>
+          <a:effectRef idx="0">
+            <a:schemeClr val="accent1"/>
+          </a:effectRef>
+          <a:fontRef idx="minor">
+            <a:schemeClr val="lt1"/>
+          </a:fontRef>
+        </p:style>
+        <p:txBody>
+          <a:bodyPr rtlCol="0" anchor="ctr"/>
+          <a:lstStyle/>
+          <a:p>
+            <a:pPr algn="ctr"/>
+            <a:endParaRPr lang="en-US"/>
+          </a:p>
+        </p:txBody>
+      </p:sp>
+      <p:sp>
+        <p:nvSpPr>
+          <p:cNvPr id="70" name="Rectangle 69">
+            <a:extLst>
+              <a:ext uri="{FF2B5EF4-FFF2-40B4-BE49-F238E27FC236}">
+                <a16:creationId xmlns:a16="http://schemas.microsoft.com/office/drawing/2014/main" id="{1EACA78C-CF2A-48F6-48EF-83EF25F1B759}"/>
+              </a:ext>
+            </a:extLst>
+          </p:cNvPr>
+          <p:cNvSpPr/>
+          <p:nvPr/>
+        </p:nvSpPr>
+        <p:spPr>
+          <a:xfrm>
+            <a:off x="4680285" y="5342021"/>
+            <a:ext cx="481263" cy="348916"/>
+          </a:xfrm>
+          <a:prstGeom prst="rect">
+            <a:avLst/>
+          </a:prstGeom>
+        </p:spPr>
+        <p:style>
+          <a:lnRef idx="2">
+            <a:schemeClr val="accent1">
+              <a:shade val="15000"/>
+            </a:schemeClr>
+          </a:lnRef>
+          <a:fillRef idx="1">
+            <a:schemeClr val="accent1"/>
+          </a:fillRef>
+          <a:effectRef idx="0">
+            <a:schemeClr val="accent1"/>
+          </a:effectRef>
+          <a:fontRef idx="minor">
+            <a:schemeClr val="lt1"/>
+          </a:fontRef>
+        </p:style>
+        <p:txBody>
+          <a:bodyPr rtlCol="0" anchor="ctr"/>
+          <a:lstStyle/>
+          <a:p>
+            <a:pPr algn="ctr"/>
+            <a:r>
+              <a:rPr lang="en-US" altLang="zh-CN" sz="1600" dirty="0"/>
+              <a:t>1</a:t>
+            </a:r>
+            <a:endParaRPr lang="en-US" sz="1600" dirty="0"/>
+          </a:p>
+        </p:txBody>
+      </p:sp>
+      <p:sp>
+        <p:nvSpPr>
+          <p:cNvPr id="71" name="Rectangle 70">
+            <a:extLst>
+              <a:ext uri="{FF2B5EF4-FFF2-40B4-BE49-F238E27FC236}">
+                <a16:creationId xmlns:a16="http://schemas.microsoft.com/office/drawing/2014/main" id="{3A618CAA-9C84-947A-287D-F9E3ED6D9421}"/>
+              </a:ext>
+            </a:extLst>
+          </p:cNvPr>
+          <p:cNvSpPr/>
+          <p:nvPr/>
+        </p:nvSpPr>
+        <p:spPr>
+          <a:xfrm>
+            <a:off x="3705727" y="5342021"/>
+            <a:ext cx="481263" cy="348916"/>
+          </a:xfrm>
+          <a:prstGeom prst="rect">
+            <a:avLst/>
+          </a:prstGeom>
+        </p:spPr>
+        <p:style>
+          <a:lnRef idx="2">
+            <a:schemeClr val="accent1">
+              <a:shade val="15000"/>
+            </a:schemeClr>
+          </a:lnRef>
+          <a:fillRef idx="1">
+            <a:schemeClr val="accent1"/>
+          </a:fillRef>
+          <a:effectRef idx="0">
+            <a:schemeClr val="accent1"/>
+          </a:effectRef>
+          <a:fontRef idx="minor">
+            <a:schemeClr val="lt1"/>
+          </a:fontRef>
+        </p:style>
+        <p:txBody>
+          <a:bodyPr rtlCol="0" anchor="ctr"/>
+          <a:lstStyle/>
+          <a:p>
+            <a:pPr algn="ctr"/>
+            <a:r>
+              <a:rPr lang="en-US" altLang="zh-CN" sz="1400" dirty="0"/>
+              <a:t>1</a:t>
+            </a:r>
+            <a:endParaRPr lang="en-US" sz="1400" dirty="0"/>
+          </a:p>
+        </p:txBody>
+      </p:sp>
+      <p:sp>
+        <p:nvSpPr>
+          <p:cNvPr id="72" name="Rectangle 71">
+            <a:extLst>
+              <a:ext uri="{FF2B5EF4-FFF2-40B4-BE49-F238E27FC236}">
+                <a16:creationId xmlns:a16="http://schemas.microsoft.com/office/drawing/2014/main" id="{54C32363-AA45-FC95-C5B3-9B8776C5F94A}"/>
+              </a:ext>
+            </a:extLst>
+          </p:cNvPr>
+          <p:cNvSpPr/>
+          <p:nvPr/>
+        </p:nvSpPr>
+        <p:spPr>
+          <a:xfrm>
+            <a:off x="4186990" y="5342021"/>
+            <a:ext cx="481263" cy="348916"/>
+          </a:xfrm>
+          <a:prstGeom prst="rect">
+            <a:avLst/>
+          </a:prstGeom>
+        </p:spPr>
+        <p:style>
+          <a:lnRef idx="2">
+            <a:schemeClr val="accent1">
+              <a:shade val="15000"/>
+            </a:schemeClr>
+          </a:lnRef>
+          <a:fillRef idx="1">
+            <a:schemeClr val="accent1"/>
+          </a:fillRef>
+          <a:effectRef idx="0">
+            <a:schemeClr val="accent1"/>
+          </a:effectRef>
+          <a:fontRef idx="minor">
+            <a:schemeClr val="lt1"/>
+          </a:fontRef>
+        </p:style>
+        <p:txBody>
+          <a:bodyPr rtlCol="0" anchor="ctr"/>
+          <a:lstStyle/>
+          <a:p>
+            <a:pPr algn="ctr"/>
+            <a:r>
+              <a:rPr lang="en-US" altLang="zh-CN" sz="1600" dirty="0"/>
+              <a:t>1</a:t>
+            </a:r>
+            <a:endParaRPr lang="en-US" sz="1600" dirty="0"/>
+          </a:p>
+        </p:txBody>
+      </p:sp>
+      <p:sp>
+        <p:nvSpPr>
+          <p:cNvPr id="73" name="Rectangle 72">
+            <a:extLst>
+              <a:ext uri="{FF2B5EF4-FFF2-40B4-BE49-F238E27FC236}">
+                <a16:creationId xmlns:a16="http://schemas.microsoft.com/office/drawing/2014/main" id="{D27ECFDC-7E1A-BE32-7513-E1581505E14E}"/>
+              </a:ext>
+            </a:extLst>
+          </p:cNvPr>
+          <p:cNvSpPr/>
+          <p:nvPr/>
+        </p:nvSpPr>
+        <p:spPr>
+          <a:xfrm>
+            <a:off x="7030133" y="5336005"/>
+            <a:ext cx="481263" cy="348916"/>
+          </a:xfrm>
+          <a:prstGeom prst="rect">
+            <a:avLst/>
+          </a:prstGeom>
+          <a:solidFill>
+            <a:schemeClr val="accent6"/>
+          </a:solidFill>
+        </p:spPr>
+        <p:style>
+          <a:lnRef idx="2">
+            <a:schemeClr val="accent1">
+              <a:shade val="15000"/>
+            </a:schemeClr>
+          </a:lnRef>
+          <a:fillRef idx="1">
+            <a:schemeClr val="accent1"/>
+          </a:fillRef>
+          <a:effectRef idx="0">
+            <a:schemeClr val="accent1"/>
+          </a:effectRef>
+          <a:fontRef idx="minor">
+            <a:schemeClr val="lt1"/>
+          </a:fontRef>
+        </p:style>
+        <p:txBody>
+          <a:bodyPr rtlCol="0" anchor="ctr"/>
+          <a:lstStyle/>
+          <a:p>
+            <a:pPr algn="ctr"/>
+            <a:r>
+              <a:rPr lang="en-US" altLang="zh-CN" dirty="0"/>
+              <a:t>1</a:t>
+            </a:r>
+            <a:endParaRPr lang="en-US" dirty="0"/>
+          </a:p>
+        </p:txBody>
+      </p:sp>
+      <p:sp>
+        <p:nvSpPr>
+          <p:cNvPr id="74" name="Rectangle 73">
+            <a:extLst>
+              <a:ext uri="{FF2B5EF4-FFF2-40B4-BE49-F238E27FC236}">
+                <a16:creationId xmlns:a16="http://schemas.microsoft.com/office/drawing/2014/main" id="{D03FD536-B068-81CC-4EE2-AEAD7D275631}"/>
+              </a:ext>
+            </a:extLst>
+          </p:cNvPr>
+          <p:cNvSpPr/>
+          <p:nvPr/>
+        </p:nvSpPr>
+        <p:spPr>
+          <a:xfrm>
+            <a:off x="5649229" y="5336005"/>
+            <a:ext cx="481263" cy="348916"/>
+          </a:xfrm>
+          <a:prstGeom prst="rect">
+            <a:avLst/>
+          </a:prstGeom>
+          <a:solidFill>
+            <a:schemeClr val="tx1">
+              <a:lumMod val="65000"/>
+              <a:lumOff val="35000"/>
+            </a:schemeClr>
+          </a:solidFill>
+        </p:spPr>
+        <p:style>
+          <a:lnRef idx="2">
+            <a:schemeClr val="accent1">
+              <a:shade val="15000"/>
+            </a:schemeClr>
+          </a:lnRef>
+          <a:fillRef idx="1">
+            <a:schemeClr val="accent1"/>
+          </a:fillRef>
+          <a:effectRef idx="0">
+            <a:schemeClr val="accent1"/>
+          </a:effectRef>
+          <a:fontRef idx="minor">
+            <a:schemeClr val="lt1"/>
+          </a:fontRef>
+        </p:style>
+        <p:txBody>
+          <a:bodyPr rtlCol="0" anchor="ctr"/>
+          <a:lstStyle/>
+          <a:p>
+            <a:pPr algn="ctr"/>
+            <a:r>
+              <a:rPr lang="en-US" altLang="zh-CN" sz="1400" dirty="0"/>
+              <a:t>0</a:t>
+            </a:r>
+            <a:endParaRPr lang="en-US" sz="1400" dirty="0"/>
+          </a:p>
+        </p:txBody>
+      </p:sp>
+      <p:sp>
+        <p:nvSpPr>
+          <p:cNvPr id="75" name="Rectangle 74">
+            <a:extLst>
+              <a:ext uri="{FF2B5EF4-FFF2-40B4-BE49-F238E27FC236}">
+                <a16:creationId xmlns:a16="http://schemas.microsoft.com/office/drawing/2014/main" id="{DF1FA627-AD75-C21D-BF68-D70B2DC33AA2}"/>
+              </a:ext>
+            </a:extLst>
+          </p:cNvPr>
+          <p:cNvSpPr/>
+          <p:nvPr/>
+        </p:nvSpPr>
+        <p:spPr>
+          <a:xfrm>
+            <a:off x="6074584" y="5336005"/>
+            <a:ext cx="481263" cy="348916"/>
+          </a:xfrm>
+          <a:prstGeom prst="rect">
+            <a:avLst/>
+          </a:prstGeom>
+          <a:solidFill>
+            <a:schemeClr val="tx1">
+              <a:lumMod val="65000"/>
+              <a:lumOff val="35000"/>
+            </a:schemeClr>
+          </a:solidFill>
+        </p:spPr>
+        <p:style>
+          <a:lnRef idx="2">
+            <a:schemeClr val="accent1">
+              <a:shade val="15000"/>
+            </a:schemeClr>
+          </a:lnRef>
+          <a:fillRef idx="1">
+            <a:schemeClr val="accent1"/>
+          </a:fillRef>
+          <a:effectRef idx="0">
+            <a:schemeClr val="accent1"/>
+          </a:effectRef>
+          <a:fontRef idx="minor">
+            <a:schemeClr val="lt1"/>
+          </a:fontRef>
+        </p:style>
+        <p:txBody>
+          <a:bodyPr rtlCol="0" anchor="ctr"/>
+          <a:lstStyle/>
+          <a:p>
+            <a:pPr algn="ctr"/>
+            <a:r>
+              <a:rPr lang="en-US" altLang="zh-CN" sz="1400" dirty="0"/>
+              <a:t>0</a:t>
+            </a:r>
+            <a:endParaRPr lang="en-US" sz="1400" dirty="0"/>
+          </a:p>
+        </p:txBody>
+      </p:sp>
+      <p:sp>
+        <p:nvSpPr>
+          <p:cNvPr id="76" name="Rectangle 75">
+            <a:extLst>
+              <a:ext uri="{FF2B5EF4-FFF2-40B4-BE49-F238E27FC236}">
+                <a16:creationId xmlns:a16="http://schemas.microsoft.com/office/drawing/2014/main" id="{BC5E04DC-8343-7C75-F84A-DB412037CF6C}"/>
+              </a:ext>
+            </a:extLst>
+          </p:cNvPr>
+          <p:cNvSpPr/>
+          <p:nvPr/>
+        </p:nvSpPr>
+        <p:spPr>
+          <a:xfrm>
+            <a:off x="6543815" y="5336005"/>
+            <a:ext cx="481263" cy="348916"/>
+          </a:xfrm>
+          <a:prstGeom prst="rect">
+            <a:avLst/>
+          </a:prstGeom>
+          <a:solidFill>
+            <a:schemeClr val="tx1">
+              <a:lumMod val="65000"/>
+              <a:lumOff val="35000"/>
+            </a:schemeClr>
+          </a:solidFill>
+        </p:spPr>
+        <p:style>
+          <a:lnRef idx="2">
+            <a:schemeClr val="accent1">
+              <a:shade val="15000"/>
+            </a:schemeClr>
+          </a:lnRef>
+          <a:fillRef idx="1">
+            <a:schemeClr val="accent1"/>
+          </a:fillRef>
+          <a:effectRef idx="0">
+            <a:schemeClr val="accent1"/>
+          </a:effectRef>
+          <a:fontRef idx="minor">
+            <a:schemeClr val="lt1"/>
+          </a:fontRef>
+        </p:style>
+        <p:txBody>
+          <a:bodyPr rtlCol="0" anchor="ctr"/>
+          <a:lstStyle/>
+          <a:p>
+            <a:pPr algn="ctr"/>
+            <a:r>
+              <a:rPr lang="en-US" altLang="zh-CN" sz="1400" dirty="0"/>
+              <a:t>0</a:t>
+            </a:r>
+            <a:endParaRPr lang="en-US" sz="1400" dirty="0"/>
+          </a:p>
+        </p:txBody>
+      </p:sp>
+      <p:sp>
+        <p:nvSpPr>
+          <p:cNvPr id="77" name="Down Arrow 76">
+            <a:extLst>
+              <a:ext uri="{FF2B5EF4-FFF2-40B4-BE49-F238E27FC236}">
+                <a16:creationId xmlns:a16="http://schemas.microsoft.com/office/drawing/2014/main" id="{4D0EA9E9-612E-F699-02CF-D86DE7E2C776}"/>
+              </a:ext>
+            </a:extLst>
+          </p:cNvPr>
+          <p:cNvSpPr/>
+          <p:nvPr/>
+        </p:nvSpPr>
+        <p:spPr>
+          <a:xfrm>
+            <a:off x="5089358" y="4591325"/>
+            <a:ext cx="336884" cy="505326"/>
+          </a:xfrm>
+          <a:prstGeom prst="downArrow">
+            <a:avLst/>
+          </a:prstGeom>
+        </p:spPr>
+        <p:style>
+          <a:lnRef idx="2">
+            <a:schemeClr val="accent1">
+              <a:shade val="15000"/>
+            </a:schemeClr>
+          </a:lnRef>
+          <a:fillRef idx="1">
+            <a:schemeClr val="accent1"/>
+          </a:fillRef>
+          <a:effectRef idx="0">
+            <a:schemeClr val="accent1"/>
+          </a:effectRef>
+          <a:fontRef idx="minor">
+            <a:schemeClr val="lt1"/>
+          </a:fontRef>
+        </p:style>
+        <p:txBody>
+          <a:bodyPr rtlCol="0" anchor="ctr"/>
+          <a:lstStyle/>
+          <a:p>
+            <a:pPr algn="ctr"/>
+            <a:endParaRPr lang="en-US"/>
+          </a:p>
+        </p:txBody>
+      </p:sp>
+      <p:sp>
+        <p:nvSpPr>
+          <p:cNvPr id="78" name="TextBox 77">
+            <a:extLst>
+              <a:ext uri="{FF2B5EF4-FFF2-40B4-BE49-F238E27FC236}">
+                <a16:creationId xmlns:a16="http://schemas.microsoft.com/office/drawing/2014/main" id="{89CF3FE7-56E1-B3FE-25CA-4EBCCE53EC76}"/>
+              </a:ext>
+            </a:extLst>
+          </p:cNvPr>
+          <p:cNvSpPr txBox="1"/>
+          <p:nvPr/>
+        </p:nvSpPr>
+        <p:spPr>
+          <a:xfrm>
+            <a:off x="5582653" y="4584031"/>
+            <a:ext cx="1374094" cy="369332"/>
+          </a:xfrm>
+          <a:prstGeom prst="rect">
+            <a:avLst/>
+          </a:prstGeom>
+          <a:noFill/>
+        </p:spPr>
+        <p:txBody>
+          <a:bodyPr wrap="none" rtlCol="0">
+            <a:spAutoFit/>
+          </a:bodyPr>
+          <a:lstStyle/>
+          <a:p>
+            <a:r>
+              <a:rPr lang="en-US" altLang="zh-CN" dirty="0"/>
+              <a:t>Add</a:t>
+            </a:r>
+            <a:r>
+              <a:rPr lang="zh-CN" altLang="en-US" dirty="0"/>
+              <a:t> </a:t>
+            </a:r>
+            <a:r>
+              <a:rPr lang="en-US" altLang="zh-CN" dirty="0"/>
+              <a:t>padding</a:t>
+            </a:r>
+            <a:endParaRPr lang="en-US" dirty="0"/>
+          </a:p>
+        </p:txBody>
+      </p:sp>
+      <p:sp>
+        <p:nvSpPr>
+          <p:cNvPr id="80" name="Rectangle 79">
+            <a:extLst>
+              <a:ext uri="{FF2B5EF4-FFF2-40B4-BE49-F238E27FC236}">
+                <a16:creationId xmlns:a16="http://schemas.microsoft.com/office/drawing/2014/main" id="{0DEF9876-9AC5-0B35-0C32-F2259DE77386}"/>
+              </a:ext>
+            </a:extLst>
+          </p:cNvPr>
+          <p:cNvSpPr/>
+          <p:nvPr/>
+        </p:nvSpPr>
+        <p:spPr>
+          <a:xfrm>
+            <a:off x="6850409" y="3704898"/>
+            <a:ext cx="481263" cy="348916"/>
+          </a:xfrm>
+          <a:prstGeom prst="rect">
+            <a:avLst/>
+          </a:prstGeom>
+          <a:solidFill>
+            <a:schemeClr val="accent2"/>
+          </a:solidFill>
+        </p:spPr>
+        <p:style>
+          <a:lnRef idx="2">
+            <a:schemeClr val="accent1">
+              <a:shade val="15000"/>
+            </a:schemeClr>
+          </a:lnRef>
+          <a:fillRef idx="1">
+            <a:schemeClr val="accent1"/>
+          </a:fillRef>
+          <a:effectRef idx="0">
+            <a:schemeClr val="accent1"/>
+          </a:effectRef>
+          <a:fontRef idx="minor">
+            <a:schemeClr val="lt1"/>
+          </a:fontRef>
+        </p:style>
+        <p:txBody>
+          <a:bodyPr rtlCol="0" anchor="ctr"/>
+          <a:lstStyle/>
+          <a:p>
+            <a:pPr algn="ctr"/>
+            <a:r>
+              <a:rPr lang="en-US" altLang="zh-CN" sz="1600" dirty="0"/>
+              <a:t>1</a:t>
+            </a:r>
+            <a:endParaRPr lang="en-US" sz="1600" dirty="0"/>
+          </a:p>
+        </p:txBody>
+      </p:sp>
+      <p:sp>
+        <p:nvSpPr>
+          <p:cNvPr id="81" name="Rectangle 80">
+            <a:extLst>
+              <a:ext uri="{FF2B5EF4-FFF2-40B4-BE49-F238E27FC236}">
+                <a16:creationId xmlns:a16="http://schemas.microsoft.com/office/drawing/2014/main" id="{3C77642D-2A8D-1F6C-83B0-60C8A3E10A83}"/>
+              </a:ext>
+            </a:extLst>
+          </p:cNvPr>
+          <p:cNvSpPr/>
+          <p:nvPr/>
+        </p:nvSpPr>
+        <p:spPr>
+          <a:xfrm>
+            <a:off x="7315197" y="3704447"/>
+            <a:ext cx="481263" cy="348916"/>
+          </a:xfrm>
+          <a:prstGeom prst="rect">
+            <a:avLst/>
+          </a:prstGeom>
+        </p:spPr>
+        <p:style>
+          <a:lnRef idx="2">
+            <a:schemeClr val="accent1">
+              <a:shade val="15000"/>
+            </a:schemeClr>
+          </a:lnRef>
+          <a:fillRef idx="1">
+            <a:schemeClr val="accent1"/>
+          </a:fillRef>
+          <a:effectRef idx="0">
+            <a:schemeClr val="accent1"/>
+          </a:effectRef>
+          <a:fontRef idx="minor">
+            <a:schemeClr val="lt1"/>
+          </a:fontRef>
+        </p:style>
+        <p:txBody>
+          <a:bodyPr rtlCol="0" anchor="ctr"/>
+          <a:lstStyle/>
+          <a:p>
+            <a:pPr algn="ctr"/>
+            <a:r>
+              <a:rPr lang="en-US" altLang="zh-CN" sz="1600" dirty="0"/>
+              <a:t>1..</a:t>
+            </a:r>
+            <a:endParaRPr lang="en-US" sz="1600" dirty="0"/>
+          </a:p>
+        </p:txBody>
+      </p:sp>
+      <p:sp>
+        <p:nvSpPr>
+          <p:cNvPr id="82" name="Rectangle 81">
+            <a:extLst>
+              <a:ext uri="{FF2B5EF4-FFF2-40B4-BE49-F238E27FC236}">
+                <a16:creationId xmlns:a16="http://schemas.microsoft.com/office/drawing/2014/main" id="{27EB6086-82F5-F862-399F-2C0D2427207B}"/>
+              </a:ext>
+            </a:extLst>
+          </p:cNvPr>
+          <p:cNvSpPr/>
+          <p:nvPr/>
+        </p:nvSpPr>
+        <p:spPr>
+          <a:xfrm>
+            <a:off x="7784427" y="3707867"/>
+            <a:ext cx="481263" cy="348916"/>
+          </a:xfrm>
+          <a:prstGeom prst="rect">
+            <a:avLst/>
+          </a:prstGeom>
+        </p:spPr>
+        <p:style>
+          <a:lnRef idx="2">
+            <a:schemeClr val="accent1">
+              <a:shade val="15000"/>
+            </a:schemeClr>
+          </a:lnRef>
+          <a:fillRef idx="1">
+            <a:schemeClr val="accent1"/>
+          </a:fillRef>
+          <a:effectRef idx="0">
+            <a:schemeClr val="accent1"/>
+          </a:effectRef>
+          <a:fontRef idx="minor">
+            <a:schemeClr val="lt1"/>
+          </a:fontRef>
+        </p:style>
+        <p:txBody>
+          <a:bodyPr rtlCol="0" anchor="ctr"/>
+          <a:lstStyle/>
+          <a:p>
+            <a:pPr algn="ctr"/>
+            <a:r>
+              <a:rPr lang="en-US" altLang="zh-CN" sz="1600" dirty="0"/>
+              <a:t>49</a:t>
+            </a:r>
+            <a:r>
+              <a:rPr lang="zh-CN" altLang="en-US" sz="1600" dirty="0"/>
+              <a:t>*</a:t>
+            </a:r>
+            <a:r>
+              <a:rPr lang="en-US" altLang="zh-CN" sz="1600" dirty="0"/>
+              <a:t>1</a:t>
+            </a:r>
+            <a:endParaRPr lang="en-US" sz="1600" dirty="0"/>
+          </a:p>
+        </p:txBody>
+      </p:sp>
+      <p:sp>
+        <p:nvSpPr>
+          <p:cNvPr id="88" name="Rectangle 87">
+            <a:extLst>
+              <a:ext uri="{FF2B5EF4-FFF2-40B4-BE49-F238E27FC236}">
+                <a16:creationId xmlns:a16="http://schemas.microsoft.com/office/drawing/2014/main" id="{05FCB98C-BA8B-9D28-C512-2607376E85EE}"/>
+              </a:ext>
+            </a:extLst>
+          </p:cNvPr>
+          <p:cNvSpPr/>
+          <p:nvPr/>
+        </p:nvSpPr>
+        <p:spPr>
+          <a:xfrm>
+            <a:off x="8273270" y="3704447"/>
+            <a:ext cx="481263" cy="348916"/>
+          </a:xfrm>
+          <a:prstGeom prst="rect">
+            <a:avLst/>
+          </a:prstGeom>
+          <a:solidFill>
+            <a:schemeClr val="accent6"/>
+          </a:solidFill>
+        </p:spPr>
+        <p:style>
+          <a:lnRef idx="2">
+            <a:schemeClr val="accent1">
+              <a:shade val="15000"/>
+            </a:schemeClr>
+          </a:lnRef>
+          <a:fillRef idx="1">
+            <a:schemeClr val="accent1"/>
+          </a:fillRef>
+          <a:effectRef idx="0">
+            <a:schemeClr val="accent1"/>
+          </a:effectRef>
+          <a:fontRef idx="minor">
+            <a:schemeClr val="lt1"/>
+          </a:fontRef>
+        </p:style>
+        <p:txBody>
+          <a:bodyPr rtlCol="0" anchor="ctr"/>
+          <a:lstStyle/>
+          <a:p>
+            <a:pPr algn="ctr"/>
+            <a:r>
+              <a:rPr lang="en-US" altLang="zh-CN" dirty="0"/>
+              <a:t>1</a:t>
+            </a:r>
+            <a:endParaRPr lang="en-US" dirty="0"/>
+          </a:p>
+        </p:txBody>
+      </p:sp>
+      <p:sp>
+        <p:nvSpPr>
+          <p:cNvPr id="92" name="Down Arrow 91">
+            <a:extLst>
+              <a:ext uri="{FF2B5EF4-FFF2-40B4-BE49-F238E27FC236}">
+                <a16:creationId xmlns:a16="http://schemas.microsoft.com/office/drawing/2014/main" id="{9D7321E8-978C-C3CF-6897-85CDF163D45F}"/>
+              </a:ext>
+            </a:extLst>
+          </p:cNvPr>
+          <p:cNvSpPr/>
+          <p:nvPr/>
+        </p:nvSpPr>
+        <p:spPr>
+          <a:xfrm rot="14900225">
+            <a:off x="5987932" y="3843610"/>
+            <a:ext cx="336884" cy="505326"/>
+          </a:xfrm>
+          <a:prstGeom prst="downArrow">
+            <a:avLst/>
+          </a:prstGeom>
+        </p:spPr>
+        <p:style>
+          <a:lnRef idx="2">
+            <a:schemeClr val="accent1">
+              <a:shade val="15000"/>
+            </a:schemeClr>
+          </a:lnRef>
+          <a:fillRef idx="1">
+            <a:schemeClr val="accent1"/>
+          </a:fillRef>
+          <a:effectRef idx="0">
+            <a:schemeClr val="accent1"/>
+          </a:effectRef>
+          <a:fontRef idx="minor">
+            <a:schemeClr val="lt1"/>
+          </a:fontRef>
+        </p:style>
+        <p:txBody>
+          <a:bodyPr rtlCol="0" anchor="ctr"/>
+          <a:lstStyle/>
+          <a:p>
+            <a:pPr algn="ctr"/>
+            <a:endParaRPr lang="en-US"/>
+          </a:p>
+        </p:txBody>
+      </p:sp>
+      <p:sp>
+        <p:nvSpPr>
+          <p:cNvPr id="93" name="TextBox 92">
+            <a:extLst>
+              <a:ext uri="{FF2B5EF4-FFF2-40B4-BE49-F238E27FC236}">
+                <a16:creationId xmlns:a16="http://schemas.microsoft.com/office/drawing/2014/main" id="{66910637-AB57-722A-4BFB-A52E53A3C515}"/>
+              </a:ext>
+            </a:extLst>
+          </p:cNvPr>
+          <p:cNvSpPr txBox="1"/>
+          <p:nvPr/>
+        </p:nvSpPr>
+        <p:spPr>
+          <a:xfrm>
+            <a:off x="6300133" y="4073328"/>
+            <a:ext cx="1881862" cy="369332"/>
+          </a:xfrm>
+          <a:prstGeom prst="rect">
+            <a:avLst/>
+          </a:prstGeom>
+          <a:noFill/>
+        </p:spPr>
+        <p:txBody>
+          <a:bodyPr wrap="none" rtlCol="0">
+            <a:spAutoFit/>
+          </a:bodyPr>
+          <a:lstStyle/>
+          <a:p>
+            <a:r>
+              <a:rPr lang="en-US" altLang="zh-CN" dirty="0"/>
+              <a:t>Add</a:t>
+            </a:r>
+            <a:r>
+              <a:rPr lang="zh-CN" altLang="en-US" dirty="0"/>
+              <a:t> </a:t>
+            </a:r>
+            <a:r>
+              <a:rPr lang="en-US" altLang="zh-CN" dirty="0"/>
+              <a:t>49</a:t>
+            </a:r>
+            <a:r>
+              <a:rPr lang="zh-CN" altLang="en-US" dirty="0"/>
+              <a:t> </a:t>
+            </a:r>
+            <a:r>
+              <a:rPr lang="en-US" altLang="zh-CN" dirty="0"/>
+              <a:t>for</a:t>
+            </a:r>
+            <a:r>
+              <a:rPr lang="zh-CN" altLang="en-US" dirty="0"/>
+              <a:t> </a:t>
+            </a:r>
+            <a:r>
+              <a:rPr lang="en-US" altLang="zh-CN" dirty="0"/>
+              <a:t>images</a:t>
+            </a:r>
+            <a:endParaRPr lang="en-US" dirty="0"/>
+          </a:p>
+        </p:txBody>
+      </p:sp>
+    </p:spTree>
+    <p:extLst>
+      <p:ext uri="{BB962C8B-B14F-4D97-AF65-F5344CB8AC3E}">
+        <p14:creationId xmlns:p14="http://schemas.microsoft.com/office/powerpoint/2010/main" val="3363548299"/>
+      </p:ext>
+    </p:extLst>
   </p:cSld>
   <p:clrMapOvr>
     <a:masterClrMapping/>
@@ -4938,6 +10775,8 @@
       </a:bgFillStyleLst>
     </a:fmtScheme>
   </a:themeElements>
+  <a:objectDefaults/>
+  <a:extraClrSchemeLst/>
   <a:extLst>
     <a:ext uri="{05A4C25C-085E-4340-85A3-A5531E510DB2}">
       <thm15:themeFamily xmlns:thm15="http://schemas.microsoft.com/office/thememl/2012/main" name="Office Theme" id="{62F939B6-93AF-4DB8-9C6B-D6C7DFDC589F}" vid="{4A3C46E8-61CC-4603-A589-7422A47A8E4A}"/>
@@ -5197,6 +11036,8 @@
       </a:bgFillStyleLst>
     </a:fmtScheme>
   </a:themeElements>
+  <a:objectDefaults/>
+  <a:extraClrSchemeLst/>
   <a:extLst>
     <a:ext uri="{05A4C25C-085E-4340-85A3-A5531E510DB2}">
       <thm15:themeFamily xmlns:thm15="http://schemas.microsoft.com/office/thememl/2012/main" name="Office Theme" id="{62F939B6-93AF-4DB8-9C6B-D6C7DFDC589F}" vid="{4A3C46E8-61CC-4603-A589-7422A47A8E4A}"/>
